--- a/21 Jmeter的使用.pptx
+++ b/21 Jmeter的使用.pptx
@@ -5,28 +5,35 @@
     <p:sldMasterId id="2147483662" r:id="rId1"/>
   </p:sldMasterIdLst>
   <p:notesMasterIdLst>
-    <p:notesMasterId r:id="rId18"/>
+    <p:notesMasterId r:id="rId25"/>
   </p:notesMasterIdLst>
   <p:handoutMasterIdLst>
-    <p:handoutMasterId r:id="rId19"/>
+    <p:handoutMasterId r:id="rId26"/>
   </p:handoutMasterIdLst>
   <p:sldIdLst>
     <p:sldId id="256" r:id="rId2"/>
-    <p:sldId id="276" r:id="rId3"/>
-    <p:sldId id="285" r:id="rId4"/>
-    <p:sldId id="277" r:id="rId5"/>
-    <p:sldId id="287" r:id="rId6"/>
-    <p:sldId id="286" r:id="rId7"/>
-    <p:sldId id="288" r:id="rId8"/>
-    <p:sldId id="294" r:id="rId9"/>
-    <p:sldId id="289" r:id="rId10"/>
-    <p:sldId id="300" r:id="rId11"/>
-    <p:sldId id="290" r:id="rId12"/>
-    <p:sldId id="295" r:id="rId13"/>
-    <p:sldId id="296" r:id="rId14"/>
-    <p:sldId id="293" r:id="rId15"/>
-    <p:sldId id="297" r:id="rId16"/>
-    <p:sldId id="302" r:id="rId17"/>
+    <p:sldId id="310" r:id="rId3"/>
+    <p:sldId id="311" r:id="rId4"/>
+    <p:sldId id="305" r:id="rId5"/>
+    <p:sldId id="306" r:id="rId6"/>
+    <p:sldId id="308" r:id="rId7"/>
+    <p:sldId id="309" r:id="rId8"/>
+    <p:sldId id="285" r:id="rId9"/>
+    <p:sldId id="277" r:id="rId10"/>
+    <p:sldId id="287" r:id="rId11"/>
+    <p:sldId id="286" r:id="rId12"/>
+    <p:sldId id="288" r:id="rId13"/>
+    <p:sldId id="294" r:id="rId14"/>
+    <p:sldId id="289" r:id="rId15"/>
+    <p:sldId id="300" r:id="rId16"/>
+    <p:sldId id="290" r:id="rId17"/>
+    <p:sldId id="295" r:id="rId18"/>
+    <p:sldId id="296" r:id="rId19"/>
+    <p:sldId id="293" r:id="rId20"/>
+    <p:sldId id="297" r:id="rId21"/>
+    <p:sldId id="307" r:id="rId22"/>
+    <p:sldId id="312" r:id="rId23"/>
+    <p:sldId id="302" r:id="rId24"/>
   </p:sldIdLst>
   <p:sldSz cx="9144000" cy="6858000" type="screen4x3"/>
   <p:notesSz cx="6858000" cy="9144000"/>
@@ -210,7 +217,7 @@
           <a:p>
             <a:fld id="{4C0C34BD-E92F-4846-99CD-1FC2B7785DFE}" type="datetimeFigureOut">
               <a:rPr lang="zh-CN" altLang="en-US" smtClean="0"/>
-              <a:t>2018/2/3</a:t>
+              <a:t>2018/4/3</a:t>
             </a:fld>
             <a:endParaRPr lang="zh-CN" altLang="en-US"/>
           </a:p>
@@ -375,7 +382,7 @@
           <a:p>
             <a:fld id="{12917036-4097-4A67-B82A-FD5C6195453D}" type="datetimeFigureOut">
               <a:rPr lang="zh-CN" altLang="en-US" smtClean="0"/>
-              <a:t>2018/2/3</a:t>
+              <a:t>2018/4/3</a:t>
             </a:fld>
             <a:endParaRPr lang="zh-CN" altLang="en-US"/>
           </a:p>
@@ -684,28 +691,9 @@
         </p:nvSpPr>
         <p:spPr/>
         <p:txBody>
-          <a:bodyPr>
-            <a:normAutofit/>
-          </a:bodyPr>
+          <a:bodyPr/>
           <a:lstStyle/>
           <a:p>
-            <a:pPr marL="0" marR="0" indent="0" algn="l" defTabSz="914400" rtl="0" eaLnBrk="0" fontAlgn="base" latinLnBrk="0" hangingPunct="0">
-              <a:lnSpc>
-                <a:spcPct val="100000"/>
-              </a:lnSpc>
-              <a:spcBef>
-                <a:spcPct val="30000"/>
-              </a:spcBef>
-              <a:spcAft>
-                <a:spcPct val="0"/>
-              </a:spcAft>
-              <a:buClrTx/>
-              <a:buSzTx/>
-              <a:buFontTx/>
-              <a:buNone/>
-              <a:tabLst/>
-              <a:defRPr/>
-            </a:pPr>
             <a:endParaRPr lang="zh-CN" altLang="en-US" dirty="0"/>
           </a:p>
         </p:txBody>
@@ -725,21 +713,20 @@
           <a:bodyPr/>
           <a:lstStyle/>
           <a:p>
-            <a:pPr>
-              <a:defRPr/>
-            </a:pPr>
-            <a:fld id="{7B565539-1346-44A4-954F-10AB955F0E30}" type="slidenum">
+            <a:fld id="{492130AA-67D2-4DB7-A4EE-A3ADA8CA71A6}" type="slidenum">
               <a:rPr lang="zh-CN" altLang="en-US" smtClean="0"/>
-              <a:pPr>
-                <a:defRPr/>
-              </a:pPr>
               <a:t>4</a:t>
             </a:fld>
-            <a:endParaRPr lang="en-US" altLang="zh-CN"/>
+            <a:endParaRPr lang="zh-CN" altLang="en-US"/>
           </a:p>
         </p:txBody>
       </p:sp>
     </p:spTree>
+    <p:extLst>
+      <p:ext uri="{BB962C8B-B14F-4D97-AF65-F5344CB8AC3E}">
+        <p14:creationId xmlns:p14="http://schemas.microsoft.com/office/powerpoint/2010/main" val="3874571837"/>
+      </p:ext>
+    </p:extLst>
   </p:cSld>
   <p:clrMapOvr>
     <a:masterClrMapping/>
@@ -788,13 +775,28 @@
         </p:nvSpPr>
         <p:spPr/>
         <p:txBody>
-          <a:bodyPr/>
+          <a:bodyPr>
+            <a:normAutofit/>
+          </a:bodyPr>
           <a:lstStyle/>
           <a:p>
-            <a:r>
-              <a:rPr lang="zh-CN" altLang="en-US" dirty="0" smtClean="0"/>
-              <a:t>因为多线程，顺序是随机的</a:t>
-            </a:r>
+            <a:pPr marL="0" marR="0" indent="0" algn="l" defTabSz="914400" rtl="0" eaLnBrk="0" fontAlgn="base" latinLnBrk="0" hangingPunct="0">
+              <a:lnSpc>
+                <a:spcPct val="100000"/>
+              </a:lnSpc>
+              <a:spcBef>
+                <a:spcPct val="30000"/>
+              </a:spcBef>
+              <a:spcAft>
+                <a:spcPct val="0"/>
+              </a:spcAft>
+              <a:buClrTx/>
+              <a:buSzTx/>
+              <a:buFontTx/>
+              <a:buNone/>
+              <a:tabLst/>
+              <a:defRPr/>
+            </a:pPr>
             <a:endParaRPr lang="zh-CN" altLang="en-US" dirty="0"/>
           </a:p>
         </p:txBody>
@@ -814,20 +816,21 @@
           <a:bodyPr/>
           <a:lstStyle/>
           <a:p>
-            <a:fld id="{492130AA-67D2-4DB7-A4EE-A3ADA8CA71A6}" type="slidenum">
+            <a:pPr>
+              <a:defRPr/>
+            </a:pPr>
+            <a:fld id="{7B565539-1346-44A4-954F-10AB955F0E30}" type="slidenum">
               <a:rPr lang="zh-CN" altLang="en-US" smtClean="0"/>
-              <a:t>6</a:t>
+              <a:pPr>
+                <a:defRPr/>
+              </a:pPr>
+              <a:t>9</a:t>
             </a:fld>
-            <a:endParaRPr lang="zh-CN" altLang="en-US"/>
+            <a:endParaRPr lang="en-US" altLang="zh-CN"/>
           </a:p>
         </p:txBody>
       </p:sp>
     </p:spTree>
-    <p:extLst>
-      <p:ext uri="{BB962C8B-B14F-4D97-AF65-F5344CB8AC3E}">
-        <p14:creationId xmlns:p14="http://schemas.microsoft.com/office/powerpoint/2010/main" val="4206131701"/>
-      </p:ext>
-    </p:extLst>
   </p:cSld>
   <p:clrMapOvr>
     <a:masterClrMapping/>
@@ -881,7 +884,7 @@
           <a:p>
             <a:r>
               <a:rPr lang="zh-CN" altLang="en-US" dirty="0" smtClean="0"/>
-              <a:t>判断结果的正确性</a:t>
+              <a:t>因为多线程，顺序是随机的</a:t>
             </a:r>
             <a:endParaRPr lang="zh-CN" altLang="en-US" dirty="0"/>
           </a:p>
@@ -913,7 +916,7 @@
     </p:spTree>
     <p:extLst>
       <p:ext uri="{BB962C8B-B14F-4D97-AF65-F5344CB8AC3E}">
-        <p14:creationId xmlns:p14="http://schemas.microsoft.com/office/powerpoint/2010/main" val="4091901201"/>
+        <p14:creationId xmlns:p14="http://schemas.microsoft.com/office/powerpoint/2010/main" val="4206131701"/>
       </p:ext>
     </p:extLst>
   </p:cSld>
@@ -969,42 +972,7 @@
           <a:p>
             <a:r>
               <a:rPr lang="zh-CN" altLang="en-US" dirty="0" smtClean="0"/>
-              <a:t>关联</a:t>
-            </a:r>
-          </a:p>
-          <a:p>
-            <a:r>
-              <a:rPr lang="en-US" altLang="zh-CN" dirty="0" smtClean="0"/>
-              <a:t>http://toy1.weather.com.cn/search?cityname=</a:t>
-            </a:r>
-            <a:r>
-              <a:rPr lang="zh-CN" altLang="en-US" dirty="0" smtClean="0"/>
-              <a:t>上海</a:t>
-            </a:r>
-          </a:p>
-          <a:p>
-            <a:r>
-              <a:rPr lang="en-US" altLang="zh-CN" dirty="0" smtClean="0"/>
-              <a:t>http://</a:t>
-            </a:r>
-            <a:r>
-              <a:rPr lang="en-US" altLang="zh-CN" dirty="0" smtClean="0"/>
-              <a:t>www.weather.com.cn/data/cityinfo/101010100.html</a:t>
-            </a:r>
-          </a:p>
-          <a:p>
-            <a:endParaRPr lang="en-US" altLang="zh-CN" dirty="0" smtClean="0"/>
-          </a:p>
-          <a:p>
-            <a:r>
-              <a:rPr lang="en-US" altLang="zh-CN" dirty="0" smtClean="0"/>
-              <a:t>(\d{9})~</a:t>
-            </a:r>
-          </a:p>
-          <a:p>
-            <a:r>
-              <a:rPr lang="en-US" altLang="zh-CN" dirty="0" smtClean="0"/>
-              <a:t>"ref":"(.*?)~</a:t>
+              <a:t>判断结果的正确性</a:t>
             </a:r>
             <a:endParaRPr lang="zh-CN" altLang="en-US" dirty="0"/>
           </a:p>
@@ -1027,7 +995,7 @@
           <a:p>
             <a:fld id="{492130AA-67D2-4DB7-A4EE-A3ADA8CA71A6}" type="slidenum">
               <a:rPr lang="zh-CN" altLang="en-US" smtClean="0"/>
-              <a:t>13</a:t>
+              <a:t>16</a:t>
             </a:fld>
             <a:endParaRPr lang="zh-CN" altLang="en-US"/>
           </a:p>
@@ -1036,7 +1004,7 @@
     </p:spTree>
     <p:extLst>
       <p:ext uri="{BB962C8B-B14F-4D97-AF65-F5344CB8AC3E}">
-        <p14:creationId xmlns:p14="http://schemas.microsoft.com/office/powerpoint/2010/main" val="2479992857"/>
+        <p14:creationId xmlns:p14="http://schemas.microsoft.com/office/powerpoint/2010/main" val="4091901201"/>
       </p:ext>
     </p:extLst>
   </p:cSld>
@@ -1091,72 +1059,21 @@
           <a:lstStyle/>
           <a:p>
             <a:r>
-              <a:rPr lang="zh-CN" altLang="en-US" dirty="0" smtClean="0"/>
-              <a:t>在</a:t>
-            </a:r>
-            <a:r>
-              <a:rPr lang="en-US" altLang="zh-CN" sz="1200" dirty="0" smtClean="0">
-                <a:latin typeface="+mn-ea"/>
-              </a:rPr>
-              <a:t>agent</a:t>
-            </a:r>
-            <a:r>
-              <a:rPr lang="zh-CN" altLang="en-US" dirty="0" smtClean="0"/>
-              <a:t>机的</a:t>
-            </a:r>
-            <a:r>
-              <a:rPr lang="en-US" altLang="zh-CN" dirty="0" err="1" smtClean="0"/>
-              <a:t>Jmeter</a:t>
-            </a:r>
-            <a:r>
-              <a:rPr lang="zh-CN" altLang="en-US" dirty="0" smtClean="0"/>
-              <a:t>的</a:t>
-            </a:r>
-            <a:r>
               <a:rPr lang="en-US" altLang="zh-CN" dirty="0" smtClean="0"/>
-              <a:t>bin</a:t>
-            </a:r>
-            <a:r>
-              <a:rPr lang="zh-CN" altLang="en-US" dirty="0" smtClean="0"/>
-              <a:t>目录下，找到</a:t>
-            </a:r>
-            <a:r>
-              <a:rPr lang="en-US" altLang="zh-CN" dirty="0" err="1" smtClean="0"/>
-              <a:t>jmeter.properties</a:t>
-            </a:r>
-            <a:r>
-              <a:rPr lang="zh-CN" altLang="en-US" dirty="0" smtClean="0"/>
-              <a:t>文件，修改如下两个配置项，比如我这里修改为</a:t>
-            </a:r>
-            <a:r>
-              <a:rPr lang="en-US" altLang="zh-CN" dirty="0" smtClean="0"/>
-              <a:t>1888</a:t>
-            </a:r>
-            <a:r>
-              <a:rPr lang="zh-CN" altLang="en-US" dirty="0" smtClean="0"/>
-              <a:t>：</a:t>
-            </a:r>
-          </a:p>
-          <a:p>
-            <a:r>
-              <a:rPr lang="en-US" altLang="zh-CN" dirty="0" err="1" smtClean="0"/>
-              <a:t>server_port</a:t>
-            </a:r>
-            <a:r>
-              <a:rPr lang="en-US" altLang="zh-CN" dirty="0" smtClean="0"/>
-              <a:t>=2134</a:t>
-            </a:r>
-          </a:p>
-          <a:p>
-            <a:r>
-              <a:rPr lang="en-US" altLang="zh-CN" dirty="0" err="1" smtClean="0"/>
-              <a:t>server.rmi.localport</a:t>
-            </a:r>
-            <a:r>
-              <a:rPr lang="en-US" altLang="zh-CN" dirty="0" smtClean="0"/>
-              <a:t>=2134</a:t>
-            </a:r>
-            <a:endParaRPr lang="en-US" altLang="zh-CN" dirty="0"/>
+              <a:t>.+?</a:t>
+            </a:r>
+            <a:r>
+              <a:rPr lang="en-US" altLang="zh-CN" baseline="0" dirty="0" smtClean="0"/>
+              <a:t>  +</a:t>
+            </a:r>
+            <a:r>
+              <a:rPr lang="zh-CN" altLang="en-US" baseline="0" dirty="0" smtClean="0"/>
+              <a:t>一次或多次</a:t>
+            </a:r>
+            <a:r>
+              <a:rPr lang="en-US" altLang="zh-CN" baseline="0" dirty="0" smtClean="0"/>
+              <a:t>.*</a:t>
+            </a:r>
           </a:p>
         </p:txBody>
       </p:sp>
@@ -1177,7 +1094,7 @@
           <a:p>
             <a:fld id="{492130AA-67D2-4DB7-A4EE-A3ADA8CA71A6}" type="slidenum">
               <a:rPr lang="zh-CN" altLang="en-US" smtClean="0"/>
-              <a:t>15</a:t>
+              <a:t>17</a:t>
             </a:fld>
             <a:endParaRPr lang="zh-CN" altLang="en-US"/>
           </a:p>
@@ -1186,7 +1103,7 @@
     </p:spTree>
     <p:extLst>
       <p:ext uri="{BB962C8B-B14F-4D97-AF65-F5344CB8AC3E}">
-        <p14:creationId xmlns:p14="http://schemas.microsoft.com/office/powerpoint/2010/main" val="2304326389"/>
+        <p14:creationId xmlns:p14="http://schemas.microsoft.com/office/powerpoint/2010/main" val="542377180"/>
       </p:ext>
     </p:extLst>
   </p:cSld>
@@ -1240,6 +1157,41 @@
           <a:bodyPr/>
           <a:lstStyle/>
           <a:p>
+            <a:r>
+              <a:rPr lang="zh-CN" altLang="en-US" dirty="0" smtClean="0"/>
+              <a:t>关联</a:t>
+            </a:r>
+          </a:p>
+          <a:p>
+            <a:r>
+              <a:rPr lang="en-US" altLang="zh-CN" dirty="0" smtClean="0"/>
+              <a:t>http://toy1.weather.com.cn/search?cityname=</a:t>
+            </a:r>
+            <a:r>
+              <a:rPr lang="zh-CN" altLang="en-US" dirty="0" smtClean="0"/>
+              <a:t>上海</a:t>
+            </a:r>
+          </a:p>
+          <a:p>
+            <a:r>
+              <a:rPr lang="en-US" altLang="zh-CN" dirty="0" smtClean="0"/>
+              <a:t>http://www.weather.com.cn/data/cityinfo/101010100.html</a:t>
+            </a:r>
+          </a:p>
+          <a:p>
+            <a:endParaRPr lang="en-US" altLang="zh-CN" dirty="0" smtClean="0"/>
+          </a:p>
+          <a:p>
+            <a:r>
+              <a:rPr lang="en-US" altLang="zh-CN" dirty="0" smtClean="0"/>
+              <a:t>(\d{9})~</a:t>
+            </a:r>
+          </a:p>
+          <a:p>
+            <a:r>
+              <a:rPr lang="en-US" altLang="zh-CN" dirty="0" smtClean="0"/>
+              <a:t>"ref":"(.*?)~</a:t>
+            </a:r>
             <a:endParaRPr lang="zh-CN" altLang="en-US" dirty="0"/>
           </a:p>
         </p:txBody>
@@ -1261,7 +1213,299 @@
           <a:p>
             <a:fld id="{492130AA-67D2-4DB7-A4EE-A3ADA8CA71A6}" type="slidenum">
               <a:rPr lang="zh-CN" altLang="en-US" smtClean="0"/>
-              <a:t>16</a:t>
+              <a:t>18</a:t>
+            </a:fld>
+            <a:endParaRPr lang="zh-CN" altLang="en-US"/>
+          </a:p>
+        </p:txBody>
+      </p:sp>
+    </p:spTree>
+    <p:extLst>
+      <p:ext uri="{BB962C8B-B14F-4D97-AF65-F5344CB8AC3E}">
+        <p14:creationId xmlns:p14="http://schemas.microsoft.com/office/powerpoint/2010/main" val="2479992857"/>
+      </p:ext>
+    </p:extLst>
+  </p:cSld>
+  <p:clrMapOvr>
+    <a:masterClrMapping/>
+  </p:clrMapOvr>
+</p:notes>
+</file>
+
+<file path=ppt/notesSlides/notesSlide7.xml><?xml version="1.0" encoding="utf-8"?>
+<p:notes xmlns:a="http://schemas.openxmlformats.org/drawingml/2006/main" xmlns:r="http://schemas.openxmlformats.org/officeDocument/2006/relationships" xmlns:p="http://schemas.openxmlformats.org/presentationml/2006/main">
+  <p:cSld>
+    <p:spTree>
+      <p:nvGrpSpPr>
+        <p:cNvPr id="1" name=""/>
+        <p:cNvGrpSpPr/>
+        <p:nvPr/>
+      </p:nvGrpSpPr>
+      <p:grpSpPr>
+        <a:xfrm>
+          <a:off x="0" y="0"/>
+          <a:ext cx="0" cy="0"/>
+          <a:chOff x="0" y="0"/>
+          <a:chExt cx="0" cy="0"/>
+        </a:xfrm>
+      </p:grpSpPr>
+      <p:sp>
+        <p:nvSpPr>
+          <p:cNvPr id="2" name="幻灯片图像占位符 1"/>
+          <p:cNvSpPr>
+            <a:spLocks noGrp="1" noRot="1" noChangeAspect="1"/>
+          </p:cNvSpPr>
+          <p:nvPr>
+            <p:ph type="sldImg"/>
+          </p:nvPr>
+        </p:nvSpPr>
+        <p:spPr/>
+      </p:sp>
+      <p:sp>
+        <p:nvSpPr>
+          <p:cNvPr id="3" name="备注占位符 2"/>
+          <p:cNvSpPr>
+            <a:spLocks noGrp="1"/>
+          </p:cNvSpPr>
+          <p:nvPr>
+            <p:ph type="body" idx="1"/>
+          </p:nvPr>
+        </p:nvSpPr>
+        <p:spPr/>
+        <p:txBody>
+          <a:bodyPr/>
+          <a:lstStyle/>
+          <a:p>
+            <a:endParaRPr lang="en-US" altLang="zh-CN" dirty="0"/>
+          </a:p>
+        </p:txBody>
+      </p:sp>
+      <p:sp>
+        <p:nvSpPr>
+          <p:cNvPr id="4" name="灯片编号占位符 3"/>
+          <p:cNvSpPr>
+            <a:spLocks noGrp="1"/>
+          </p:cNvSpPr>
+          <p:nvPr>
+            <p:ph type="sldNum" sz="quarter" idx="10"/>
+          </p:nvPr>
+        </p:nvSpPr>
+        <p:spPr/>
+        <p:txBody>
+          <a:bodyPr/>
+          <a:lstStyle/>
+          <a:p>
+            <a:fld id="{492130AA-67D2-4DB7-A4EE-A3ADA8CA71A6}" type="slidenum">
+              <a:rPr lang="zh-CN" altLang="en-US" smtClean="0"/>
+              <a:t>20</a:t>
+            </a:fld>
+            <a:endParaRPr lang="zh-CN" altLang="en-US"/>
+          </a:p>
+        </p:txBody>
+      </p:sp>
+    </p:spTree>
+    <p:extLst>
+      <p:ext uri="{BB962C8B-B14F-4D97-AF65-F5344CB8AC3E}">
+        <p14:creationId xmlns:p14="http://schemas.microsoft.com/office/powerpoint/2010/main" val="2304326389"/>
+      </p:ext>
+    </p:extLst>
+  </p:cSld>
+  <p:clrMapOvr>
+    <a:masterClrMapping/>
+  </p:clrMapOvr>
+</p:notes>
+</file>
+
+<file path=ppt/notesSlides/notesSlide8.xml><?xml version="1.0" encoding="utf-8"?>
+<p:notes xmlns:a="http://schemas.openxmlformats.org/drawingml/2006/main" xmlns:r="http://schemas.openxmlformats.org/officeDocument/2006/relationships" xmlns:p="http://schemas.openxmlformats.org/presentationml/2006/main">
+  <p:cSld>
+    <p:spTree>
+      <p:nvGrpSpPr>
+        <p:cNvPr id="1" name=""/>
+        <p:cNvGrpSpPr/>
+        <p:nvPr/>
+      </p:nvGrpSpPr>
+      <p:grpSpPr>
+        <a:xfrm>
+          <a:off x="0" y="0"/>
+          <a:ext cx="0" cy="0"/>
+          <a:chOff x="0" y="0"/>
+          <a:chExt cx="0" cy="0"/>
+        </a:xfrm>
+      </p:grpSpPr>
+      <p:sp>
+        <p:nvSpPr>
+          <p:cNvPr id="2" name="幻灯片图像占位符 1"/>
+          <p:cNvSpPr>
+            <a:spLocks noGrp="1" noRot="1" noChangeAspect="1"/>
+          </p:cNvSpPr>
+          <p:nvPr>
+            <p:ph type="sldImg"/>
+          </p:nvPr>
+        </p:nvSpPr>
+        <p:spPr/>
+      </p:sp>
+      <p:sp>
+        <p:nvSpPr>
+          <p:cNvPr id="3" name="备注占位符 2"/>
+          <p:cNvSpPr>
+            <a:spLocks noGrp="1"/>
+          </p:cNvSpPr>
+          <p:nvPr>
+            <p:ph type="body" idx="1"/>
+          </p:nvPr>
+        </p:nvSpPr>
+        <p:spPr/>
+        <p:txBody>
+          <a:bodyPr/>
+          <a:lstStyle/>
+          <a:p>
+            <a:r>
+              <a:rPr lang="zh-CN" altLang="en-US" dirty="0" smtClean="0"/>
+              <a:t>原因：自</a:t>
+            </a:r>
+            <a:r>
+              <a:rPr lang="en-US" altLang="zh-CN" dirty="0" err="1" smtClean="0"/>
+              <a:t>JMeter</a:t>
+            </a:r>
+            <a:r>
+              <a:rPr lang="en-US" altLang="zh-CN" dirty="0" smtClean="0"/>
+              <a:t> 4.0</a:t>
+            </a:r>
+            <a:r>
+              <a:rPr lang="zh-CN" altLang="en-US" dirty="0" smtClean="0"/>
+              <a:t>以来，</a:t>
+            </a:r>
+            <a:r>
+              <a:rPr lang="en-US" altLang="zh-CN" dirty="0" err="1" smtClean="0"/>
+              <a:t>RMI</a:t>
+            </a:r>
+            <a:r>
+              <a:rPr lang="zh-CN" altLang="en-US" dirty="0" smtClean="0"/>
+              <a:t>的默认传输机制将使用</a:t>
+            </a:r>
+            <a:r>
+              <a:rPr lang="en-US" altLang="zh-CN" dirty="0" err="1" smtClean="0"/>
+              <a:t>SSL</a:t>
+            </a:r>
+            <a:r>
+              <a:rPr lang="zh-CN" altLang="en-US" dirty="0" smtClean="0"/>
+              <a:t>。</a:t>
+            </a:r>
+            <a:r>
+              <a:rPr lang="en-US" altLang="zh-CN" dirty="0" err="1" smtClean="0"/>
+              <a:t>SSL</a:t>
+            </a:r>
+            <a:r>
+              <a:rPr lang="zh-CN" altLang="en-US" dirty="0" smtClean="0"/>
+              <a:t>需要密钥和证书才能工作。你将不得不自己创建这些密钥。</a:t>
+            </a:r>
+            <a:endParaRPr lang="zh-CN" altLang="en-US" dirty="0"/>
+          </a:p>
+        </p:txBody>
+      </p:sp>
+      <p:sp>
+        <p:nvSpPr>
+          <p:cNvPr id="4" name="灯片编号占位符 3"/>
+          <p:cNvSpPr>
+            <a:spLocks noGrp="1"/>
+          </p:cNvSpPr>
+          <p:nvPr>
+            <p:ph type="sldNum" sz="quarter" idx="10"/>
+          </p:nvPr>
+        </p:nvSpPr>
+        <p:spPr/>
+        <p:txBody>
+          <a:bodyPr/>
+          <a:lstStyle/>
+          <a:p>
+            <a:fld id="{492130AA-67D2-4DB7-A4EE-A3ADA8CA71A6}" type="slidenum">
+              <a:rPr lang="zh-CN" altLang="en-US" smtClean="0"/>
+              <a:t>22</a:t>
+            </a:fld>
+            <a:endParaRPr lang="zh-CN" altLang="en-US"/>
+          </a:p>
+        </p:txBody>
+      </p:sp>
+    </p:spTree>
+    <p:extLst>
+      <p:ext uri="{BB962C8B-B14F-4D97-AF65-F5344CB8AC3E}">
+        <p14:creationId xmlns:p14="http://schemas.microsoft.com/office/powerpoint/2010/main" val="2500034336"/>
+      </p:ext>
+    </p:extLst>
+  </p:cSld>
+  <p:clrMapOvr>
+    <a:masterClrMapping/>
+  </p:clrMapOvr>
+</p:notes>
+</file>
+
+<file path=ppt/notesSlides/notesSlide9.xml><?xml version="1.0" encoding="utf-8"?>
+<p:notes xmlns:a="http://schemas.openxmlformats.org/drawingml/2006/main" xmlns:r="http://schemas.openxmlformats.org/officeDocument/2006/relationships" xmlns:p="http://schemas.openxmlformats.org/presentationml/2006/main">
+  <p:cSld>
+    <p:spTree>
+      <p:nvGrpSpPr>
+        <p:cNvPr id="1" name=""/>
+        <p:cNvGrpSpPr/>
+        <p:nvPr/>
+      </p:nvGrpSpPr>
+      <p:grpSpPr>
+        <a:xfrm>
+          <a:off x="0" y="0"/>
+          <a:ext cx="0" cy="0"/>
+          <a:chOff x="0" y="0"/>
+          <a:chExt cx="0" cy="0"/>
+        </a:xfrm>
+      </p:grpSpPr>
+      <p:sp>
+        <p:nvSpPr>
+          <p:cNvPr id="2" name="幻灯片图像占位符 1"/>
+          <p:cNvSpPr>
+            <a:spLocks noGrp="1" noRot="1" noChangeAspect="1"/>
+          </p:cNvSpPr>
+          <p:nvPr>
+            <p:ph type="sldImg"/>
+          </p:nvPr>
+        </p:nvSpPr>
+        <p:spPr/>
+      </p:sp>
+      <p:sp>
+        <p:nvSpPr>
+          <p:cNvPr id="3" name="备注占位符 2"/>
+          <p:cNvSpPr>
+            <a:spLocks noGrp="1"/>
+          </p:cNvSpPr>
+          <p:nvPr>
+            <p:ph type="body" idx="1"/>
+          </p:nvPr>
+        </p:nvSpPr>
+        <p:spPr/>
+        <p:txBody>
+          <a:bodyPr/>
+          <a:lstStyle/>
+          <a:p>
+            <a:endParaRPr lang="zh-CN" altLang="en-US" dirty="0"/>
+          </a:p>
+        </p:txBody>
+      </p:sp>
+      <p:sp>
+        <p:nvSpPr>
+          <p:cNvPr id="4" name="灯片编号占位符 3"/>
+          <p:cNvSpPr>
+            <a:spLocks noGrp="1"/>
+          </p:cNvSpPr>
+          <p:nvPr>
+            <p:ph type="sldNum" sz="quarter" idx="10"/>
+          </p:nvPr>
+        </p:nvSpPr>
+        <p:spPr/>
+        <p:txBody>
+          <a:bodyPr/>
+          <a:lstStyle/>
+          <a:p>
+            <a:fld id="{492130AA-67D2-4DB7-A4EE-A3ADA8CA71A6}" type="slidenum">
+              <a:rPr lang="zh-CN" altLang="en-US" smtClean="0"/>
+              <a:t>23</a:t>
             </a:fld>
             <a:endParaRPr lang="zh-CN" altLang="en-US"/>
           </a:p>
@@ -1314,7 +1558,7 @@
           <a:p>
             <a:fld id="{530820CF-B880-4189-942D-D702A7CBA730}" type="datetimeFigureOut">
               <a:rPr lang="zh-CN" altLang="en-US" smtClean="0"/>
-              <a:t>2018/2/3</a:t>
+              <a:t>2018/4/3</a:t>
             </a:fld>
             <a:endParaRPr lang="zh-CN" altLang="en-US"/>
           </a:p>
@@ -1707,7 +1951,7 @@
           <a:p>
             <a:fld id="{530820CF-B880-4189-942D-D702A7CBA730}" type="datetimeFigureOut">
               <a:rPr lang="zh-CN" altLang="en-US" smtClean="0"/>
-              <a:t>2018/2/3</a:t>
+              <a:t>2018/4/3</a:t>
             </a:fld>
             <a:endParaRPr lang="zh-CN" altLang="en-US"/>
           </a:p>
@@ -2008,7 +2252,7 @@
           <a:p>
             <a:fld id="{530820CF-B880-4189-942D-D702A7CBA730}" type="datetimeFigureOut">
               <a:rPr lang="zh-CN" altLang="en-US" smtClean="0"/>
-              <a:t>2018/2/3</a:t>
+              <a:t>2018/4/3</a:t>
             </a:fld>
             <a:endParaRPr lang="zh-CN" altLang="en-US"/>
           </a:p>
@@ -2622,7 +2866,7 @@
                 <a:latin typeface="+mn-ea"/>
                 <a:ea typeface="+mn-ea"/>
               </a:rPr>
-              <a:t>Jmeter</a:t>
+              <a:t>JMeter</a:t>
             </a:r>
             <a:r>
               <a:rPr lang="zh-CN" altLang="en-US" sz="4800" b="1" dirty="0" smtClean="0">
@@ -2684,7 +2928,7 @@
       </p:grpSpPr>
       <p:sp>
         <p:nvSpPr>
-          <p:cNvPr id="3" name="内容占位符 2"/>
+          <p:cNvPr id="2" name="内容占位符 1"/>
           <p:cNvSpPr>
             <a:spLocks noGrp="1"/>
           </p:cNvSpPr>
@@ -2692,144 +2936,111 @@
             <p:ph idx="1"/>
           </p:nvPr>
         </p:nvSpPr>
-        <p:spPr/>
+        <p:spPr>
+          <a:xfrm>
+            <a:off x="457200" y="1142458"/>
+            <a:ext cx="8507288" cy="4525963"/>
+          </a:xfrm>
+        </p:spPr>
         <p:txBody>
           <a:bodyPr>
-            <a:normAutofit/>
+            <a:noAutofit/>
           </a:bodyPr>
           <a:lstStyle/>
           <a:p>
             <a:r>
-              <a:rPr lang="en-US" altLang="zh-CN" dirty="0" err="1" smtClean="0">
-                <a:latin typeface="+mn-ea"/>
-              </a:rPr>
-              <a:t>Jmeter</a:t>
-            </a:r>
-            <a:r>
-              <a:rPr lang="zh-CN" altLang="en-US" dirty="0">
-                <a:latin typeface="+mn-ea"/>
-              </a:rPr>
-              <a:t>元件的作用域与</a:t>
-            </a:r>
-            <a:r>
-              <a:rPr lang="zh-CN" altLang="en-US" dirty="0" smtClean="0">
-                <a:latin typeface="+mn-ea"/>
-              </a:rPr>
-              <a:t>执行顺序</a:t>
-            </a:r>
-            <a:endParaRPr lang="en-US" altLang="zh-CN" dirty="0" smtClean="0">
+              <a:rPr lang="zh-CN" altLang="en-US" sz="2800" dirty="0" smtClean="0">
+                <a:latin typeface="+mn-ea"/>
+              </a:rPr>
+              <a:t>配置元件</a:t>
+            </a:r>
+            <a:endParaRPr lang="en-US" altLang="zh-CN" sz="2800" dirty="0" smtClean="0">
               <a:latin typeface="+mn-ea"/>
             </a:endParaRPr>
           </a:p>
           <a:p>
             <a:r>
-              <a:rPr lang="en-US" altLang="zh-CN" dirty="0" err="1">
-                <a:latin typeface="+mn-ea"/>
-              </a:rPr>
-              <a:t>Jmeter</a:t>
-            </a:r>
-            <a:r>
-              <a:rPr lang="zh-CN" altLang="en-US" dirty="0">
-                <a:latin typeface="+mn-ea"/>
-              </a:rPr>
-              <a:t>之参数</a:t>
-            </a:r>
-            <a:r>
-              <a:rPr lang="zh-CN" altLang="en-US" dirty="0" smtClean="0">
-                <a:latin typeface="+mn-ea"/>
-              </a:rPr>
-              <a:t>化（三种方式）</a:t>
-            </a:r>
-            <a:endParaRPr lang="en-US" altLang="zh-CN" dirty="0" smtClean="0">
+              <a:rPr lang="zh-CN" altLang="en-US" sz="2800" dirty="0">
+                <a:latin typeface="+mn-ea"/>
+              </a:rPr>
+              <a:t>前</a:t>
+            </a:r>
+            <a:r>
+              <a:rPr lang="zh-CN" altLang="en-US" sz="2800" dirty="0" smtClean="0">
+                <a:latin typeface="+mn-ea"/>
+              </a:rPr>
+              <a:t>置处理程序</a:t>
+            </a:r>
+            <a:endParaRPr lang="en-US" altLang="zh-CN" sz="2800" dirty="0" smtClean="0">
               <a:latin typeface="+mn-ea"/>
             </a:endParaRPr>
           </a:p>
           <a:p>
             <a:r>
-              <a:rPr lang="en-US" altLang="zh-CN" dirty="0" err="1">
-                <a:latin typeface="+mn-ea"/>
-              </a:rPr>
-              <a:t>Jmeter</a:t>
-            </a:r>
-            <a:r>
-              <a:rPr lang="zh-CN" altLang="en-US" dirty="0" smtClean="0">
-                <a:latin typeface="+mn-ea"/>
-              </a:rPr>
-              <a:t>之</a:t>
-            </a:r>
-            <a:r>
-              <a:rPr lang="zh-CN" altLang="en-US" dirty="0">
-                <a:latin typeface="+mn-ea"/>
-              </a:rPr>
-              <a:t>集合</a:t>
-            </a:r>
-            <a:r>
-              <a:rPr lang="zh-CN" altLang="en-US" dirty="0" smtClean="0">
-                <a:latin typeface="+mn-ea"/>
-              </a:rPr>
-              <a:t>点</a:t>
-            </a:r>
-            <a:endParaRPr lang="en-US" altLang="zh-CN" dirty="0" smtClean="0">
+              <a:rPr lang="zh-CN" altLang="en-US" sz="2800" dirty="0" smtClean="0">
+                <a:latin typeface="+mn-ea"/>
+              </a:rPr>
+              <a:t>定时器</a:t>
+            </a:r>
+            <a:endParaRPr lang="en-US" altLang="zh-CN" sz="2800" dirty="0" smtClean="0">
               <a:latin typeface="+mn-ea"/>
             </a:endParaRPr>
           </a:p>
           <a:p>
             <a:r>
-              <a:rPr lang="en-US" altLang="zh-CN" dirty="0" err="1">
-                <a:solidFill>
-                  <a:srgbClr val="FF0000"/>
-                </a:solidFill>
-                <a:latin typeface="+mn-ea"/>
-              </a:rPr>
-              <a:t>Jmeter</a:t>
-            </a:r>
-            <a:r>
-              <a:rPr lang="zh-CN" altLang="en-US" dirty="0" smtClean="0">
-                <a:solidFill>
-                  <a:srgbClr val="FF0000"/>
-                </a:solidFill>
-                <a:latin typeface="+mn-ea"/>
-              </a:rPr>
-              <a:t>之检查点（断言）</a:t>
-            </a:r>
-            <a:endParaRPr lang="en-US" altLang="zh-CN" dirty="0" smtClean="0">
-              <a:solidFill>
-                <a:srgbClr val="FF0000"/>
-              </a:solidFill>
+              <a:rPr lang="en-US" altLang="zh-CN" sz="2800" dirty="0" smtClean="0">
+                <a:latin typeface="+mn-ea"/>
+              </a:rPr>
+              <a:t>sampler</a:t>
+            </a:r>
+            <a:endParaRPr lang="en-US" altLang="zh-CN" sz="2800" dirty="0">
               <a:latin typeface="+mn-ea"/>
             </a:endParaRPr>
           </a:p>
           <a:p>
             <a:r>
-              <a:rPr lang="en-US" altLang="zh-CN" dirty="0" err="1">
-                <a:latin typeface="+mn-ea"/>
-              </a:rPr>
-              <a:t>Jmeter</a:t>
-            </a:r>
-            <a:r>
-              <a:rPr lang="zh-CN" altLang="en-US" dirty="0" smtClean="0">
-                <a:latin typeface="+mn-ea"/>
-              </a:rPr>
-              <a:t>之动态关联</a:t>
-            </a:r>
-            <a:endParaRPr lang="zh-CN" altLang="en-US" dirty="0">
+              <a:rPr lang="zh-CN" altLang="en-US" sz="2800" dirty="0" smtClean="0">
+                <a:latin typeface="+mn-ea"/>
+              </a:rPr>
+              <a:t>后置处理程序</a:t>
+            </a:r>
+            <a:endParaRPr lang="en-US" altLang="zh-CN" sz="2800" dirty="0" smtClean="0">
               <a:latin typeface="+mn-ea"/>
             </a:endParaRPr>
           </a:p>
           <a:p>
             <a:r>
-              <a:rPr lang="en-US" altLang="zh-CN" dirty="0" err="1">
-                <a:latin typeface="+mn-ea"/>
-              </a:rPr>
-              <a:t>Jmeter</a:t>
-            </a:r>
-            <a:r>
-              <a:rPr lang="zh-CN" altLang="en-US" dirty="0" smtClean="0">
-                <a:latin typeface="+mn-ea"/>
-              </a:rPr>
-              <a:t>之分布式测试</a:t>
-            </a:r>
-            <a:endParaRPr lang="zh-CN" altLang="en-US" dirty="0">
+              <a:rPr lang="zh-CN" altLang="en-US" sz="2800" dirty="0" smtClean="0">
+                <a:latin typeface="+mn-ea"/>
+              </a:rPr>
+              <a:t>断言</a:t>
+            </a:r>
+            <a:endParaRPr lang="en-US" altLang="zh-CN" sz="2800" dirty="0" smtClean="0">
+              <a:latin typeface="+mn-ea"/>
+            </a:endParaRPr>
+          </a:p>
+          <a:p>
+            <a:r>
+              <a:rPr lang="zh-CN" altLang="en-US" sz="2800" dirty="0" smtClean="0">
+                <a:latin typeface="+mn-ea"/>
+              </a:rPr>
+              <a:t>监听器</a:t>
+            </a:r>
+            <a:endParaRPr lang="en-US" altLang="zh-CN" sz="2800" dirty="0" smtClean="0">
+              <a:latin typeface="+mn-ea"/>
+            </a:endParaRPr>
+          </a:p>
+          <a:p>
+            <a:pPr marL="0" indent="0">
+              <a:buNone/>
+            </a:pPr>
+            <a:r>
+              <a:rPr lang="zh-CN" altLang="en-US" sz="2800" dirty="0" smtClean="0">
+                <a:latin typeface="+mn-ea"/>
+              </a:rPr>
+              <a:t>如果在同一个作用域范围内有多个同一类型的元件，则这些元件按照它们在测试计划汇总的上下顺序一次执行</a:t>
+            </a:r>
+            <a:endParaRPr lang="zh-CN" altLang="en-US" sz="2800" dirty="0">
               <a:latin typeface="+mn-ea"/>
             </a:endParaRPr>
           </a:p>
@@ -2837,7 +3048,7 @@
       </p:sp>
       <p:sp>
         <p:nvSpPr>
-          <p:cNvPr id="2" name="标题 1"/>
+          <p:cNvPr id="3" name="标题 2"/>
           <p:cNvSpPr>
             <a:spLocks noGrp="1"/>
           </p:cNvSpPr>
@@ -2845,28 +3056,87 @@
             <p:ph type="title"/>
           </p:nvPr>
         </p:nvSpPr>
-        <p:spPr>
-          <a:xfrm>
-            <a:off x="-20712" y="0"/>
-            <a:ext cx="9164712" cy="836712"/>
-          </a:xfrm>
-        </p:spPr>
+        <p:spPr/>
         <p:txBody>
           <a:bodyPr/>
           <a:lstStyle/>
           <a:p>
             <a:r>
               <a:rPr lang="zh-CN" altLang="en-US" dirty="0" smtClean="0"/>
-              <a:t>本章大纲</a:t>
+              <a:t>元件的执行顺序</a:t>
             </a:r>
             <a:endParaRPr lang="zh-CN" altLang="en-US" dirty="0"/>
           </a:p>
         </p:txBody>
       </p:sp>
+      <p:pic>
+        <p:nvPicPr>
+          <p:cNvPr id="3075" name="Picture 3"/>
+          <p:cNvPicPr>
+            <a:picLocks noChangeAspect="1" noChangeArrowheads="1"/>
+          </p:cNvPicPr>
+          <p:nvPr/>
+        </p:nvPicPr>
+        <p:blipFill>
+          <a:blip r:embed="rId2">
+            <a:extLst>
+              <a:ext uri="{28A0092B-C50C-407E-A947-70E740481C1C}">
+                <a14:useLocalDpi xmlns:a14="http://schemas.microsoft.com/office/drawing/2010/main" val="0"/>
+              </a:ext>
+            </a:extLst>
+          </a:blip>
+          <a:srcRect/>
+          <a:stretch>
+            <a:fillRect/>
+          </a:stretch>
+        </p:blipFill>
+        <p:spPr bwMode="auto">
+          <a:xfrm>
+            <a:off x="4572000" y="1124744"/>
+            <a:ext cx="3086100" cy="3096344"/>
+          </a:xfrm>
+          <a:prstGeom prst="rect">
+            <a:avLst/>
+          </a:prstGeom>
+          <a:noFill/>
+          <a:ln>
+            <a:noFill/>
+          </a:ln>
+          <a:effectLst/>
+          <a:extLst>
+            <a:ext uri="{909E8E84-426E-40DD-AFC4-6F175D3DCCD1}">
+              <a14:hiddenFill xmlns:a14="http://schemas.microsoft.com/office/drawing/2010/main">
+                <a:solidFill>
+                  <a:schemeClr val="accent1"/>
+                </a:solidFill>
+              </a14:hiddenFill>
+            </a:ext>
+            <a:ext uri="{91240B29-F687-4F45-9708-019B960494DF}">
+              <a14:hiddenLine xmlns:a14="http://schemas.microsoft.com/office/drawing/2010/main" w="9525">
+                <a:solidFill>
+                  <a:schemeClr val="tx1"/>
+                </a:solidFill>
+                <a:miter lim="800000"/>
+                <a:headEnd/>
+                <a:tailEnd/>
+              </a14:hiddenLine>
+            </a:ext>
+            <a:ext uri="{AF507438-7753-43E0-B8FC-AC1667EBCBE1}">
+              <a14:hiddenEffects xmlns:a14="http://schemas.microsoft.com/office/drawing/2010/main">
+                <a:effectLst>
+                  <a:outerShdw dist="35921" dir="2700000" algn="ctr" rotWithShape="0">
+                    <a:schemeClr val="bg2"/>
+                  </a:outerShdw>
+                </a:effectLst>
+              </a14:hiddenEffects>
+            </a:ext>
+          </a:extLst>
+        </p:spPr>
+      </p:pic>
     </p:spTree>
     <p:extLst>
       <p:ext uri="{BB962C8B-B14F-4D97-AF65-F5344CB8AC3E}">
-        <p14:creationId xmlns:p14="http://schemas.microsoft.com/office/powerpoint/2010/main" val="85621132"/>
+        <p14:creationId xmlns:p14="http://schemas.microsoft.com/office/powerpoint/2010/main" val="2454709326"/>
       </p:ext>
     </p:extLst>
   </p:cSld>
@@ -2902,6 +3172,79 @@
       </p:grpSpPr>
       <p:sp>
         <p:nvSpPr>
+          <p:cNvPr id="2" name="内容占位符 1"/>
+          <p:cNvSpPr>
+            <a:spLocks noGrp="1"/>
+          </p:cNvSpPr>
+          <p:nvPr>
+            <p:ph idx="1"/>
+          </p:nvPr>
+        </p:nvSpPr>
+        <p:spPr>
+          <a:xfrm>
+            <a:off x="400087" y="1094010"/>
+            <a:ext cx="8229600" cy="4525963"/>
+          </a:xfrm>
+        </p:spPr>
+        <p:txBody>
+          <a:bodyPr/>
+          <a:lstStyle/>
+          <a:p>
+            <a:pPr marL="0" indent="0">
+              <a:buNone/>
+            </a:pPr>
+            <a:r>
+              <a:rPr lang="zh-CN" altLang="en-US" dirty="0" smtClean="0">
+                <a:latin typeface="+mn-ea"/>
+              </a:rPr>
+              <a:t>目的：为了更好的模拟用户访问</a:t>
+            </a:r>
+            <a:endParaRPr lang="en-US" altLang="zh-CN" dirty="0" smtClean="0">
+              <a:latin typeface="+mn-ea"/>
+            </a:endParaRPr>
+          </a:p>
+          <a:p>
+            <a:pPr marL="0" indent="0">
+              <a:buNone/>
+            </a:pPr>
+            <a:r>
+              <a:rPr lang="zh-CN" altLang="en-US" dirty="0" smtClean="0">
+                <a:latin typeface="+mn-ea"/>
+              </a:rPr>
+              <a:t>方法一：“</a:t>
+            </a:r>
+            <a:r>
+              <a:rPr lang="zh-CN" altLang="en-US" dirty="0">
+                <a:latin typeface="+mn-ea"/>
+              </a:rPr>
+              <a:t>前置处理器</a:t>
+            </a:r>
+            <a:r>
+              <a:rPr lang="en-US" altLang="zh-CN" dirty="0">
+                <a:latin typeface="+mn-ea"/>
+              </a:rPr>
+              <a:t>/</a:t>
+            </a:r>
+            <a:r>
+              <a:rPr lang="zh-CN" altLang="en-US" dirty="0">
+                <a:latin typeface="+mn-ea"/>
+              </a:rPr>
+              <a:t>用户</a:t>
+            </a:r>
+            <a:r>
+              <a:rPr lang="zh-CN" altLang="en-US" dirty="0" smtClean="0">
+                <a:latin typeface="+mn-ea"/>
+              </a:rPr>
+              <a:t>参数”</a:t>
+            </a:r>
+            <a:endParaRPr lang="zh-CN" altLang="en-US" dirty="0">
+              <a:latin typeface="+mn-ea"/>
+            </a:endParaRPr>
+          </a:p>
+        </p:txBody>
+      </p:sp>
+      <p:sp>
+        <p:nvSpPr>
           <p:cNvPr id="3" name="标题 2"/>
           <p:cNvSpPr>
             <a:spLocks noGrp="1"/>
@@ -2917,7 +3260,1093 @@
           <a:p>
             <a:r>
               <a:rPr lang="en-US" altLang="zh-CN" dirty="0" err="1" smtClean="0"/>
+              <a:t>JMeter</a:t>
+            </a:r>
+            <a:r>
+              <a:rPr lang="zh-CN" altLang="en-US" dirty="0" smtClean="0"/>
+              <a:t>之参数化</a:t>
+            </a:r>
+            <a:endParaRPr lang="zh-CN" altLang="en-US" dirty="0"/>
+          </a:p>
+        </p:txBody>
+      </p:sp>
+      <p:pic>
+        <p:nvPicPr>
+          <p:cNvPr id="4098" name="Picture 2"/>
+          <p:cNvPicPr>
+            <a:picLocks noChangeAspect="1" noChangeArrowheads="1"/>
+          </p:cNvPicPr>
+          <p:nvPr/>
+        </p:nvPicPr>
+        <p:blipFill>
+          <a:blip r:embed="rId3">
+            <a:extLst>
+              <a:ext uri="{28A0092B-C50C-407E-A947-70E740481C1C}">
+                <a14:useLocalDpi xmlns:a14="http://schemas.microsoft.com/office/drawing/2010/main" val="0"/>
+              </a:ext>
+            </a:extLst>
+          </a:blip>
+          <a:srcRect/>
+          <a:stretch>
+            <a:fillRect/>
+          </a:stretch>
+        </p:blipFill>
+        <p:spPr bwMode="auto">
+          <a:xfrm>
+            <a:off x="971600" y="2420888"/>
+            <a:ext cx="7560840" cy="1716712"/>
+          </a:xfrm>
+          <a:prstGeom prst="rect">
+            <a:avLst/>
+          </a:prstGeom>
+          <a:noFill/>
+          <a:ln>
+            <a:noFill/>
+          </a:ln>
+          <a:effectLst/>
+          <a:extLst>
+            <a:ext uri="{909E8E84-426E-40DD-AFC4-6F175D3DCCD1}">
+              <a14:hiddenFill xmlns:a14="http://schemas.microsoft.com/office/drawing/2010/main">
+                <a:solidFill>
+                  <a:schemeClr val="accent1"/>
+                </a:solidFill>
+              </a14:hiddenFill>
+            </a:ext>
+            <a:ext uri="{91240B29-F687-4F45-9708-019B960494DF}">
+              <a14:hiddenLine xmlns:a14="http://schemas.microsoft.com/office/drawing/2010/main" w="9525">
+                <a:solidFill>
+                  <a:schemeClr val="tx1"/>
+                </a:solidFill>
+                <a:miter lim="800000"/>
+                <a:headEnd/>
+                <a:tailEnd/>
+              </a14:hiddenLine>
+            </a:ext>
+            <a:ext uri="{AF507438-7753-43E0-B8FC-AC1667EBCBE1}">
+              <a14:hiddenEffects xmlns:a14="http://schemas.microsoft.com/office/drawing/2010/main">
+                <a:effectLst>
+                  <a:outerShdw dist="35921" dir="2700000" algn="ctr" rotWithShape="0">
+                    <a:schemeClr val="bg2"/>
+                  </a:outerShdw>
+                </a:effectLst>
+              </a14:hiddenEffects>
+            </a:ext>
+          </a:extLst>
+        </p:spPr>
+      </p:pic>
+      <p:pic>
+        <p:nvPicPr>
+          <p:cNvPr id="4099" name="Picture 3"/>
+          <p:cNvPicPr>
+            <a:picLocks noChangeAspect="1" noChangeArrowheads="1"/>
+          </p:cNvPicPr>
+          <p:nvPr/>
+        </p:nvPicPr>
+        <p:blipFill>
+          <a:blip r:embed="rId4">
+            <a:extLst>
+              <a:ext uri="{28A0092B-C50C-407E-A947-70E740481C1C}">
+                <a14:useLocalDpi xmlns:a14="http://schemas.microsoft.com/office/drawing/2010/main" val="0"/>
+              </a:ext>
+            </a:extLst>
+          </a:blip>
+          <a:srcRect/>
+          <a:stretch>
+            <a:fillRect/>
+          </a:stretch>
+        </p:blipFill>
+        <p:spPr bwMode="auto">
+          <a:xfrm>
+            <a:off x="831185" y="4170510"/>
+            <a:ext cx="7841670" cy="2191871"/>
+          </a:xfrm>
+          <a:prstGeom prst="rect">
+            <a:avLst/>
+          </a:prstGeom>
+          <a:noFill/>
+          <a:ln>
+            <a:noFill/>
+          </a:ln>
+          <a:effectLst/>
+          <a:extLst>
+            <a:ext uri="{909E8E84-426E-40DD-AFC4-6F175D3DCCD1}">
+              <a14:hiddenFill xmlns:a14="http://schemas.microsoft.com/office/drawing/2010/main">
+                <a:solidFill>
+                  <a:schemeClr val="accent1"/>
+                </a:solidFill>
+              </a14:hiddenFill>
+            </a:ext>
+            <a:ext uri="{91240B29-F687-4F45-9708-019B960494DF}">
+              <a14:hiddenLine xmlns:a14="http://schemas.microsoft.com/office/drawing/2010/main" w="9525">
+                <a:solidFill>
+                  <a:schemeClr val="tx1"/>
+                </a:solidFill>
+                <a:miter lim="800000"/>
+                <a:headEnd/>
+                <a:tailEnd/>
+              </a14:hiddenLine>
+            </a:ext>
+            <a:ext uri="{AF507438-7753-43E0-B8FC-AC1667EBCBE1}">
+              <a14:hiddenEffects xmlns:a14="http://schemas.microsoft.com/office/drawing/2010/main">
+                <a:effectLst>
+                  <a:outerShdw dist="35921" dir="2700000" algn="ctr" rotWithShape="0">
+                    <a:schemeClr val="bg2"/>
+                  </a:outerShdw>
+                </a:effectLst>
+              </a14:hiddenEffects>
+            </a:ext>
+          </a:extLst>
+        </p:spPr>
+      </p:pic>
+    </p:spTree>
+    <p:extLst>
+      <p:ext uri="{BB962C8B-B14F-4D97-AF65-F5344CB8AC3E}">
+        <p14:creationId xmlns:p14="http://schemas.microsoft.com/office/powerpoint/2010/main" val="3794381828"/>
+      </p:ext>
+    </p:extLst>
+  </p:cSld>
+  <p:clrMapOvr>
+    <a:masterClrMapping/>
+  </p:clrMapOvr>
+  <p:timing>
+    <p:tnLst>
+      <p:par>
+        <p:cTn id="1" dur="indefinite" restart="never" nodeType="tmRoot"/>
+      </p:par>
+    </p:tnLst>
+  </p:timing>
+</p:sld>
+</file>
+
+<file path=ppt/slides/slide12.xml><?xml version="1.0" encoding="utf-8"?>
+<p:sld xmlns:a="http://schemas.openxmlformats.org/drawingml/2006/main" xmlns:r="http://schemas.openxmlformats.org/officeDocument/2006/relationships" xmlns:p="http://schemas.openxmlformats.org/presentationml/2006/main">
+  <p:cSld>
+    <p:spTree>
+      <p:nvGrpSpPr>
+        <p:cNvPr id="1" name=""/>
+        <p:cNvGrpSpPr/>
+        <p:nvPr/>
+      </p:nvGrpSpPr>
+      <p:grpSpPr>
+        <a:xfrm>
+          <a:off x="0" y="0"/>
+          <a:ext cx="0" cy="0"/>
+          <a:chOff x="0" y="0"/>
+          <a:chExt cx="0" cy="0"/>
+        </a:xfrm>
+      </p:grpSpPr>
+      <p:sp>
+        <p:nvSpPr>
+          <p:cNvPr id="2" name="内容占位符 1"/>
+          <p:cNvSpPr>
+            <a:spLocks noGrp="1"/>
+          </p:cNvSpPr>
+          <p:nvPr>
+            <p:ph idx="1"/>
+          </p:nvPr>
+        </p:nvSpPr>
+        <p:spPr>
+          <a:xfrm>
+            <a:off x="408380" y="1208771"/>
+            <a:ext cx="8229600" cy="4525963"/>
+          </a:xfrm>
+        </p:spPr>
+        <p:txBody>
+          <a:bodyPr/>
+          <a:lstStyle/>
+          <a:p>
+            <a:r>
+              <a:rPr lang="zh-CN" altLang="en-US" dirty="0" smtClean="0">
+                <a:latin typeface="+mn-ea"/>
+              </a:rPr>
+              <a:t>方法二：配置元件</a:t>
+            </a:r>
+            <a:r>
+              <a:rPr lang="en-US" altLang="zh-CN" dirty="0" smtClean="0">
+                <a:latin typeface="+mn-ea"/>
+              </a:rPr>
+              <a:t>/CSV </a:t>
+            </a:r>
+            <a:r>
+              <a:rPr lang="en-US" altLang="zh-CN" dirty="0">
+                <a:latin typeface="+mn-ea"/>
+              </a:rPr>
+              <a:t>Data Set </a:t>
+            </a:r>
+            <a:r>
+              <a:rPr lang="en-US" altLang="zh-CN" dirty="0" err="1" smtClean="0">
+                <a:latin typeface="+mn-ea"/>
+              </a:rPr>
+              <a:t>Config</a:t>
+            </a:r>
+            <a:endParaRPr lang="en-US" altLang="zh-CN" dirty="0" smtClean="0">
+              <a:latin typeface="+mn-ea"/>
+            </a:endParaRPr>
+          </a:p>
+          <a:p>
+            <a:r>
+              <a:rPr lang="zh-CN" altLang="en-US" dirty="0" smtClean="0">
+                <a:latin typeface="+mn-ea"/>
+              </a:rPr>
+              <a:t>适合于大数据量的并发</a:t>
+            </a:r>
+            <a:r>
+              <a:rPr lang="en-US" altLang="zh-CN" dirty="0" smtClean="0">
+                <a:latin typeface="+mn-ea"/>
+              </a:rPr>
+              <a:t>,</a:t>
+            </a:r>
+            <a:r>
+              <a:rPr lang="zh-CN" altLang="en-US" dirty="0" smtClean="0">
+                <a:latin typeface="+mn-ea"/>
+              </a:rPr>
+              <a:t>注意使用英文</a:t>
+            </a:r>
+            <a:r>
+              <a:rPr lang="en-US" altLang="zh-CN" dirty="0" smtClean="0">
+                <a:latin typeface="+mn-ea"/>
+              </a:rPr>
+              <a:t>,</a:t>
+            </a:r>
+            <a:r>
+              <a:rPr lang="zh-CN" altLang="en-US" dirty="0" smtClean="0">
+                <a:latin typeface="+mn-ea"/>
+              </a:rPr>
+              <a:t>进行分割</a:t>
+            </a:r>
+            <a:endParaRPr lang="zh-CN" altLang="en-US" dirty="0">
+              <a:latin typeface="+mn-ea"/>
+            </a:endParaRPr>
+          </a:p>
+        </p:txBody>
+      </p:sp>
+      <p:sp>
+        <p:nvSpPr>
+          <p:cNvPr id="3" name="标题 2"/>
+          <p:cNvSpPr>
+            <a:spLocks noGrp="1"/>
+          </p:cNvSpPr>
+          <p:nvPr>
+            <p:ph type="title"/>
+          </p:nvPr>
+        </p:nvSpPr>
+        <p:spPr/>
+        <p:txBody>
+          <a:bodyPr/>
+          <a:lstStyle/>
+          <a:p>
+            <a:r>
+              <a:rPr lang="en-US" altLang="zh-CN" dirty="0" err="1" smtClean="0"/>
+              <a:t>JMeter</a:t>
+            </a:r>
+            <a:r>
+              <a:rPr lang="zh-CN" altLang="en-US" dirty="0" smtClean="0"/>
+              <a:t>之</a:t>
+            </a:r>
+            <a:r>
+              <a:rPr lang="zh-CN" altLang="en-US" dirty="0"/>
+              <a:t>参数化</a:t>
+            </a:r>
+          </a:p>
+        </p:txBody>
+      </p:sp>
+      <p:pic>
+        <p:nvPicPr>
+          <p:cNvPr id="5122" name="Picture 2"/>
+          <p:cNvPicPr>
+            <a:picLocks noChangeAspect="1" noChangeArrowheads="1"/>
+          </p:cNvPicPr>
+          <p:nvPr/>
+        </p:nvPicPr>
+        <p:blipFill>
+          <a:blip r:embed="rId2">
+            <a:extLst>
+              <a:ext uri="{28A0092B-C50C-407E-A947-70E740481C1C}">
+                <a14:useLocalDpi xmlns:a14="http://schemas.microsoft.com/office/drawing/2010/main" val="0"/>
+              </a:ext>
+            </a:extLst>
+          </a:blip>
+          <a:srcRect/>
+          <a:stretch>
+            <a:fillRect/>
+          </a:stretch>
+        </p:blipFill>
+        <p:spPr bwMode="auto">
+          <a:xfrm>
+            <a:off x="651478" y="2780928"/>
+            <a:ext cx="8484499" cy="3456384"/>
+          </a:xfrm>
+          <a:prstGeom prst="rect">
+            <a:avLst/>
+          </a:prstGeom>
+          <a:noFill/>
+          <a:ln>
+            <a:noFill/>
+          </a:ln>
+          <a:effectLst/>
+          <a:extLst>
+            <a:ext uri="{909E8E84-426E-40DD-AFC4-6F175D3DCCD1}">
+              <a14:hiddenFill xmlns:a14="http://schemas.microsoft.com/office/drawing/2010/main">
+                <a:solidFill>
+                  <a:schemeClr val="accent1"/>
+                </a:solidFill>
+              </a14:hiddenFill>
+            </a:ext>
+            <a:ext uri="{91240B29-F687-4F45-9708-019B960494DF}">
+              <a14:hiddenLine xmlns:a14="http://schemas.microsoft.com/office/drawing/2010/main" w="9525">
+                <a:solidFill>
+                  <a:schemeClr val="tx1"/>
+                </a:solidFill>
+                <a:miter lim="800000"/>
+                <a:headEnd/>
+                <a:tailEnd/>
+              </a14:hiddenLine>
+            </a:ext>
+            <a:ext uri="{AF507438-7753-43E0-B8FC-AC1667EBCBE1}">
+              <a14:hiddenEffects xmlns:a14="http://schemas.microsoft.com/office/drawing/2010/main">
+                <a:effectLst>
+                  <a:outerShdw dist="35921" dir="2700000" algn="ctr" rotWithShape="0">
+                    <a:schemeClr val="bg2"/>
+                  </a:outerShdw>
+                </a:effectLst>
+              </a14:hiddenEffects>
+            </a:ext>
+          </a:extLst>
+        </p:spPr>
+      </p:pic>
+    </p:spTree>
+    <p:extLst>
+      <p:ext uri="{BB962C8B-B14F-4D97-AF65-F5344CB8AC3E}">
+        <p14:creationId xmlns:p14="http://schemas.microsoft.com/office/powerpoint/2010/main" val="1480515543"/>
+      </p:ext>
+    </p:extLst>
+  </p:cSld>
+  <p:clrMapOvr>
+    <a:masterClrMapping/>
+  </p:clrMapOvr>
+  <p:timing>
+    <p:tnLst>
+      <p:par>
+        <p:cTn id="1" dur="indefinite" restart="never" nodeType="tmRoot"/>
+      </p:par>
+    </p:tnLst>
+  </p:timing>
+</p:sld>
+</file>
+
+<file path=ppt/slides/slide13.xml><?xml version="1.0" encoding="utf-8"?>
+<p:sld xmlns:a="http://schemas.openxmlformats.org/drawingml/2006/main" xmlns:r="http://schemas.openxmlformats.org/officeDocument/2006/relationships" xmlns:p="http://schemas.openxmlformats.org/presentationml/2006/main">
+  <p:cSld>
+    <p:spTree>
+      <p:nvGrpSpPr>
+        <p:cNvPr id="1" name=""/>
+        <p:cNvGrpSpPr/>
+        <p:nvPr/>
+      </p:nvGrpSpPr>
+      <p:grpSpPr>
+        <a:xfrm>
+          <a:off x="0" y="0"/>
+          <a:ext cx="0" cy="0"/>
+          <a:chOff x="0" y="0"/>
+          <a:chExt cx="0" cy="0"/>
+        </a:xfrm>
+      </p:grpSpPr>
+      <p:sp>
+        <p:nvSpPr>
+          <p:cNvPr id="2" name="内容占位符 1"/>
+          <p:cNvSpPr>
+            <a:spLocks noGrp="1"/>
+          </p:cNvSpPr>
+          <p:nvPr>
+            <p:ph idx="1"/>
+          </p:nvPr>
+        </p:nvSpPr>
+        <p:spPr>
+          <a:xfrm>
+            <a:off x="456406" y="1166018"/>
+            <a:ext cx="8229600" cy="4525963"/>
+          </a:xfrm>
+        </p:spPr>
+        <p:txBody>
+          <a:bodyPr/>
+          <a:lstStyle/>
+          <a:p>
+            <a:r>
+              <a:rPr lang="zh-CN" altLang="en-US" dirty="0" smtClean="0"/>
+              <a:t>方法三：菜单，选项</a:t>
+            </a:r>
+            <a:r>
+              <a:rPr lang="en-US" altLang="zh-CN" dirty="0" smtClean="0"/>
+              <a:t>-</a:t>
+            </a:r>
+            <a:r>
+              <a:rPr lang="zh-CN" altLang="en-US" dirty="0" smtClean="0"/>
+              <a:t>函数助手对话框</a:t>
+            </a:r>
+            <a:endParaRPr lang="zh-CN" altLang="en-US" dirty="0"/>
+          </a:p>
+        </p:txBody>
+      </p:sp>
+      <p:sp>
+        <p:nvSpPr>
+          <p:cNvPr id="3" name="标题 2"/>
+          <p:cNvSpPr>
+            <a:spLocks noGrp="1"/>
+          </p:cNvSpPr>
+          <p:nvPr>
+            <p:ph type="title"/>
+          </p:nvPr>
+        </p:nvSpPr>
+        <p:spPr/>
+        <p:txBody>
+          <a:bodyPr/>
+          <a:lstStyle/>
+          <a:p>
+            <a:r>
+              <a:rPr lang="en-US" altLang="zh-CN" dirty="0" err="1" smtClean="0"/>
+              <a:t>JMeter</a:t>
+            </a:r>
+            <a:r>
+              <a:rPr lang="zh-CN" altLang="en-US" dirty="0" smtClean="0"/>
+              <a:t>之</a:t>
+            </a:r>
+            <a:r>
+              <a:rPr lang="zh-CN" altLang="en-US" dirty="0"/>
+              <a:t>参数化</a:t>
+            </a:r>
+          </a:p>
+        </p:txBody>
+      </p:sp>
+      <p:pic>
+        <p:nvPicPr>
+          <p:cNvPr id="6146" name="Picture 2"/>
+          <p:cNvPicPr>
+            <a:picLocks noChangeAspect="1" noChangeArrowheads="1"/>
+          </p:cNvPicPr>
+          <p:nvPr/>
+        </p:nvPicPr>
+        <p:blipFill>
+          <a:blip r:embed="rId2">
+            <a:extLst>
+              <a:ext uri="{28A0092B-C50C-407E-A947-70E740481C1C}">
+                <a14:useLocalDpi xmlns:a14="http://schemas.microsoft.com/office/drawing/2010/main" val="0"/>
+              </a:ext>
+            </a:extLst>
+          </a:blip>
+          <a:srcRect/>
+          <a:stretch>
+            <a:fillRect/>
+          </a:stretch>
+        </p:blipFill>
+        <p:spPr bwMode="auto">
+          <a:xfrm>
+            <a:off x="755576" y="1988840"/>
+            <a:ext cx="7046913" cy="2857500"/>
+          </a:xfrm>
+          <a:prstGeom prst="rect">
+            <a:avLst/>
+          </a:prstGeom>
+          <a:noFill/>
+          <a:ln>
+            <a:noFill/>
+          </a:ln>
+          <a:effectLst/>
+          <a:extLst>
+            <a:ext uri="{909E8E84-426E-40DD-AFC4-6F175D3DCCD1}">
+              <a14:hiddenFill xmlns:a14="http://schemas.microsoft.com/office/drawing/2010/main">
+                <a:solidFill>
+                  <a:schemeClr val="accent1"/>
+                </a:solidFill>
+              </a14:hiddenFill>
+            </a:ext>
+            <a:ext uri="{91240B29-F687-4F45-9708-019B960494DF}">
+              <a14:hiddenLine xmlns:a14="http://schemas.microsoft.com/office/drawing/2010/main" w="9525">
+                <a:solidFill>
+                  <a:schemeClr val="tx1"/>
+                </a:solidFill>
+                <a:miter lim="800000"/>
+                <a:headEnd/>
+                <a:tailEnd/>
+              </a14:hiddenLine>
+            </a:ext>
+            <a:ext uri="{AF507438-7753-43E0-B8FC-AC1667EBCBE1}">
+              <a14:hiddenEffects xmlns:a14="http://schemas.microsoft.com/office/drawing/2010/main">
+                <a:effectLst>
+                  <a:outerShdw dist="35921" dir="2700000" algn="ctr" rotWithShape="0">
+                    <a:schemeClr val="bg2"/>
+                  </a:outerShdw>
+                </a:effectLst>
+              </a14:hiddenEffects>
+            </a:ext>
+          </a:extLst>
+        </p:spPr>
+      </p:pic>
+    </p:spTree>
+    <p:extLst>
+      <p:ext uri="{BB962C8B-B14F-4D97-AF65-F5344CB8AC3E}">
+        <p14:creationId xmlns:p14="http://schemas.microsoft.com/office/powerpoint/2010/main" val="2910367643"/>
+      </p:ext>
+    </p:extLst>
+  </p:cSld>
+  <p:clrMapOvr>
+    <a:masterClrMapping/>
+  </p:clrMapOvr>
+  <p:timing>
+    <p:tnLst>
+      <p:par>
+        <p:cTn id="1" dur="indefinite" restart="never" nodeType="tmRoot"/>
+      </p:par>
+    </p:tnLst>
+  </p:timing>
+</p:sld>
+</file>
+
+<file path=ppt/slides/slide14.xml><?xml version="1.0" encoding="utf-8"?>
+<p:sld xmlns:a="http://schemas.openxmlformats.org/drawingml/2006/main" xmlns:r="http://schemas.openxmlformats.org/officeDocument/2006/relationships" xmlns:p="http://schemas.openxmlformats.org/presentationml/2006/main">
+  <p:cSld>
+    <p:spTree>
+      <p:nvGrpSpPr>
+        <p:cNvPr id="1" name=""/>
+        <p:cNvGrpSpPr/>
+        <p:nvPr/>
+      </p:nvGrpSpPr>
+      <p:grpSpPr>
+        <a:xfrm>
+          <a:off x="0" y="0"/>
+          <a:ext cx="0" cy="0"/>
+          <a:chOff x="0" y="0"/>
+          <a:chExt cx="0" cy="0"/>
+        </a:xfrm>
+      </p:grpSpPr>
+      <p:sp>
+        <p:nvSpPr>
+          <p:cNvPr id="2" name="内容占位符 1"/>
+          <p:cNvSpPr>
+            <a:spLocks noGrp="1"/>
+          </p:cNvSpPr>
+          <p:nvPr>
+            <p:ph idx="1"/>
+          </p:nvPr>
+        </p:nvSpPr>
+        <p:spPr>
+          <a:xfrm>
+            <a:off x="611560" y="980728"/>
+            <a:ext cx="8229600" cy="4525963"/>
+          </a:xfrm>
+        </p:spPr>
+        <p:txBody>
+          <a:bodyPr/>
+          <a:lstStyle/>
+          <a:p>
+            <a:r>
+              <a:rPr lang="en-US" altLang="zh-CN" dirty="0" err="1"/>
               <a:t>Jmeter</a:t>
+            </a:r>
+            <a:r>
+              <a:rPr lang="zh-CN" altLang="zh-CN" dirty="0"/>
+              <a:t>集合点、定时</a:t>
+            </a:r>
+            <a:r>
+              <a:rPr lang="zh-CN" altLang="zh-CN" dirty="0" smtClean="0"/>
+              <a:t>并发</a:t>
+            </a:r>
+            <a:endParaRPr lang="en-US" altLang="zh-CN" dirty="0"/>
+          </a:p>
+          <a:p>
+            <a:r>
+              <a:rPr lang="zh-CN" altLang="zh-CN" dirty="0" smtClean="0"/>
+              <a:t>用于</a:t>
+            </a:r>
+            <a:r>
+              <a:rPr lang="zh-CN" altLang="zh-CN" dirty="0"/>
+              <a:t>操作与操作之间设置等待时间，类似于</a:t>
+            </a:r>
+            <a:r>
+              <a:rPr lang="en-US" altLang="zh-CN" dirty="0" err="1"/>
+              <a:t>LR</a:t>
+            </a:r>
+            <a:r>
+              <a:rPr lang="zh-CN" altLang="zh-CN" dirty="0"/>
+              <a:t>中的思考时间</a:t>
+            </a:r>
+          </a:p>
+          <a:p>
+            <a:r>
+              <a:rPr lang="zh-CN" altLang="en-US" dirty="0" smtClean="0">
+                <a:latin typeface="+mn-ea"/>
+              </a:rPr>
+              <a:t>定时器</a:t>
+            </a:r>
+            <a:r>
+              <a:rPr lang="en-US" altLang="zh-CN" dirty="0" smtClean="0">
+                <a:latin typeface="+mn-ea"/>
+              </a:rPr>
+              <a:t>/Synchronizing </a:t>
+            </a:r>
+            <a:r>
+              <a:rPr lang="en-US" altLang="zh-CN" dirty="0">
+                <a:latin typeface="+mn-ea"/>
+              </a:rPr>
+              <a:t>Timer</a:t>
+            </a:r>
+            <a:endParaRPr lang="zh-CN" altLang="en-US" dirty="0">
+              <a:latin typeface="+mn-ea"/>
+            </a:endParaRPr>
+          </a:p>
+        </p:txBody>
+      </p:sp>
+      <p:sp>
+        <p:nvSpPr>
+          <p:cNvPr id="3" name="标题 2"/>
+          <p:cNvSpPr>
+            <a:spLocks noGrp="1"/>
+          </p:cNvSpPr>
+          <p:nvPr>
+            <p:ph type="title"/>
+          </p:nvPr>
+        </p:nvSpPr>
+        <p:spPr/>
+        <p:txBody>
+          <a:bodyPr/>
+          <a:lstStyle/>
+          <a:p>
+            <a:r>
+              <a:rPr lang="en-US" altLang="zh-CN" dirty="0" err="1" smtClean="0"/>
+              <a:t>JMeter</a:t>
+            </a:r>
+            <a:r>
+              <a:rPr lang="zh-CN" altLang="en-US" dirty="0" smtClean="0"/>
+              <a:t>之集合点</a:t>
+            </a:r>
+            <a:endParaRPr lang="zh-CN" altLang="en-US" dirty="0"/>
+          </a:p>
+        </p:txBody>
+      </p:sp>
+      <p:pic>
+        <p:nvPicPr>
+          <p:cNvPr id="7170" name="Picture 2"/>
+          <p:cNvPicPr>
+            <a:picLocks noChangeAspect="1" noChangeArrowheads="1"/>
+          </p:cNvPicPr>
+          <p:nvPr/>
+        </p:nvPicPr>
+        <p:blipFill>
+          <a:blip r:embed="rId2">
+            <a:extLst>
+              <a:ext uri="{28A0092B-C50C-407E-A947-70E740481C1C}">
+                <a14:useLocalDpi xmlns:a14="http://schemas.microsoft.com/office/drawing/2010/main" val="0"/>
+              </a:ext>
+            </a:extLst>
+          </a:blip>
+          <a:srcRect/>
+          <a:stretch>
+            <a:fillRect/>
+          </a:stretch>
+        </p:blipFill>
+        <p:spPr bwMode="auto">
+          <a:xfrm>
+            <a:off x="2411760" y="3284984"/>
+            <a:ext cx="5028456" cy="1840233"/>
+          </a:xfrm>
+          <a:prstGeom prst="rect">
+            <a:avLst/>
+          </a:prstGeom>
+          <a:noFill/>
+          <a:ln>
+            <a:noFill/>
+          </a:ln>
+          <a:effectLst/>
+          <a:extLst>
+            <a:ext uri="{909E8E84-426E-40DD-AFC4-6F175D3DCCD1}">
+              <a14:hiddenFill xmlns:a14="http://schemas.microsoft.com/office/drawing/2010/main">
+                <a:solidFill>
+                  <a:schemeClr val="accent1"/>
+                </a:solidFill>
+              </a14:hiddenFill>
+            </a:ext>
+            <a:ext uri="{91240B29-F687-4F45-9708-019B960494DF}">
+              <a14:hiddenLine xmlns:a14="http://schemas.microsoft.com/office/drawing/2010/main" w="9525">
+                <a:solidFill>
+                  <a:schemeClr val="tx1"/>
+                </a:solidFill>
+                <a:miter lim="800000"/>
+                <a:headEnd/>
+                <a:tailEnd/>
+              </a14:hiddenLine>
+            </a:ext>
+            <a:ext uri="{AF507438-7753-43E0-B8FC-AC1667EBCBE1}">
+              <a14:hiddenEffects xmlns:a14="http://schemas.microsoft.com/office/drawing/2010/main">
+                <a:effectLst>
+                  <a:outerShdw dist="35921" dir="2700000" algn="ctr" rotWithShape="0">
+                    <a:schemeClr val="bg2"/>
+                  </a:outerShdw>
+                </a:effectLst>
+              </a14:hiddenEffects>
+            </a:ext>
+          </a:extLst>
+        </p:spPr>
+      </p:pic>
+      <p:sp>
+        <p:nvSpPr>
+          <p:cNvPr id="4" name="矩形 3"/>
+          <p:cNvSpPr/>
+          <p:nvPr/>
+        </p:nvSpPr>
+        <p:spPr>
+          <a:xfrm>
+            <a:off x="251520" y="5015155"/>
+            <a:ext cx="8352928" cy="1643527"/>
+          </a:xfrm>
+          <a:prstGeom prst="rect">
+            <a:avLst/>
+          </a:prstGeom>
+        </p:spPr>
+        <p:txBody>
+          <a:bodyPr wrap="square">
+            <a:spAutoFit/>
+          </a:bodyPr>
+          <a:lstStyle/>
+          <a:p>
+            <a:pPr marL="342900" indent="-342900">
+              <a:spcBef>
+                <a:spcPct val="20000"/>
+              </a:spcBef>
+              <a:buFont typeface="Arial" pitchFamily="34" charset="0"/>
+              <a:buChar char="•"/>
+            </a:pPr>
+            <a:r>
+              <a:rPr lang="en-US" altLang="zh-CN" sz="2400" dirty="0">
+                <a:latin typeface="+mn-ea"/>
+              </a:rPr>
+              <a:t>Number of Simulated Users to Group by:</a:t>
+            </a:r>
+            <a:r>
+              <a:rPr lang="zh-CN" altLang="en-US" sz="2400" dirty="0">
+                <a:latin typeface="+mn-ea"/>
+              </a:rPr>
+              <a:t>集合多少人后再执行请求</a:t>
+            </a:r>
+          </a:p>
+          <a:p>
+            <a:pPr marL="342900" indent="-342900">
+              <a:spcBef>
+                <a:spcPct val="20000"/>
+              </a:spcBef>
+              <a:buFont typeface="Arial" pitchFamily="34" charset="0"/>
+              <a:buChar char="•"/>
+            </a:pPr>
+            <a:r>
+              <a:rPr lang="en-US" altLang="zh-CN" sz="2400" dirty="0">
+                <a:latin typeface="+mn-ea"/>
+              </a:rPr>
+              <a:t>Timeout in milliseconds</a:t>
+            </a:r>
+            <a:r>
+              <a:rPr lang="zh-CN" altLang="en-US" sz="2400" dirty="0">
+                <a:latin typeface="+mn-ea"/>
+              </a:rPr>
+              <a:t>：多少秒没集合到指定</a:t>
+            </a:r>
+            <a:r>
+              <a:rPr lang="zh-CN" altLang="en-US" sz="2400" dirty="0" smtClean="0">
+                <a:latin typeface="+mn-ea"/>
+              </a:rPr>
+              <a:t>人数算</a:t>
+            </a:r>
+            <a:r>
+              <a:rPr lang="zh-CN" altLang="en-US" sz="2400" dirty="0">
+                <a:latin typeface="+mn-ea"/>
+              </a:rPr>
+              <a:t>超时</a:t>
+            </a:r>
+          </a:p>
+        </p:txBody>
+      </p:sp>
+    </p:spTree>
+    <p:extLst>
+      <p:ext uri="{BB962C8B-B14F-4D97-AF65-F5344CB8AC3E}">
+        <p14:creationId xmlns:p14="http://schemas.microsoft.com/office/powerpoint/2010/main" val="516317983"/>
+      </p:ext>
+    </p:extLst>
+  </p:cSld>
+  <p:clrMapOvr>
+    <a:masterClrMapping/>
+  </p:clrMapOvr>
+  <p:timing>
+    <p:tnLst>
+      <p:par>
+        <p:cTn id="1" dur="indefinite" restart="never" nodeType="tmRoot"/>
+      </p:par>
+    </p:tnLst>
+  </p:timing>
+</p:sld>
+</file>
+
+<file path=ppt/slides/slide15.xml><?xml version="1.0" encoding="utf-8"?>
+<p:sld xmlns:a="http://schemas.openxmlformats.org/drawingml/2006/main" xmlns:r="http://schemas.openxmlformats.org/officeDocument/2006/relationships" xmlns:p="http://schemas.openxmlformats.org/presentationml/2006/main">
+  <p:cSld>
+    <p:spTree>
+      <p:nvGrpSpPr>
+        <p:cNvPr id="1" name=""/>
+        <p:cNvGrpSpPr/>
+        <p:nvPr/>
+      </p:nvGrpSpPr>
+      <p:grpSpPr>
+        <a:xfrm>
+          <a:off x="0" y="0"/>
+          <a:ext cx="0" cy="0"/>
+          <a:chOff x="0" y="0"/>
+          <a:chExt cx="0" cy="0"/>
+        </a:xfrm>
+      </p:grpSpPr>
+      <p:sp>
+        <p:nvSpPr>
+          <p:cNvPr id="3" name="内容占位符 2"/>
+          <p:cNvSpPr>
+            <a:spLocks noGrp="1"/>
+          </p:cNvSpPr>
+          <p:nvPr>
+            <p:ph idx="1"/>
+          </p:nvPr>
+        </p:nvSpPr>
+        <p:spPr/>
+        <p:txBody>
+          <a:bodyPr>
+            <a:normAutofit/>
+          </a:bodyPr>
+          <a:lstStyle/>
+          <a:p>
+            <a:r>
+              <a:rPr lang="en-US" altLang="zh-CN" dirty="0" err="1" smtClean="0">
+                <a:latin typeface="+mn-ea"/>
+              </a:rPr>
+              <a:t>JMeter</a:t>
+            </a:r>
+            <a:r>
+              <a:rPr lang="zh-CN" altLang="en-US" dirty="0" smtClean="0">
+                <a:latin typeface="+mn-ea"/>
+              </a:rPr>
+              <a:t>元件</a:t>
+            </a:r>
+            <a:r>
+              <a:rPr lang="zh-CN" altLang="en-US" dirty="0">
+                <a:latin typeface="+mn-ea"/>
+              </a:rPr>
+              <a:t>的作用域与</a:t>
+            </a:r>
+            <a:r>
+              <a:rPr lang="zh-CN" altLang="en-US" dirty="0" smtClean="0">
+                <a:latin typeface="+mn-ea"/>
+              </a:rPr>
+              <a:t>执行顺序</a:t>
+            </a:r>
+            <a:endParaRPr lang="en-US" altLang="zh-CN" dirty="0" smtClean="0">
+              <a:latin typeface="+mn-ea"/>
+            </a:endParaRPr>
+          </a:p>
+          <a:p>
+            <a:r>
+              <a:rPr lang="en-US" altLang="zh-CN" dirty="0" err="1" smtClean="0">
+                <a:latin typeface="+mn-ea"/>
+              </a:rPr>
+              <a:t>JMeter</a:t>
+            </a:r>
+            <a:r>
+              <a:rPr lang="zh-CN" altLang="en-US" dirty="0" smtClean="0">
+                <a:latin typeface="+mn-ea"/>
+              </a:rPr>
+              <a:t>之</a:t>
+            </a:r>
+            <a:r>
+              <a:rPr lang="zh-CN" altLang="en-US" dirty="0">
+                <a:latin typeface="+mn-ea"/>
+              </a:rPr>
+              <a:t>参数</a:t>
+            </a:r>
+            <a:r>
+              <a:rPr lang="zh-CN" altLang="en-US" dirty="0" smtClean="0">
+                <a:latin typeface="+mn-ea"/>
+              </a:rPr>
+              <a:t>化（三种方式）</a:t>
+            </a:r>
+            <a:endParaRPr lang="en-US" altLang="zh-CN" dirty="0" smtClean="0">
+              <a:latin typeface="+mn-ea"/>
+            </a:endParaRPr>
+          </a:p>
+          <a:p>
+            <a:r>
+              <a:rPr lang="en-US" altLang="zh-CN" dirty="0" err="1" smtClean="0">
+                <a:latin typeface="+mn-ea"/>
+              </a:rPr>
+              <a:t>JMeter</a:t>
+            </a:r>
+            <a:r>
+              <a:rPr lang="zh-CN" altLang="en-US" dirty="0" smtClean="0">
+                <a:latin typeface="+mn-ea"/>
+              </a:rPr>
+              <a:t>之</a:t>
+            </a:r>
+            <a:r>
+              <a:rPr lang="zh-CN" altLang="en-US" dirty="0">
+                <a:latin typeface="+mn-ea"/>
+              </a:rPr>
+              <a:t>集合</a:t>
+            </a:r>
+            <a:r>
+              <a:rPr lang="zh-CN" altLang="en-US" dirty="0" smtClean="0">
+                <a:latin typeface="+mn-ea"/>
+              </a:rPr>
+              <a:t>点</a:t>
+            </a:r>
+            <a:endParaRPr lang="en-US" altLang="zh-CN" dirty="0" smtClean="0">
+              <a:latin typeface="+mn-ea"/>
+            </a:endParaRPr>
+          </a:p>
+          <a:p>
+            <a:r>
+              <a:rPr lang="en-US" altLang="zh-CN" dirty="0" err="1" smtClean="0">
+                <a:solidFill>
+                  <a:srgbClr val="FF0000"/>
+                </a:solidFill>
+                <a:latin typeface="+mn-ea"/>
+              </a:rPr>
+              <a:t>JMeter</a:t>
+            </a:r>
+            <a:r>
+              <a:rPr lang="zh-CN" altLang="en-US" dirty="0" smtClean="0">
+                <a:solidFill>
+                  <a:srgbClr val="FF0000"/>
+                </a:solidFill>
+                <a:latin typeface="+mn-ea"/>
+              </a:rPr>
+              <a:t>之检查点（断言）</a:t>
+            </a:r>
+            <a:endParaRPr lang="en-US" altLang="zh-CN" dirty="0" smtClean="0">
+              <a:solidFill>
+                <a:srgbClr val="FF0000"/>
+              </a:solidFill>
+              <a:latin typeface="+mn-ea"/>
+            </a:endParaRPr>
+          </a:p>
+          <a:p>
+            <a:r>
+              <a:rPr lang="en-US" altLang="zh-CN" dirty="0" err="1" smtClean="0">
+                <a:latin typeface="+mn-ea"/>
+              </a:rPr>
+              <a:t>JMeter</a:t>
+            </a:r>
+            <a:r>
+              <a:rPr lang="zh-CN" altLang="en-US" dirty="0" smtClean="0">
+                <a:latin typeface="+mn-ea"/>
+              </a:rPr>
+              <a:t>之动态关联</a:t>
+            </a:r>
+            <a:endParaRPr lang="zh-CN" altLang="en-US" dirty="0">
+              <a:latin typeface="+mn-ea"/>
+            </a:endParaRPr>
+          </a:p>
+          <a:p>
+            <a:r>
+              <a:rPr lang="en-US" altLang="zh-CN" dirty="0" err="1" smtClean="0">
+                <a:latin typeface="+mn-ea"/>
+              </a:rPr>
+              <a:t>JMeter</a:t>
+            </a:r>
+            <a:r>
+              <a:rPr lang="zh-CN" altLang="en-US" dirty="0" smtClean="0">
+                <a:latin typeface="+mn-ea"/>
+              </a:rPr>
+              <a:t>之分布式测试</a:t>
+            </a:r>
+            <a:endParaRPr lang="zh-CN" altLang="en-US" dirty="0">
+              <a:latin typeface="+mn-ea"/>
+            </a:endParaRPr>
+          </a:p>
+        </p:txBody>
+      </p:sp>
+      <p:sp>
+        <p:nvSpPr>
+          <p:cNvPr id="2" name="标题 1"/>
+          <p:cNvSpPr>
+            <a:spLocks noGrp="1"/>
+          </p:cNvSpPr>
+          <p:nvPr>
+            <p:ph type="title"/>
+          </p:nvPr>
+        </p:nvSpPr>
+        <p:spPr>
+          <a:xfrm>
+            <a:off x="-20712" y="0"/>
+            <a:ext cx="9164712" cy="836712"/>
+          </a:xfrm>
+        </p:spPr>
+        <p:txBody>
+          <a:bodyPr/>
+          <a:lstStyle/>
+          <a:p>
+            <a:r>
+              <a:rPr lang="zh-CN" altLang="en-US" dirty="0" smtClean="0"/>
+              <a:t>本章大纲</a:t>
+            </a:r>
+            <a:endParaRPr lang="zh-CN" altLang="en-US" dirty="0"/>
+          </a:p>
+        </p:txBody>
+      </p:sp>
+    </p:spTree>
+    <p:extLst>
+      <p:ext uri="{BB962C8B-B14F-4D97-AF65-F5344CB8AC3E}">
+        <p14:creationId xmlns:p14="http://schemas.microsoft.com/office/powerpoint/2010/main" val="85621132"/>
+      </p:ext>
+    </p:extLst>
+  </p:cSld>
+  <p:clrMapOvr>
+    <a:masterClrMapping/>
+  </p:clrMapOvr>
+  <p:timing>
+    <p:tnLst>
+      <p:par>
+        <p:cTn id="1" dur="indefinite" restart="never" nodeType="tmRoot"/>
+      </p:par>
+    </p:tnLst>
+  </p:timing>
+</p:sld>
+</file>
+
+<file path=ppt/slides/slide16.xml><?xml version="1.0" encoding="utf-8"?>
+<p:sld xmlns:a="http://schemas.openxmlformats.org/drawingml/2006/main" xmlns:r="http://schemas.openxmlformats.org/officeDocument/2006/relationships" xmlns:p="http://schemas.openxmlformats.org/presentationml/2006/main">
+  <p:cSld>
+    <p:spTree>
+      <p:nvGrpSpPr>
+        <p:cNvPr id="1" name=""/>
+        <p:cNvGrpSpPr/>
+        <p:nvPr/>
+      </p:nvGrpSpPr>
+      <p:grpSpPr>
+        <a:xfrm>
+          <a:off x="0" y="0"/>
+          <a:ext cx="0" cy="0"/>
+          <a:chOff x="0" y="0"/>
+          <a:chExt cx="0" cy="0"/>
+        </a:xfrm>
+      </p:grpSpPr>
+      <p:sp>
+        <p:nvSpPr>
+          <p:cNvPr id="3" name="标题 2"/>
+          <p:cNvSpPr>
+            <a:spLocks noGrp="1"/>
+          </p:cNvSpPr>
+          <p:nvPr>
+            <p:ph type="title"/>
+          </p:nvPr>
+        </p:nvSpPr>
+        <p:spPr/>
+        <p:txBody>
+          <a:bodyPr/>
+          <a:lstStyle/>
+          <a:p>
+            <a:r>
+              <a:rPr lang="en-US" altLang="zh-CN" dirty="0" err="1" smtClean="0"/>
+              <a:t>JMeter</a:t>
             </a:r>
             <a:r>
               <a:rPr lang="zh-CN" altLang="en-US" dirty="0" smtClean="0"/>
@@ -3190,7 +4619,7 @@
 </p:sld>
 </file>
 
-<file path=ppt/slides/slide12.xml><?xml version="1.0" encoding="utf-8"?>
+<file path=ppt/slides/slide17.xml><?xml version="1.0" encoding="utf-8"?>
 <p:sld xmlns:a="http://schemas.openxmlformats.org/drawingml/2006/main" xmlns:r="http://schemas.openxmlformats.org/officeDocument/2006/relationships" xmlns:p="http://schemas.openxmlformats.org/presentationml/2006/main">
   <p:cSld>
     <p:spTree>
@@ -3230,28 +4659,28 @@
           <a:lstStyle/>
           <a:p>
             <a:r>
+              <a:rPr lang="zh-CN" altLang="en-US" dirty="0">
+                <a:latin typeface="+mn-ea"/>
+              </a:rPr>
+              <a:t>后</a:t>
+            </a:r>
+            <a:r>
               <a:rPr lang="zh-CN" altLang="en-US" dirty="0" smtClean="0">
                 <a:latin typeface="+mn-ea"/>
               </a:rPr>
-              <a:t>使用场合</a:t>
+              <a:t>置处理器：用于对</a:t>
+            </a:r>
+            <a:r>
+              <a:rPr lang="en-US" altLang="zh-CN" dirty="0" smtClean="0">
+                <a:latin typeface="+mn-ea"/>
+              </a:rPr>
+              <a:t>Sampler</a:t>
             </a:r>
             <a:r>
               <a:rPr lang="zh-CN" altLang="en-US" dirty="0" smtClean="0">
                 <a:latin typeface="+mn-ea"/>
               </a:rPr>
-              <a:t>：</a:t>
-            </a:r>
-            <a:r>
-              <a:rPr lang="zh-CN" altLang="en-US" dirty="0"/>
-              <a:t>这</a:t>
-            </a:r>
-            <a:r>
-              <a:rPr lang="zh-CN" altLang="en-US" dirty="0" smtClean="0"/>
-              <a:t>次</a:t>
-            </a:r>
-            <a:r>
-              <a:rPr lang="zh-CN" altLang="en-US" dirty="0"/>
-              <a:t>请求的参数需要从上一次的返回值得到</a:t>
+              <a:t>发出请求后得到的服务器响应进行处理。一般用来提取响应中的特定数据</a:t>
             </a:r>
             <a:endParaRPr lang="en-US" altLang="zh-CN" dirty="0" smtClean="0">
               <a:latin typeface="+mn-ea"/>
@@ -3507,7 +4936,34 @@
               <a:rPr lang="zh-CN" altLang="en-US" dirty="0">
                 <a:latin typeface="+mn-ea"/>
               </a:rPr>
-              <a:t>即可；缺省值表示参数没有取到值的话，默认给它的值。一般不填。</a:t>
+              <a:t>即可</a:t>
+            </a:r>
+            <a:r>
+              <a:rPr lang="zh-CN" altLang="en-US" dirty="0" smtClean="0">
+                <a:latin typeface="+mn-ea"/>
+              </a:rPr>
+              <a:t>；</a:t>
+            </a:r>
+            <a:endParaRPr lang="en-US" altLang="zh-CN" dirty="0" smtClean="0">
+              <a:latin typeface="+mn-ea"/>
+            </a:endParaRPr>
+          </a:p>
+          <a:p>
+            <a:pPr lvl="1">
+              <a:buFont typeface="Wingdings" panose="05000000000000000000" pitchFamily="2" charset="2"/>
+              <a:buChar char="ü"/>
+            </a:pPr>
+            <a:r>
+              <a:rPr lang="zh-CN" altLang="en-US" dirty="0" smtClean="0">
+                <a:latin typeface="+mn-ea"/>
+              </a:rPr>
+              <a:t>缺省值</a:t>
+            </a:r>
+            <a:r>
+              <a:rPr lang="zh-CN" altLang="en-US" dirty="0">
+                <a:latin typeface="+mn-ea"/>
+              </a:rPr>
+              <a:t>表示参数没有取到值的话，默认给它的值。一般不填。</a:t>
             </a:r>
           </a:p>
         </p:txBody>
@@ -3529,7 +4985,7 @@
           <a:p>
             <a:r>
               <a:rPr lang="en-US" altLang="zh-CN" dirty="0" err="1" smtClean="0"/>
-              <a:t>Jmeter</a:t>
+              <a:t>JMeter</a:t>
             </a:r>
             <a:r>
               <a:rPr lang="zh-CN" altLang="en-US" dirty="0" smtClean="0"/>
@@ -3559,7 +5015,7 @@
 </p:sld>
 </file>
 
-<file path=ppt/slides/slide13.xml><?xml version="1.0" encoding="utf-8"?>
+<file path=ppt/slides/slide18.xml><?xml version="1.0" encoding="utf-8"?>
 <p:sld xmlns:a="http://schemas.openxmlformats.org/drawingml/2006/main" xmlns:r="http://schemas.openxmlformats.org/officeDocument/2006/relationships" xmlns:p="http://schemas.openxmlformats.org/presentationml/2006/main">
   <p:cSld>
     <p:spTree>
@@ -3576,9 +5032,68 @@
           <a:chExt cx="0" cy="0"/>
         </a:xfrm>
       </p:grpSpPr>
+      <p:sp>
+        <p:nvSpPr>
+          <p:cNvPr id="3" name="矩形 2"/>
+          <p:cNvSpPr/>
+          <p:nvPr/>
+        </p:nvSpPr>
+        <p:spPr>
+          <a:xfrm>
+            <a:off x="2418213" y="78014"/>
+            <a:ext cx="4305987" cy="707886"/>
+          </a:xfrm>
+          <a:prstGeom prst="rect">
+            <a:avLst/>
+          </a:prstGeom>
+        </p:spPr>
+        <p:txBody>
+          <a:bodyPr wrap="none">
+            <a:spAutoFit/>
+          </a:bodyPr>
+          <a:lstStyle/>
+          <a:p>
+            <a:pPr algn="ctr">
+              <a:spcBef>
+                <a:spcPct val="0"/>
+              </a:spcBef>
+            </a:pPr>
+            <a:r>
+              <a:rPr lang="en-US" altLang="zh-CN" sz="4000" b="1" dirty="0" err="1" smtClean="0">
+                <a:solidFill>
+                  <a:schemeClr val="bg1"/>
+                </a:solidFill>
+                <a:latin typeface="+mn-ea"/>
+                <a:cs typeface="+mj-cs"/>
+              </a:rPr>
+              <a:t>JMeter</a:t>
+            </a:r>
+            <a:r>
+              <a:rPr lang="zh-CN" altLang="en-US" sz="4000" b="1" dirty="0" smtClean="0">
+                <a:solidFill>
+                  <a:schemeClr val="bg1"/>
+                </a:solidFill>
+                <a:latin typeface="+mn-ea"/>
+                <a:cs typeface="+mj-cs"/>
+              </a:rPr>
+              <a:t>之</a:t>
+            </a:r>
+            <a:r>
+              <a:rPr lang="zh-CN" altLang="en-US" sz="4000" b="1" dirty="0">
+                <a:solidFill>
+                  <a:schemeClr val="bg1"/>
+                </a:solidFill>
+                <a:latin typeface="+mn-ea"/>
+                <a:cs typeface="+mj-cs"/>
+              </a:rPr>
+              <a:t>动态关联</a:t>
+            </a:r>
+          </a:p>
+        </p:txBody>
+      </p:sp>
       <p:pic>
         <p:nvPicPr>
-          <p:cNvPr id="2" name="Picture 2"/>
+          <p:cNvPr id="1026" name="Picture 2"/>
           <p:cNvPicPr>
             <a:picLocks noChangeAspect="1" noChangeArrowheads="1"/>
           </p:cNvPicPr>
@@ -3599,8 +5114,8 @@
         </p:blipFill>
         <p:spPr bwMode="auto">
           <a:xfrm>
-            <a:off x="1019175" y="1844824"/>
-            <a:ext cx="7104063" cy="2962275"/>
+            <a:off x="1331640" y="1521949"/>
+            <a:ext cx="7096836" cy="3348583"/>
           </a:xfrm>
           <a:prstGeom prst="rect">
             <a:avLst/>
@@ -3640,55 +5155,6 @@
           </a:extLst>
         </p:spPr>
       </p:pic>
-      <p:sp>
-        <p:nvSpPr>
-          <p:cNvPr id="3" name="矩形 2"/>
-          <p:cNvSpPr/>
-          <p:nvPr/>
-        </p:nvSpPr>
-        <p:spPr>
-          <a:xfrm>
-            <a:off x="2418213" y="78014"/>
-            <a:ext cx="4305987" cy="707886"/>
-          </a:xfrm>
-          <a:prstGeom prst="rect">
-            <a:avLst/>
-          </a:prstGeom>
-        </p:spPr>
-        <p:txBody>
-          <a:bodyPr wrap="none">
-            <a:spAutoFit/>
-          </a:bodyPr>
-          <a:lstStyle/>
-          <a:p>
-            <a:pPr algn="ctr">
-              <a:spcBef>
-                <a:spcPct val="0"/>
-              </a:spcBef>
-            </a:pPr>
-            <a:r>
-              <a:rPr lang="en-US" altLang="zh-CN" sz="4000" b="1" dirty="0" err="1">
-                <a:solidFill>
-                  <a:schemeClr val="bg1"/>
-                </a:solidFill>
-                <a:latin typeface="+mn-ea"/>
-                <a:cs typeface="+mj-cs"/>
-              </a:rPr>
-              <a:t>Jmeter</a:t>
-            </a:r>
-            <a:r>
-              <a:rPr lang="zh-CN" altLang="en-US" sz="4000" b="1" dirty="0">
-                <a:solidFill>
-                  <a:schemeClr val="bg1"/>
-                </a:solidFill>
-                <a:latin typeface="+mn-ea"/>
-                <a:cs typeface="+mj-cs"/>
-              </a:rPr>
-              <a:t>之动态关联</a:t>
-            </a:r>
-          </a:p>
-        </p:txBody>
-      </p:sp>
     </p:spTree>
     <p:extLst>
       <p:ext uri="{BB962C8B-B14F-4D97-AF65-F5344CB8AC3E}">
@@ -3709,7 +5175,7 @@
 </p:sld>
 </file>
 
-<file path=ppt/slides/slide14.xml><?xml version="1.0" encoding="utf-8"?>
+<file path=ppt/slides/slide19.xml><?xml version="1.0" encoding="utf-8"?>
 <p:sld xmlns:a="http://schemas.openxmlformats.org/drawingml/2006/main" xmlns:r="http://schemas.openxmlformats.org/officeDocument/2006/relationships" xmlns:p="http://schemas.openxmlformats.org/presentationml/2006/main">
   <p:cSld>
     <p:spTree>
@@ -3743,7 +5209,7 @@
           <a:p>
             <a:r>
               <a:rPr lang="en-US" altLang="zh-CN" dirty="0" err="1" smtClean="0"/>
-              <a:t>Jmeter</a:t>
+              <a:t>JMeter</a:t>
             </a:r>
             <a:r>
               <a:rPr lang="zh-CN" altLang="en-US" dirty="0" smtClean="0"/>
@@ -3792,7 +5258,7 @@
               <a:rPr lang="en-US" altLang="zh-CN" sz="2400" dirty="0" err="1" smtClean="0">
                 <a:latin typeface="+mn-ea"/>
               </a:rPr>
-              <a:t>Jmeter</a:t>
+              <a:t>JMeter</a:t>
             </a:r>
             <a:r>
               <a:rPr lang="en-US" altLang="zh-CN" sz="2400" dirty="0">
@@ -3849,22 +5315,22 @@
               <a:t>让</a:t>
             </a:r>
             <a:r>
-              <a:rPr lang="en-US" altLang="zh-CN" sz="2400" dirty="0" err="1">
-                <a:latin typeface="+mn-ea"/>
-              </a:rPr>
-              <a:t>J</a:t>
-            </a:r>
-            <a:r>
               <a:rPr lang="en-US" altLang="zh-CN" sz="2400" dirty="0" err="1" smtClean="0">
                 <a:latin typeface="+mn-ea"/>
               </a:rPr>
-              <a:t>meter</a:t>
+              <a:t>JMeter</a:t>
+            </a:r>
+            <a:r>
+              <a:rPr lang="zh-CN" altLang="en-US" sz="2400" dirty="0" smtClean="0">
+                <a:latin typeface="+mn-ea"/>
+              </a:rPr>
+              <a:t>工具</a:t>
             </a:r>
             <a:r>
               <a:rPr lang="zh-CN" altLang="en-US" sz="2400" dirty="0">
                 <a:latin typeface="+mn-ea"/>
               </a:rPr>
-              <a:t>工具提供更大的负载能力</a:t>
+              <a:t>提供更大的负载能力</a:t>
             </a:r>
             <a:r>
               <a:rPr lang="zh-CN" altLang="en-US" sz="2400" dirty="0" smtClean="0">
@@ -3893,13 +5359,19 @@
               <a:rPr lang="en-US" altLang="zh-CN" sz="2400" b="1" dirty="0" err="1" smtClean="0">
                 <a:latin typeface="+mn-ea"/>
               </a:rPr>
-              <a:t>Jmeter</a:t>
+              <a:t>JMeter</a:t>
+            </a:r>
+            <a:r>
+              <a:rPr lang="zh-CN" altLang="en-US" sz="2400" b="1" dirty="0" smtClean="0">
+                <a:latin typeface="+mn-ea"/>
+              </a:rPr>
+              <a:t>分布式</a:t>
             </a:r>
             <a:r>
               <a:rPr lang="zh-CN" altLang="en-US" sz="2400" b="1" dirty="0">
                 <a:latin typeface="+mn-ea"/>
               </a:rPr>
-              <a:t>分布式执行原理：</a:t>
+              <a:t>执行原理：</a:t>
             </a:r>
           </a:p>
           <a:p>
@@ -3916,90 +5388,236 @@
               <a:t>1</a:t>
             </a:r>
             <a:r>
+              <a:rPr lang="zh-CN" altLang="en-US" sz="2400" dirty="0" smtClean="0">
+                <a:latin typeface="+mn-ea"/>
+              </a:rPr>
+              <a:t>、</a:t>
+            </a:r>
+            <a:r>
+              <a:rPr lang="en-US" altLang="zh-CN" sz="2400" dirty="0" err="1" smtClean="0">
+                <a:latin typeface="+mn-ea"/>
+              </a:rPr>
+              <a:t>JMeter</a:t>
+            </a:r>
+            <a:r>
+              <a:rPr lang="zh-CN" altLang="en-US" sz="2400" dirty="0" smtClean="0">
+                <a:latin typeface="+mn-ea"/>
+              </a:rPr>
+              <a:t>分布式</a:t>
+            </a:r>
+            <a:r>
               <a:rPr lang="zh-CN" altLang="en-US" sz="2400" dirty="0">
                 <a:latin typeface="+mn-ea"/>
               </a:rPr>
-              <a:t>、</a:t>
-            </a:r>
-            <a:r>
-              <a:rPr lang="en-US" altLang="zh-CN" sz="2400" dirty="0" err="1">
-                <a:latin typeface="+mn-ea"/>
-              </a:rPr>
-              <a:t>Jmeter</a:t>
+              <a:t>测试时，选择其中一台</a:t>
+            </a:r>
+            <a:r>
+              <a:rPr lang="zh-CN" altLang="en-US" sz="2400" dirty="0" smtClean="0">
+                <a:latin typeface="+mn-ea"/>
+              </a:rPr>
+              <a:t>作为</a:t>
             </a:r>
             <a:r>
               <a:rPr lang="zh-CN" altLang="en-US" sz="2400" dirty="0">
                 <a:latin typeface="+mn-ea"/>
               </a:rPr>
-              <a:t>分布式测试时，选择其中一台</a:t>
+              <a:t>控制</a:t>
             </a:r>
             <a:r>
               <a:rPr lang="zh-CN" altLang="en-US" sz="2400" dirty="0" smtClean="0">
                 <a:latin typeface="+mn-ea"/>
               </a:rPr>
-              <a:t>作为</a:t>
+              <a:t>机</a:t>
+            </a:r>
+            <a:r>
+              <a:rPr lang="en-US" altLang="zh-CN" sz="2400" dirty="0">
+                <a:latin typeface="+mn-ea"/>
+              </a:rPr>
+              <a:t>(Controller)</a:t>
             </a:r>
             <a:r>
               <a:rPr lang="zh-CN" altLang="en-US" sz="2400" dirty="0">
                 <a:latin typeface="+mn-ea"/>
               </a:rPr>
-              <a:t>控制</a:t>
+              <a:t>，其它机器</a:t>
             </a:r>
             <a:r>
               <a:rPr lang="zh-CN" altLang="en-US" sz="2400" dirty="0" smtClean="0">
                 <a:latin typeface="+mn-ea"/>
               </a:rPr>
-              <a:t>机</a:t>
+              <a:t>做为客户机</a:t>
+            </a:r>
+            <a:r>
+              <a:rPr lang="en-US" altLang="zh-CN" sz="2400" dirty="0" smtClean="0">
+                <a:latin typeface="+mn-ea"/>
+              </a:rPr>
+              <a:t>(Agent</a:t>
             </a:r>
             <a:r>
               <a:rPr lang="en-US" altLang="zh-CN" sz="2400" dirty="0">
                 <a:latin typeface="+mn-ea"/>
               </a:rPr>
-              <a:t>(Controller)</a:t>
+              <a:t>)</a:t>
             </a:r>
             <a:r>
               <a:rPr lang="zh-CN" altLang="en-US" sz="2400" dirty="0">
                 <a:latin typeface="+mn-ea"/>
               </a:rPr>
-              <a:t>，其它机器</a:t>
+              <a:t>。</a:t>
+            </a:r>
+          </a:p>
+          <a:p>
+            <a:r>
+              <a:rPr lang="zh-CN" altLang="en-US" sz="2400" dirty="0">
+                <a:latin typeface="+mn-ea"/>
+              </a:rPr>
+              <a:t>　</a:t>
+            </a:r>
+            <a:r>
+              <a:rPr lang="en-US" altLang="zh-CN" sz="2400" dirty="0" smtClean="0">
+                <a:latin typeface="+mn-ea"/>
+              </a:rPr>
+              <a:t>2</a:t>
+            </a:r>
+            <a:r>
+              <a:rPr lang="zh-CN" altLang="en-US" sz="2400" dirty="0">
+                <a:latin typeface="+mn-ea"/>
+              </a:rPr>
+              <a:t>、执行时</a:t>
             </a:r>
             <a:r>
               <a:rPr lang="zh-CN" altLang="en-US" sz="2400" dirty="0" smtClean="0">
                 <a:latin typeface="+mn-ea"/>
               </a:rPr>
-              <a:t>做为客户机</a:t>
+              <a:t>，</a:t>
             </a:r>
             <a:r>
               <a:rPr lang="en-US" altLang="zh-CN" sz="2400" dirty="0">
                 <a:latin typeface="+mn-ea"/>
               </a:rPr>
-              <a:t>(agent)</a:t>
+              <a:t>Controller</a:t>
+            </a:r>
+            <a:r>
+              <a:rPr lang="zh-CN" altLang="en-US" sz="2400" dirty="0" smtClean="0">
+                <a:latin typeface="+mn-ea"/>
+              </a:rPr>
+              <a:t>会</a:t>
             </a:r>
             <a:r>
               <a:rPr lang="zh-CN" altLang="en-US" sz="2400" dirty="0">
                 <a:latin typeface="+mn-ea"/>
               </a:rPr>
-              <a:t>。</a:t>
-            </a:r>
-          </a:p>
-          <a:p>
+              <a:t>把脚本发送到每</a:t>
+            </a:r>
+            <a:r>
+              <a:rPr lang="zh-CN" altLang="en-US" sz="2400" dirty="0" smtClean="0">
+                <a:latin typeface="+mn-ea"/>
+              </a:rPr>
+              <a:t>台</a:t>
+            </a:r>
+            <a:r>
+              <a:rPr lang="en-US" altLang="zh-CN" sz="2400" dirty="0">
+                <a:latin typeface="+mn-ea"/>
+              </a:rPr>
+              <a:t>A</a:t>
+            </a:r>
+            <a:r>
+              <a:rPr lang="en-US" altLang="zh-CN" sz="2400" dirty="0" smtClean="0">
+                <a:latin typeface="+mn-ea"/>
+              </a:rPr>
+              <a:t>gent</a:t>
+            </a:r>
+            <a:r>
+              <a:rPr lang="zh-CN" altLang="en-US" sz="2400" dirty="0" smtClean="0">
+                <a:latin typeface="+mn-ea"/>
+              </a:rPr>
+              <a:t>上，</a:t>
+            </a:r>
+            <a:r>
+              <a:rPr lang="en-US" altLang="zh-CN" sz="2400" dirty="0">
+                <a:latin typeface="+mn-ea"/>
+              </a:rPr>
+              <a:t>A</a:t>
+            </a:r>
+            <a:r>
+              <a:rPr lang="en-US" altLang="zh-CN" sz="2400" dirty="0" smtClean="0">
+                <a:latin typeface="+mn-ea"/>
+              </a:rPr>
+              <a:t>gent</a:t>
+            </a:r>
+            <a:r>
+              <a:rPr lang="zh-CN" altLang="en-US" sz="2400" dirty="0" smtClean="0">
+                <a:latin typeface="+mn-ea"/>
+              </a:rPr>
+              <a:t>拿</a:t>
+            </a:r>
             <a:r>
               <a:rPr lang="zh-CN" altLang="en-US" sz="2400" dirty="0">
                 <a:latin typeface="+mn-ea"/>
               </a:rPr>
+              <a:t>到脚本后就开始执行</a:t>
+            </a:r>
+            <a:r>
+              <a:rPr lang="zh-CN" altLang="en-US" sz="2400" dirty="0" smtClean="0">
+                <a:latin typeface="+mn-ea"/>
+              </a:rPr>
+              <a:t>，</a:t>
+            </a:r>
+            <a:r>
+              <a:rPr lang="en-US" altLang="zh-CN" sz="2400" dirty="0">
+                <a:latin typeface="+mn-ea"/>
+              </a:rPr>
+              <a:t>agent</a:t>
+            </a:r>
+            <a:r>
+              <a:rPr lang="zh-CN" altLang="en-US" sz="2400" dirty="0" smtClean="0">
+                <a:latin typeface="+mn-ea"/>
+              </a:rPr>
+              <a:t>执行</a:t>
+            </a:r>
+            <a:r>
+              <a:rPr lang="zh-CN" altLang="en-US" sz="2400" dirty="0">
+                <a:latin typeface="+mn-ea"/>
+              </a:rPr>
+              <a:t>时不需要启动</a:t>
+            </a:r>
+            <a:r>
+              <a:rPr lang="en-US" altLang="zh-CN" sz="2400" dirty="0">
+                <a:latin typeface="+mn-ea"/>
+              </a:rPr>
+              <a:t>GUI</a:t>
+            </a:r>
+            <a:r>
+              <a:rPr lang="zh-CN" altLang="en-US" sz="2400" dirty="0" smtClean="0">
+                <a:latin typeface="+mn-ea"/>
+              </a:rPr>
+              <a:t>，是</a:t>
+            </a:r>
+            <a:r>
+              <a:rPr lang="zh-CN" altLang="en-US" sz="2400" dirty="0">
+                <a:latin typeface="+mn-ea"/>
+              </a:rPr>
+              <a:t>通过命令行模式执行的。</a:t>
+            </a:r>
+          </a:p>
+          <a:p>
+            <a:r>
+              <a:rPr lang="zh-CN" altLang="en-US" sz="2400" dirty="0">
+                <a:latin typeface="+mn-ea"/>
+              </a:rPr>
               <a:t>　</a:t>
             </a:r>
             <a:r>
               <a:rPr lang="en-US" altLang="zh-CN" sz="2400" dirty="0" smtClean="0">
                 <a:latin typeface="+mn-ea"/>
               </a:rPr>
-              <a:t>2</a:t>
+              <a:t>3</a:t>
             </a:r>
             <a:r>
               <a:rPr lang="zh-CN" altLang="en-US" sz="2400" dirty="0">
                 <a:latin typeface="+mn-ea"/>
               </a:rPr>
-              <a:t>、执行时</a:t>
+              <a:t>、执行完成后</a:t>
             </a:r>
             <a:r>
               <a:rPr lang="zh-CN" altLang="en-US" sz="2400" dirty="0" smtClean="0">
@@ -4011,189 +5629,79 @@
               <a:rPr lang="en-US" altLang="zh-CN" sz="2400" dirty="0">
                 <a:latin typeface="+mn-ea"/>
               </a:rPr>
+              <a:t>A</a:t>
+            </a:r>
+            <a:r>
+              <a:rPr lang="en-US" altLang="zh-CN" sz="2400" dirty="0" smtClean="0">
+                <a:latin typeface="+mn-ea"/>
+              </a:rPr>
+              <a:t>gent</a:t>
+            </a:r>
+            <a:r>
+              <a:rPr lang="zh-CN" altLang="en-US" sz="2400" dirty="0" smtClean="0">
+                <a:latin typeface="+mn-ea"/>
+              </a:rPr>
+              <a:t>会</a:t>
+            </a:r>
+            <a:r>
+              <a:rPr lang="zh-CN" altLang="en-US" sz="2400" dirty="0">
+                <a:latin typeface="+mn-ea"/>
+              </a:rPr>
+              <a:t>把结果回传</a:t>
+            </a:r>
+            <a:r>
+              <a:rPr lang="zh-CN" altLang="en-US" sz="2400" dirty="0" smtClean="0">
+                <a:latin typeface="+mn-ea"/>
+              </a:rPr>
+              <a:t>给</a:t>
+            </a:r>
+            <a:r>
+              <a:rPr lang="en-US" altLang="zh-CN" sz="2400" dirty="0">
+                <a:latin typeface="+mn-ea"/>
+              </a:rPr>
               <a:t>Controller</a:t>
             </a:r>
             <a:r>
               <a:rPr lang="zh-CN" altLang="en-US" sz="2400" dirty="0" smtClean="0">
                 <a:latin typeface="+mn-ea"/>
               </a:rPr>
+              <a:t>，</a:t>
+            </a:r>
+            <a:r>
+              <a:rPr lang="en-US" altLang="zh-CN" sz="2400" dirty="0">
+                <a:latin typeface="+mn-ea"/>
+              </a:rPr>
+              <a:t>Controller</a:t>
+            </a:r>
+            <a:r>
+              <a:rPr lang="zh-CN" altLang="en-US" sz="2400" dirty="0" smtClean="0">
+                <a:latin typeface="+mn-ea"/>
+              </a:rPr>
               <a:t>会</a:t>
             </a:r>
             <a:r>
               <a:rPr lang="zh-CN" altLang="en-US" sz="2400" dirty="0">
                 <a:latin typeface="+mn-ea"/>
               </a:rPr>
-              <a:t>把脚本发送到每</a:t>
+              <a:t>收集</a:t>
             </a:r>
             <a:r>
               <a:rPr lang="zh-CN" altLang="en-US" sz="2400" dirty="0" smtClean="0">
                 <a:latin typeface="+mn-ea"/>
               </a:rPr>
-              <a:t>台</a:t>
+              <a:t>所有</a:t>
             </a:r>
             <a:r>
               <a:rPr lang="en-US" altLang="zh-CN" sz="2400" dirty="0">
                 <a:latin typeface="+mn-ea"/>
               </a:rPr>
-              <a:t>agent</a:t>
-            </a:r>
-            <a:r>
-              <a:rPr lang="zh-CN" altLang="en-US" sz="2400" dirty="0" smtClean="0">
-                <a:latin typeface="+mn-ea"/>
-              </a:rPr>
-              <a:t>上，</a:t>
-            </a:r>
-            <a:r>
-              <a:rPr lang="en-US" altLang="zh-CN" sz="2400" dirty="0">
-                <a:latin typeface="+mn-ea"/>
-              </a:rPr>
-              <a:t>agent</a:t>
-            </a:r>
-            <a:r>
-              <a:rPr lang="zh-CN" altLang="en-US" sz="2400" dirty="0" smtClean="0">
-                <a:latin typeface="+mn-ea"/>
-              </a:rPr>
-              <a:t>拿</a:t>
-            </a:r>
-            <a:r>
-              <a:rPr lang="zh-CN" altLang="en-US" sz="2400" dirty="0">
-                <a:latin typeface="+mn-ea"/>
-              </a:rPr>
-              <a:t>到脚本后就开始执行</a:t>
-            </a:r>
-            <a:r>
-              <a:rPr lang="zh-CN" altLang="en-US" sz="2400" dirty="0" smtClean="0">
-                <a:latin typeface="+mn-ea"/>
-              </a:rPr>
-              <a:t>，</a:t>
-            </a:r>
-            <a:r>
-              <a:rPr lang="en-US" altLang="zh-CN" sz="2400" dirty="0">
-                <a:latin typeface="+mn-ea"/>
-              </a:rPr>
-              <a:t>agent</a:t>
-            </a:r>
-            <a:r>
-              <a:rPr lang="zh-CN" altLang="en-US" sz="2400" dirty="0" smtClean="0">
-                <a:latin typeface="+mn-ea"/>
-              </a:rPr>
-              <a:t>执行</a:t>
-            </a:r>
-            <a:r>
-              <a:rPr lang="zh-CN" altLang="en-US" sz="2400" dirty="0">
-                <a:latin typeface="+mn-ea"/>
-              </a:rPr>
-              <a:t>时不需要启动</a:t>
-            </a:r>
-            <a:r>
-              <a:rPr lang="en-US" altLang="zh-CN" sz="2400" dirty="0">
-                <a:latin typeface="+mn-ea"/>
-              </a:rPr>
-              <a:t>GUI</a:t>
-            </a:r>
-            <a:r>
-              <a:rPr lang="zh-CN" altLang="en-US" sz="2400" dirty="0" smtClean="0">
-                <a:latin typeface="+mn-ea"/>
-              </a:rPr>
-              <a:t>，是</a:t>
-            </a:r>
-            <a:r>
-              <a:rPr lang="zh-CN" altLang="en-US" sz="2400" dirty="0">
-                <a:latin typeface="+mn-ea"/>
-              </a:rPr>
-              <a:t>通过命令行模式执行的。</a:t>
-            </a:r>
-          </a:p>
-          <a:p>
-            <a:r>
-              <a:rPr lang="zh-CN" altLang="en-US" sz="2400" dirty="0">
-                <a:latin typeface="+mn-ea"/>
-              </a:rPr>
-              <a:t>　</a:t>
+              <a:t>A</a:t>
             </a:r>
             <a:r>
               <a:rPr lang="en-US" altLang="zh-CN" sz="2400" dirty="0" smtClean="0">
                 <a:latin typeface="+mn-ea"/>
               </a:rPr>
-              <a:t>3</a:t>
-            </a:r>
-            <a:r>
-              <a:rPr lang="zh-CN" altLang="en-US" sz="2400" dirty="0">
-                <a:latin typeface="+mn-ea"/>
-              </a:rPr>
-              <a:t>、执行完成后</a:t>
-            </a:r>
-            <a:r>
-              <a:rPr lang="zh-CN" altLang="en-US" sz="2400" dirty="0" smtClean="0">
-                <a:latin typeface="+mn-ea"/>
-              </a:rPr>
-              <a:t>，</a:t>
-            </a:r>
-            <a:r>
-              <a:rPr lang="en-US" altLang="zh-CN" sz="2400" dirty="0">
-                <a:latin typeface="+mn-ea"/>
-              </a:rPr>
-              <a:t>agent</a:t>
-            </a:r>
-            <a:r>
-              <a:rPr lang="zh-CN" altLang="en-US" sz="2400" dirty="0" smtClean="0">
-                <a:latin typeface="+mn-ea"/>
-              </a:rPr>
-              <a:t>会</a:t>
-            </a:r>
-            <a:r>
-              <a:rPr lang="zh-CN" altLang="en-US" sz="2400" dirty="0">
-                <a:latin typeface="+mn-ea"/>
-              </a:rPr>
-              <a:t>把结果回传</a:t>
-            </a:r>
-            <a:r>
-              <a:rPr lang="zh-CN" altLang="en-US" sz="2400" dirty="0" smtClean="0">
-                <a:latin typeface="+mn-ea"/>
-              </a:rPr>
-              <a:t>给</a:t>
-            </a:r>
-            <a:r>
-              <a:rPr lang="en-US" altLang="zh-CN" sz="2400" dirty="0">
-                <a:latin typeface="+mn-ea"/>
-              </a:rPr>
-              <a:t>Controller</a:t>
-            </a:r>
-            <a:r>
-              <a:rPr lang="zh-CN" altLang="en-US" sz="2400" dirty="0" smtClean="0">
-                <a:latin typeface="+mn-ea"/>
-              </a:rPr>
-              <a:t>，</a:t>
-            </a:r>
-            <a:r>
-              <a:rPr lang="en-US" altLang="zh-CN" sz="2400" dirty="0">
-                <a:latin typeface="+mn-ea"/>
-              </a:rPr>
-              <a:t>Controller</a:t>
-            </a:r>
-            <a:r>
-              <a:rPr lang="zh-CN" altLang="en-US" sz="2400" dirty="0" smtClean="0">
-                <a:latin typeface="+mn-ea"/>
-              </a:rPr>
-              <a:t>会</a:t>
-            </a:r>
-            <a:r>
-              <a:rPr lang="zh-CN" altLang="en-US" sz="2400" dirty="0">
-                <a:latin typeface="+mn-ea"/>
-              </a:rPr>
-              <a:t>收集</a:t>
-            </a:r>
-            <a:r>
-              <a:rPr lang="zh-CN" altLang="en-US" sz="2400" dirty="0" smtClean="0">
-                <a:latin typeface="+mn-ea"/>
-              </a:rPr>
-              <a:t>所有</a:t>
-            </a:r>
-            <a:r>
-              <a:rPr lang="en-US" altLang="zh-CN" sz="2400" dirty="0">
-                <a:latin typeface="+mn-ea"/>
-              </a:rPr>
-              <a:t>agent</a:t>
+              <a:t>gent</a:t>
             </a:r>
             <a:r>
               <a:rPr lang="zh-CN" altLang="en-US" sz="2400" dirty="0" smtClean="0">
@@ -4236,7 +5744,188 @@
 </p:sld>
 </file>
 
-<file path=ppt/slides/slide15.xml><?xml version="1.0" encoding="utf-8"?>
+<file path=ppt/slides/slide2.xml><?xml version="1.0" encoding="utf-8"?>
+<p:sld xmlns:a="http://schemas.openxmlformats.org/drawingml/2006/main" xmlns:r="http://schemas.openxmlformats.org/officeDocument/2006/relationships" xmlns:p="http://schemas.openxmlformats.org/presentationml/2006/main">
+  <p:cSld>
+    <p:spTree>
+      <p:nvGrpSpPr>
+        <p:cNvPr id="1" name=""/>
+        <p:cNvGrpSpPr/>
+        <p:nvPr/>
+      </p:nvGrpSpPr>
+      <p:grpSpPr>
+        <a:xfrm>
+          <a:off x="0" y="0"/>
+          <a:ext cx="0" cy="0"/>
+          <a:chOff x="0" y="0"/>
+          <a:chExt cx="0" cy="0"/>
+        </a:xfrm>
+      </p:grpSpPr>
+      <p:sp>
+        <p:nvSpPr>
+          <p:cNvPr id="2" name="内容占位符 1"/>
+          <p:cNvSpPr>
+            <a:spLocks noGrp="1"/>
+          </p:cNvSpPr>
+          <p:nvPr>
+            <p:ph idx="1"/>
+          </p:nvPr>
+        </p:nvSpPr>
+        <p:spPr/>
+        <p:txBody>
+          <a:bodyPr/>
+          <a:lstStyle/>
+          <a:p>
+            <a:pPr marL="0" indent="0">
+              <a:buNone/>
+            </a:pPr>
+            <a:r>
+              <a:rPr lang="en-US" altLang="zh-CN" dirty="0" smtClean="0"/>
+              <a:t>1.Content encoding</a:t>
+            </a:r>
+            <a:r>
+              <a:rPr lang="zh-CN" altLang="en-US" dirty="0" smtClean="0"/>
+              <a:t>设置为</a:t>
+            </a:r>
+            <a:r>
+              <a:rPr lang="en-US" altLang="zh-CN" dirty="0" smtClean="0"/>
+              <a:t>utf-8</a:t>
+            </a:r>
+          </a:p>
+          <a:p>
+            <a:pPr marL="0" indent="0">
+              <a:buNone/>
+            </a:pPr>
+            <a:r>
+              <a:rPr lang="en-US" altLang="zh-CN" dirty="0"/>
+              <a:t>2</a:t>
+            </a:r>
+            <a:r>
+              <a:rPr lang="en-US" altLang="zh-CN" dirty="0" smtClean="0"/>
+              <a:t>.</a:t>
+            </a:r>
+            <a:r>
+              <a:rPr lang="zh-CN" altLang="en-US" dirty="0" smtClean="0"/>
+              <a:t>添加后置处理器</a:t>
+            </a:r>
+            <a:r>
+              <a:rPr lang="en-US" altLang="zh-CN" dirty="0" err="1" smtClean="0"/>
+              <a:t>BeanShell</a:t>
+            </a:r>
+            <a:r>
+              <a:rPr lang="en-US" altLang="zh-CN" dirty="0" smtClean="0"/>
+              <a:t> </a:t>
+            </a:r>
+            <a:r>
+              <a:rPr lang="en-US" altLang="zh-CN" dirty="0" err="1" smtClean="0"/>
+              <a:t>PostProcessor</a:t>
+            </a:r>
+            <a:endParaRPr lang="en-US" altLang="zh-CN" dirty="0" smtClean="0"/>
+          </a:p>
+          <a:p>
+            <a:pPr marL="0" indent="0">
+              <a:buNone/>
+            </a:pPr>
+            <a:r>
+              <a:rPr lang="en-US" altLang="zh-CN" dirty="0" err="1"/>
+              <a:t>prev.setDataEncoding</a:t>
+            </a:r>
+            <a:r>
+              <a:rPr lang="en-US" altLang="zh-CN" dirty="0"/>
+              <a:t>("utf-8</a:t>
+            </a:r>
+            <a:r>
+              <a:rPr lang="en-US" altLang="zh-CN" dirty="0" smtClean="0"/>
+              <a:t>")</a:t>
+            </a:r>
+          </a:p>
+          <a:p>
+            <a:pPr marL="0" indent="0">
+              <a:buNone/>
+            </a:pPr>
+            <a:r>
+              <a:rPr lang="en-US" altLang="zh-CN" dirty="0" smtClean="0"/>
+              <a:t>3.</a:t>
+            </a:r>
+            <a:r>
+              <a:rPr lang="zh-CN" altLang="en-US" dirty="0" smtClean="0"/>
+              <a:t>在文件</a:t>
+            </a:r>
+            <a:r>
+              <a:rPr lang="en-US" altLang="zh-CN" dirty="0" err="1" smtClean="0"/>
+              <a:t>jmeter.propeties</a:t>
+            </a:r>
+            <a:r>
+              <a:rPr lang="zh-CN" altLang="en-US" dirty="0" smtClean="0"/>
+              <a:t>修改，注意去掉</a:t>
+            </a:r>
+            <a:r>
+              <a:rPr lang="en-US" altLang="zh-CN" dirty="0" smtClean="0"/>
+              <a:t>#</a:t>
+            </a:r>
+          </a:p>
+          <a:p>
+            <a:pPr marL="0" indent="0">
+              <a:buNone/>
+            </a:pPr>
+            <a:r>
+              <a:rPr lang="en-US" altLang="zh-CN" dirty="0" err="1" smtClean="0"/>
+              <a:t>sampleresult.default.encoding</a:t>
+            </a:r>
+            <a:r>
+              <a:rPr lang="en-US" altLang="zh-CN" dirty="0" smtClean="0"/>
+              <a:t>=UTF-8</a:t>
+            </a:r>
+          </a:p>
+          <a:p>
+            <a:pPr marL="0" indent="0">
+              <a:buNone/>
+            </a:pPr>
+            <a:endParaRPr lang="zh-CN" altLang="en-US" dirty="0"/>
+          </a:p>
+        </p:txBody>
+      </p:sp>
+      <p:sp>
+        <p:nvSpPr>
+          <p:cNvPr id="3" name="标题 2"/>
+          <p:cNvSpPr>
+            <a:spLocks noGrp="1"/>
+          </p:cNvSpPr>
+          <p:nvPr>
+            <p:ph type="title"/>
+          </p:nvPr>
+        </p:nvSpPr>
+        <p:spPr/>
+        <p:txBody>
+          <a:bodyPr/>
+          <a:lstStyle/>
+          <a:p>
+            <a:r>
+              <a:rPr lang="en-US" altLang="zh-CN" dirty="0" smtClean="0"/>
+              <a:t>Get</a:t>
+            </a:r>
+            <a:r>
+              <a:rPr lang="zh-CN" altLang="en-US" dirty="0" smtClean="0"/>
+              <a:t>乱码的解决</a:t>
+            </a:r>
+            <a:endParaRPr lang="zh-CN" altLang="en-US" dirty="0"/>
+          </a:p>
+        </p:txBody>
+      </p:sp>
+    </p:spTree>
+    <p:extLst>
+      <p:ext uri="{BB962C8B-B14F-4D97-AF65-F5344CB8AC3E}">
+        <p14:creationId xmlns:p14="http://schemas.microsoft.com/office/powerpoint/2010/main" val="4221972849"/>
+      </p:ext>
+    </p:extLst>
+  </p:cSld>
+  <p:clrMapOvr>
+    <a:masterClrMapping/>
+  </p:clrMapOvr>
+</p:sld>
+</file>
+
+<file path=ppt/slides/slide20.xml><?xml version="1.0" encoding="utf-8"?>
 <p:sld xmlns:a="http://schemas.openxmlformats.org/drawingml/2006/main" xmlns:r="http://schemas.openxmlformats.org/officeDocument/2006/relationships" xmlns:p="http://schemas.openxmlformats.org/presentationml/2006/main">
   <p:cSld>
     <p:spTree>
@@ -4266,12 +5955,12 @@
         <p:spPr>
           <a:xfrm>
             <a:off x="395536" y="1052736"/>
-            <a:ext cx="8229600" cy="5832648"/>
+            <a:ext cx="8352928" cy="5832648"/>
           </a:xfrm>
         </p:spPr>
         <p:txBody>
           <a:bodyPr>
-            <a:normAutofit fontScale="47500" lnSpcReduction="20000"/>
+            <a:normAutofit fontScale="55000" lnSpcReduction="20000"/>
           </a:bodyPr>
           <a:lstStyle/>
           <a:p>
@@ -4302,112 +5991,25 @@
               <a:rPr lang="en-US" altLang="zh-CN" sz="4000" dirty="0" smtClean="0">
                 <a:latin typeface="+mn-ea"/>
               </a:rPr>
-              <a:t>2.</a:t>
+              <a:t>2.Agent</a:t>
             </a:r>
             <a:r>
               <a:rPr lang="zh-CN" altLang="en-US" sz="4000" dirty="0" smtClean="0">
                 <a:latin typeface="+mn-ea"/>
               </a:rPr>
-              <a:t>在所运行的</a:t>
+              <a:t>在</a:t>
             </a:r>
             <a:r>
               <a:rPr lang="en-US" altLang="zh-CN" sz="4000" dirty="0" err="1" smtClean="0">
                 <a:latin typeface="+mn-ea"/>
               </a:rPr>
-              <a:t>jmeter</a:t>
+              <a:t>jmeter.properties</a:t>
             </a:r>
             <a:r>
               <a:rPr lang="zh-CN" altLang="en-US" sz="4000" dirty="0" smtClean="0">
                 <a:latin typeface="+mn-ea"/>
               </a:rPr>
-              <a:t>并作为负载生成的机器上安装</a:t>
-            </a:r>
-            <a:r>
-              <a:rPr lang="en-US" altLang="zh-CN" sz="4000" dirty="0" err="1" smtClean="0">
-                <a:latin typeface="+mn-ea"/>
-              </a:rPr>
-              <a:t>jmeter</a:t>
-            </a:r>
-            <a:r>
-              <a:rPr lang="zh-CN" altLang="en-US" sz="4000" dirty="0" smtClean="0">
-                <a:latin typeface="+mn-ea"/>
-              </a:rPr>
-              <a:t>，确定一台做为</a:t>
-            </a:r>
-            <a:r>
-              <a:rPr lang="zh-CN" altLang="en-US" sz="4000" dirty="0">
-                <a:latin typeface="+mn-ea"/>
-              </a:rPr>
-              <a:t>控制</a:t>
-            </a:r>
-            <a:r>
-              <a:rPr lang="zh-CN" altLang="en-US" sz="4000" dirty="0" smtClean="0">
-                <a:latin typeface="+mn-ea"/>
-              </a:rPr>
-              <a:t>机（</a:t>
-            </a:r>
-            <a:r>
-              <a:rPr lang="en-US" altLang="zh-CN" sz="4000" dirty="0">
-                <a:latin typeface="+mn-ea"/>
-              </a:rPr>
-              <a:t> </a:t>
-            </a:r>
-            <a:r>
-              <a:rPr lang="en-US" altLang="zh-CN" sz="4000" dirty="0" smtClean="0">
-                <a:latin typeface="+mn-ea"/>
-              </a:rPr>
-              <a:t>Controller</a:t>
-            </a:r>
-            <a:r>
-              <a:rPr lang="zh-CN" altLang="en-US" sz="4000" dirty="0" smtClean="0">
-                <a:latin typeface="+mn-ea"/>
-              </a:rPr>
-              <a:t>），其他做为执行机（</a:t>
-            </a:r>
-            <a:r>
-              <a:rPr lang="en-US" altLang="zh-CN" sz="4000" dirty="0">
-                <a:latin typeface="+mn-ea"/>
-              </a:rPr>
-              <a:t> </a:t>
-            </a:r>
-            <a:r>
-              <a:rPr lang="en-US" altLang="zh-CN" sz="4000" dirty="0" smtClean="0">
-                <a:latin typeface="+mn-ea"/>
-              </a:rPr>
-              <a:t>agent</a:t>
-            </a:r>
-            <a:r>
-              <a:rPr lang="zh-CN" altLang="en-US" sz="4000" dirty="0" smtClean="0">
-                <a:latin typeface="+mn-ea"/>
-              </a:rPr>
-              <a:t>），然后运行所有</a:t>
-            </a:r>
-            <a:r>
-              <a:rPr lang="en-US" altLang="zh-CN" sz="4000" dirty="0" smtClean="0">
-                <a:latin typeface="+mn-ea"/>
-              </a:rPr>
-              <a:t>agent</a:t>
-            </a:r>
-            <a:r>
-              <a:rPr lang="zh-CN" altLang="en-US" sz="4000" dirty="0" smtClean="0">
-                <a:latin typeface="+mn-ea"/>
-              </a:rPr>
-              <a:t>机器上的</a:t>
-            </a:r>
-            <a:r>
-              <a:rPr lang="en-US" altLang="zh-CN" sz="4000" dirty="0" smtClean="0">
-                <a:solidFill>
-                  <a:srgbClr val="FF0000"/>
-                </a:solidFill>
-                <a:latin typeface="+mn-ea"/>
-              </a:rPr>
-              <a:t>jmeter-server.bat</a:t>
-            </a:r>
-            <a:r>
-              <a:rPr lang="zh-CN" altLang="en-US" sz="4000" dirty="0" smtClean="0">
-                <a:latin typeface="+mn-ea"/>
-              </a:rPr>
-              <a:t>文件</a:t>
+              <a:t>添加</a:t>
             </a:r>
             <a:endParaRPr lang="en-US" altLang="zh-CN" sz="4000" dirty="0">
               <a:latin typeface="+mn-ea"/>
@@ -4418,48 +6020,18 @@
               <a:buNone/>
             </a:pPr>
             <a:r>
+              <a:rPr lang="en-US" altLang="zh-CN" sz="4000" dirty="0" err="1" smtClean="0">
+                <a:latin typeface="+mn-ea"/>
+              </a:rPr>
+              <a:t>server_port</a:t>
+            </a:r>
+            <a:r>
               <a:rPr lang="en-US" altLang="zh-CN" sz="4000" dirty="0" smtClean="0">
                 <a:latin typeface="+mn-ea"/>
               </a:rPr>
-              <a:t>3.</a:t>
-            </a:r>
-            <a:r>
-              <a:rPr lang="zh-CN" altLang="en-US" sz="4000" dirty="0" smtClean="0">
-                <a:latin typeface="+mn-ea"/>
-              </a:rPr>
-              <a:t>在</a:t>
-            </a:r>
-            <a:r>
-              <a:rPr lang="en-US" altLang="zh-CN" sz="4000" dirty="0">
-                <a:latin typeface="+mn-ea"/>
-              </a:rPr>
-              <a:t>Controller</a:t>
-            </a:r>
-            <a:r>
-              <a:rPr lang="zh-CN" altLang="en-US" sz="4000" dirty="0" smtClean="0">
-                <a:latin typeface="+mn-ea"/>
-              </a:rPr>
-              <a:t>机器的</a:t>
-            </a:r>
-            <a:r>
-              <a:rPr lang="en-US" altLang="zh-CN" sz="4000" dirty="0" smtClean="0">
-                <a:latin typeface="+mn-ea"/>
-              </a:rPr>
-              <a:t>bin</a:t>
-            </a:r>
-            <a:r>
-              <a:rPr lang="zh-CN" altLang="en-US" sz="4000" dirty="0" smtClean="0">
-                <a:latin typeface="+mn-ea"/>
-              </a:rPr>
-              <a:t>目录下，找到</a:t>
-            </a:r>
-            <a:r>
-              <a:rPr lang="en-US" altLang="zh-CN" sz="4000" dirty="0" err="1" smtClean="0">
-                <a:latin typeface="+mn-ea"/>
-              </a:rPr>
-              <a:t>jmeter.properties</a:t>
-            </a:r>
-            <a:endParaRPr lang="en-US" altLang="zh-CN" sz="4000" dirty="0" smtClean="0">
+              <a:t>=1099</a:t>
+            </a:r>
+            <a:endParaRPr lang="en-US" altLang="zh-CN" sz="4000" dirty="0">
               <a:latin typeface="+mn-ea"/>
             </a:endParaRPr>
           </a:p>
@@ -4475,7 +6047,49 @@
             <a:pPr marL="0" indent="0">
               <a:buNone/>
             </a:pPr>
-            <a:endParaRPr lang="en-US" altLang="zh-CN" sz="4000" dirty="0">
+            <a:r>
+              <a:rPr lang="en-US" altLang="zh-CN" sz="4000" dirty="0" smtClean="0">
+                <a:latin typeface="+mn-ea"/>
+              </a:rPr>
+              <a:t>3.</a:t>
+            </a:r>
+            <a:r>
+              <a:rPr lang="zh-CN" altLang="en-US" sz="4000" dirty="0" smtClean="0">
+                <a:latin typeface="+mn-ea"/>
+              </a:rPr>
+              <a:t>在</a:t>
+            </a:r>
+            <a:r>
+              <a:rPr lang="en-US" altLang="zh-CN" sz="4000" dirty="0">
+                <a:latin typeface="+mn-ea"/>
+              </a:rPr>
+              <a:t>Controller</a:t>
+            </a:r>
+            <a:r>
+              <a:rPr lang="zh-CN" altLang="en-US" sz="4000" dirty="0" smtClean="0">
+                <a:latin typeface="+mn-ea"/>
+              </a:rPr>
+              <a:t>机器的</a:t>
+            </a:r>
+            <a:r>
+              <a:rPr lang="en-US" altLang="zh-CN" sz="4000" dirty="0" smtClean="0">
+                <a:latin typeface="+mn-ea"/>
+              </a:rPr>
+              <a:t>bin</a:t>
+            </a:r>
+            <a:r>
+              <a:rPr lang="zh-CN" altLang="en-US" sz="4000" dirty="0" smtClean="0">
+                <a:latin typeface="+mn-ea"/>
+              </a:rPr>
+              <a:t>目录下，找到</a:t>
+            </a:r>
+            <a:r>
+              <a:rPr lang="en-US" altLang="zh-CN" sz="4000" dirty="0" err="1">
+                <a:latin typeface="+mn-ea"/>
+              </a:rPr>
+              <a:t>jmeter.properties</a:t>
+            </a:r>
+            <a:endParaRPr lang="en-US" altLang="zh-CN" sz="4000" dirty="0" smtClean="0">
               <a:latin typeface="+mn-ea"/>
             </a:endParaRPr>
           </a:p>
@@ -4488,19 +6102,118 @@
             </a:endParaRPr>
           </a:p>
           <a:p>
-            <a:pPr marL="514350" indent="-514350">
-              <a:buFont typeface="+mj-lt"/>
-              <a:buAutoNum type="arabicPeriod"/>
+            <a:pPr marL="0" indent="0">
+              <a:buNone/>
+            </a:pPr>
+            <a:endParaRPr lang="en-US" altLang="zh-CN" sz="4000" dirty="0">
+              <a:latin typeface="+mn-ea"/>
+            </a:endParaRPr>
+          </a:p>
+          <a:p>
+            <a:pPr marL="0" indent="0">
+              <a:buNone/>
             </a:pPr>
             <a:endParaRPr lang="en-US" altLang="zh-CN" sz="4000" dirty="0" smtClean="0">
               <a:latin typeface="+mn-ea"/>
             </a:endParaRPr>
           </a:p>
           <a:p>
-            <a:pPr marL="514350" indent="-514350">
-              <a:buFont typeface="+mj-lt"/>
-              <a:buAutoNum type="arabicPeriod"/>
+            <a:pPr marL="0" indent="0">
+              <a:buNone/>
             </a:pPr>
+            <a:r>
+              <a:rPr lang="en-US" altLang="zh-CN" sz="4000" dirty="0" smtClean="0">
+                <a:latin typeface="+mn-ea"/>
+              </a:rPr>
+              <a:t>4.</a:t>
+            </a:r>
+            <a:r>
+              <a:rPr lang="zh-CN" altLang="en-US" sz="4000" dirty="0">
+                <a:latin typeface="+mn-ea"/>
+              </a:rPr>
+              <a:t>在所运行的</a:t>
+            </a:r>
+            <a:r>
+              <a:rPr lang="en-US" altLang="zh-CN" sz="4000" dirty="0" err="1">
+                <a:latin typeface="+mn-ea"/>
+              </a:rPr>
+              <a:t>JMeter</a:t>
+            </a:r>
+            <a:r>
+              <a:rPr lang="zh-CN" altLang="en-US" sz="4000" dirty="0">
+                <a:latin typeface="+mn-ea"/>
+              </a:rPr>
+              <a:t>并作为负载生成的机器上安装</a:t>
+            </a:r>
+            <a:r>
+              <a:rPr lang="en-US" altLang="zh-CN" sz="4000" dirty="0" err="1">
+                <a:latin typeface="+mn-ea"/>
+              </a:rPr>
+              <a:t>JMeter</a:t>
+            </a:r>
+            <a:r>
+              <a:rPr lang="zh-CN" altLang="en-US" sz="4000" dirty="0">
+                <a:latin typeface="+mn-ea"/>
+              </a:rPr>
+              <a:t>，确定一台做为控制机（</a:t>
+            </a:r>
+            <a:r>
+              <a:rPr lang="en-US" altLang="zh-CN" sz="4000" dirty="0">
+                <a:latin typeface="+mn-ea"/>
+              </a:rPr>
+              <a:t> Controller</a:t>
+            </a:r>
+            <a:r>
+              <a:rPr lang="zh-CN" altLang="en-US" sz="4000" dirty="0">
+                <a:latin typeface="+mn-ea"/>
+              </a:rPr>
+              <a:t>），其他做为执行机（</a:t>
+            </a:r>
+            <a:r>
+              <a:rPr lang="en-US" altLang="zh-CN" sz="4000" dirty="0">
+                <a:latin typeface="+mn-ea"/>
+              </a:rPr>
+              <a:t> Agent</a:t>
+            </a:r>
+            <a:r>
+              <a:rPr lang="zh-CN" altLang="en-US" sz="4000" dirty="0">
+                <a:latin typeface="+mn-ea"/>
+              </a:rPr>
+              <a:t>），然后运行所有</a:t>
+            </a:r>
+            <a:r>
+              <a:rPr lang="en-US" altLang="zh-CN" sz="4000" dirty="0">
+                <a:latin typeface="+mn-ea"/>
+              </a:rPr>
+              <a:t>Agent</a:t>
+            </a:r>
+            <a:r>
+              <a:rPr lang="zh-CN" altLang="en-US" sz="4000" dirty="0">
+                <a:latin typeface="+mn-ea"/>
+              </a:rPr>
+              <a:t>机器上</a:t>
+            </a:r>
+            <a:r>
+              <a:rPr lang="zh-CN" altLang="en-US" sz="4000" dirty="0" smtClean="0">
+                <a:latin typeface="+mn-ea"/>
+              </a:rPr>
+              <a:t>的</a:t>
+            </a:r>
+            <a:r>
+              <a:rPr lang="en-US" altLang="zh-CN" sz="4000" dirty="0" smtClean="0">
+                <a:solidFill>
+                  <a:srgbClr val="FF0000"/>
+                </a:solidFill>
+                <a:latin typeface="+mn-ea"/>
+              </a:rPr>
+              <a:t>jmeter-server.bat</a:t>
+            </a:r>
+            <a:r>
+              <a:rPr lang="zh-CN" altLang="en-US" sz="4000" dirty="0">
+                <a:latin typeface="+mn-ea"/>
+              </a:rPr>
+              <a:t>文件</a:t>
+            </a:r>
             <a:endParaRPr lang="en-US" altLang="zh-CN" sz="4000" dirty="0">
               <a:latin typeface="+mn-ea"/>
             </a:endParaRPr>
@@ -4509,84 +6222,6 @@
             <a:pPr marL="0" indent="0">
               <a:buNone/>
             </a:pPr>
-            <a:r>
-              <a:rPr lang="en-US" altLang="zh-CN" sz="4000" dirty="0" smtClean="0">
-                <a:latin typeface="+mn-ea"/>
-              </a:rPr>
-              <a:t>4.</a:t>
-            </a:r>
-            <a:r>
-              <a:rPr lang="zh-CN" altLang="en-US" sz="4000" dirty="0" smtClean="0">
-                <a:latin typeface="+mn-ea"/>
-              </a:rPr>
-              <a:t>启动</a:t>
-            </a:r>
-            <a:r>
-              <a:rPr lang="en-US" altLang="zh-CN" sz="4000" dirty="0">
-                <a:latin typeface="+mn-ea"/>
-              </a:rPr>
-              <a:t>Controller</a:t>
-            </a:r>
-            <a:r>
-              <a:rPr lang="zh-CN" altLang="en-US" sz="4000" dirty="0" smtClean="0">
-                <a:latin typeface="+mn-ea"/>
-              </a:rPr>
-              <a:t>机器上的</a:t>
-            </a:r>
-            <a:r>
-              <a:rPr lang="en-US" altLang="zh-CN" sz="4000" dirty="0" err="1" smtClean="0">
-                <a:latin typeface="+mn-ea"/>
-              </a:rPr>
-              <a:t>jmetre</a:t>
-            </a:r>
-            <a:r>
-              <a:rPr lang="zh-CN" altLang="en-US" sz="4000" dirty="0" smtClean="0">
-                <a:latin typeface="+mn-ea"/>
-              </a:rPr>
-              <a:t>应用，选择菜单“运行</a:t>
-            </a:r>
-            <a:r>
-              <a:rPr lang="en-US" altLang="zh-CN" sz="4000" dirty="0" smtClean="0">
-                <a:latin typeface="+mn-ea"/>
-              </a:rPr>
-              <a:t>/</a:t>
-            </a:r>
-            <a:r>
-              <a:rPr lang="zh-CN" altLang="en-US" sz="4000" dirty="0" smtClean="0">
-                <a:latin typeface="+mn-ea"/>
-              </a:rPr>
-              <a:t>远程启动”分别来启动</a:t>
-            </a:r>
-            <a:r>
-              <a:rPr lang="en-US" altLang="zh-CN" sz="4000" dirty="0">
-                <a:latin typeface="+mn-ea"/>
-              </a:rPr>
-              <a:t>agent</a:t>
-            </a:r>
-            <a:r>
-              <a:rPr lang="zh-CN" altLang="en-US" sz="4000" dirty="0" smtClean="0">
-                <a:latin typeface="+mn-ea"/>
-              </a:rPr>
-              <a:t>，也可以直接选择“远程全部启动”来将所有</a:t>
-            </a:r>
-            <a:r>
-              <a:rPr lang="zh-CN" altLang="en-US" sz="4000" dirty="0" smtClean="0">
-                <a:latin typeface="+mn-ea"/>
-              </a:rPr>
-              <a:t>的</a:t>
-            </a:r>
-            <a:r>
-              <a:rPr lang="en-US" altLang="zh-CN" sz="4000" dirty="0">
-                <a:latin typeface="+mn-ea"/>
-              </a:rPr>
-              <a:t>agent</a:t>
-            </a:r>
-            <a:r>
-              <a:rPr lang="zh-CN" altLang="en-US" sz="4000" dirty="0" smtClean="0">
-                <a:latin typeface="+mn-ea"/>
-              </a:rPr>
-              <a:t>启动</a:t>
-            </a:r>
             <a:endParaRPr lang="en-US" altLang="zh-CN" sz="4000" dirty="0" smtClean="0">
               <a:latin typeface="+mn-ea"/>
             </a:endParaRPr>
@@ -4596,293 +6231,92 @@
               <a:buNone/>
             </a:pPr>
             <a:r>
+              <a:rPr lang="en-US" altLang="zh-CN" sz="4000" dirty="0">
+                <a:latin typeface="+mn-ea"/>
+              </a:rPr>
+              <a:t>5</a:t>
+            </a:r>
+            <a:r>
+              <a:rPr lang="en-US" altLang="zh-CN" sz="4000" dirty="0" smtClean="0">
+                <a:latin typeface="+mn-ea"/>
+              </a:rPr>
+              <a:t>.</a:t>
+            </a:r>
+            <a:r>
               <a:rPr lang="zh-CN" altLang="en-US" sz="4000" dirty="0" smtClean="0">
                 <a:latin typeface="+mn-ea"/>
               </a:rPr>
-              <a:t>注意事项：</a:t>
+              <a:t>启动</a:t>
+            </a:r>
+            <a:r>
+              <a:rPr lang="en-US" altLang="zh-CN" sz="4000" dirty="0">
+                <a:latin typeface="+mn-ea"/>
+              </a:rPr>
+              <a:t>Controller</a:t>
+            </a:r>
+            <a:r>
+              <a:rPr lang="zh-CN" altLang="en-US" sz="4000" dirty="0" smtClean="0">
+                <a:latin typeface="+mn-ea"/>
+              </a:rPr>
+              <a:t>机器上的</a:t>
+            </a:r>
+            <a:r>
+              <a:rPr lang="en-US" altLang="zh-CN" sz="4000" dirty="0" err="1" smtClean="0">
+                <a:latin typeface="+mn-ea"/>
+              </a:rPr>
+              <a:t>JMeter</a:t>
+            </a:r>
+            <a:r>
+              <a:rPr lang="zh-CN" altLang="en-US" sz="4000" dirty="0" smtClean="0">
+                <a:latin typeface="+mn-ea"/>
+              </a:rPr>
+              <a:t>应用，选择菜单“运行</a:t>
+            </a:r>
+            <a:r>
+              <a:rPr lang="en-US" altLang="zh-CN" sz="4000" dirty="0" smtClean="0">
+                <a:latin typeface="+mn-ea"/>
+              </a:rPr>
+              <a:t>/</a:t>
+            </a:r>
+            <a:r>
+              <a:rPr lang="zh-CN" altLang="en-US" sz="4000" dirty="0" smtClean="0">
+                <a:latin typeface="+mn-ea"/>
+              </a:rPr>
+              <a:t>远程启动”分别来启动</a:t>
+            </a:r>
+            <a:r>
+              <a:rPr lang="en-US" altLang="zh-CN" sz="4000" dirty="0" smtClean="0">
+                <a:latin typeface="+mn-ea"/>
+              </a:rPr>
+              <a:t>Agent</a:t>
+            </a:r>
+            <a:r>
+              <a:rPr lang="zh-CN" altLang="en-US" sz="4000" dirty="0" smtClean="0">
+                <a:latin typeface="+mn-ea"/>
+              </a:rPr>
+              <a:t>，也可以直接选择“远程全部启动”来将所有的</a:t>
+            </a:r>
+            <a:r>
+              <a:rPr lang="en-US" altLang="zh-CN" sz="4000" dirty="0">
+                <a:latin typeface="+mn-ea"/>
+              </a:rPr>
+              <a:t>A</a:t>
+            </a:r>
+            <a:r>
+              <a:rPr lang="en-US" altLang="zh-CN" sz="4000" dirty="0" smtClean="0">
+                <a:latin typeface="+mn-ea"/>
+              </a:rPr>
+              <a:t>gent</a:t>
+            </a:r>
+            <a:r>
+              <a:rPr lang="zh-CN" altLang="en-US" sz="4000" dirty="0" smtClean="0">
+                <a:latin typeface="+mn-ea"/>
+              </a:rPr>
+              <a:t>启动</a:t>
             </a:r>
             <a:endParaRPr lang="en-US" altLang="zh-CN" sz="4000" dirty="0" smtClean="0">
               <a:latin typeface="+mn-ea"/>
             </a:endParaRPr>
-          </a:p>
-          <a:p>
-            <a:r>
-              <a:rPr lang="zh-CN" altLang="en-US" sz="4000" dirty="0" smtClean="0">
-                <a:latin typeface="+mn-ea"/>
-              </a:rPr>
-              <a:t>控制</a:t>
-            </a:r>
-            <a:r>
-              <a:rPr lang="zh-CN" altLang="en-US" sz="4000" dirty="0">
-                <a:latin typeface="+mn-ea"/>
-              </a:rPr>
-              <a:t>机本身也可以作为一</a:t>
-            </a:r>
-            <a:r>
-              <a:rPr lang="zh-CN" altLang="en-US" sz="4000" dirty="0" smtClean="0">
-                <a:latin typeface="+mn-ea"/>
-              </a:rPr>
-              <a:t>台</a:t>
-            </a:r>
-            <a:r>
-              <a:rPr lang="en-US" altLang="zh-CN" sz="4000" dirty="0">
-                <a:latin typeface="+mn-ea"/>
-              </a:rPr>
-              <a:t>agent</a:t>
-            </a:r>
-            <a:r>
-              <a:rPr lang="zh-CN" altLang="en-US" sz="4000" dirty="0" smtClean="0">
-                <a:latin typeface="+mn-ea"/>
-              </a:rPr>
-              <a:t>，</a:t>
-            </a:r>
-            <a:r>
-              <a:rPr lang="zh-CN" altLang="en-US" sz="4000" dirty="0">
-                <a:latin typeface="+mn-ea"/>
-              </a:rPr>
-              <a:t>在</a:t>
-            </a:r>
-            <a:r>
-              <a:rPr lang="en-US" altLang="zh-CN" sz="4000" dirty="0" err="1">
-                <a:latin typeface="+mn-ea"/>
-              </a:rPr>
-              <a:t>remote_hosts</a:t>
-            </a:r>
-            <a:r>
-              <a:rPr lang="zh-CN" altLang="en-US" sz="4000" dirty="0">
-                <a:latin typeface="+mn-ea"/>
-              </a:rPr>
-              <a:t>后面加上</a:t>
-            </a:r>
-            <a:r>
-              <a:rPr lang="en-US" altLang="zh-CN" sz="4000" dirty="0">
-                <a:latin typeface="+mn-ea"/>
-              </a:rPr>
-              <a:t>127.0.0.1</a:t>
-            </a:r>
-            <a:r>
-              <a:rPr lang="zh-CN" altLang="en-US" sz="4000" dirty="0">
-                <a:latin typeface="+mn-ea"/>
-              </a:rPr>
-              <a:t>即可，但控制机</a:t>
-            </a:r>
-            <a:r>
-              <a:rPr lang="en-US" altLang="zh-CN" sz="4000" dirty="0">
-                <a:latin typeface="+mn-ea"/>
-              </a:rPr>
-              <a:t>(Controller)</a:t>
-            </a:r>
-            <a:r>
-              <a:rPr lang="zh-CN" altLang="en-US" sz="4000" dirty="0">
-                <a:latin typeface="+mn-ea"/>
-              </a:rPr>
-              <a:t>和执行机 </a:t>
-            </a:r>
-            <a:r>
-              <a:rPr lang="en-US" altLang="zh-CN" sz="4000" dirty="0">
-                <a:latin typeface="+mn-ea"/>
-              </a:rPr>
-              <a:t>(agent)</a:t>
-            </a:r>
-            <a:r>
-              <a:rPr lang="zh-CN" altLang="en-US" sz="4000" dirty="0">
-                <a:latin typeface="+mn-ea"/>
-              </a:rPr>
-              <a:t>最好分开，</a:t>
-            </a:r>
-            <a:r>
-              <a:rPr lang="zh-CN" altLang="en-US" sz="4000" dirty="0" smtClean="0">
-                <a:latin typeface="+mn-ea"/>
-              </a:rPr>
-              <a:t>由于</a:t>
-            </a:r>
-            <a:r>
-              <a:rPr lang="en-US" altLang="zh-CN" sz="4000" dirty="0">
-                <a:latin typeface="+mn-ea"/>
-              </a:rPr>
-              <a:t>Controller</a:t>
-            </a:r>
-            <a:r>
-              <a:rPr lang="zh-CN" altLang="en-US" sz="4000" dirty="0" smtClean="0">
-                <a:latin typeface="+mn-ea"/>
-              </a:rPr>
-              <a:t>需要</a:t>
-            </a:r>
-            <a:r>
-              <a:rPr lang="zh-CN" altLang="en-US" sz="4000" dirty="0">
-                <a:latin typeface="+mn-ea"/>
-              </a:rPr>
-              <a:t>发送信息</a:t>
-            </a:r>
-            <a:r>
-              <a:rPr lang="zh-CN" altLang="en-US" sz="4000" dirty="0" smtClean="0">
-                <a:latin typeface="+mn-ea"/>
-              </a:rPr>
-              <a:t>给</a:t>
-            </a:r>
-            <a:r>
-              <a:rPr lang="en-US" altLang="zh-CN" sz="4000" dirty="0">
-                <a:latin typeface="+mn-ea"/>
-              </a:rPr>
-              <a:t>agent</a:t>
-            </a:r>
-            <a:r>
-              <a:rPr lang="zh-CN" altLang="en-US" sz="4000" dirty="0" smtClean="0">
-                <a:latin typeface="+mn-ea"/>
-              </a:rPr>
-              <a:t>并且</a:t>
-            </a:r>
-            <a:r>
-              <a:rPr lang="zh-CN" altLang="en-US" sz="4000" dirty="0">
-                <a:latin typeface="+mn-ea"/>
-              </a:rPr>
-              <a:t>会</a:t>
-            </a:r>
-            <a:r>
-              <a:rPr lang="zh-CN" altLang="en-US" sz="4000" dirty="0" smtClean="0">
-                <a:latin typeface="+mn-ea"/>
-              </a:rPr>
-              <a:t>接收</a:t>
-            </a:r>
-            <a:r>
-              <a:rPr lang="en-US" altLang="zh-CN" sz="4000" dirty="0">
-                <a:latin typeface="+mn-ea"/>
-              </a:rPr>
-              <a:t>agent</a:t>
-            </a:r>
-            <a:r>
-              <a:rPr lang="zh-CN" altLang="en-US" sz="4000" dirty="0" smtClean="0">
-                <a:latin typeface="+mn-ea"/>
-              </a:rPr>
-              <a:t>回传</a:t>
-            </a:r>
-            <a:r>
-              <a:rPr lang="zh-CN" altLang="en-US" sz="4000" dirty="0">
-                <a:latin typeface="+mn-ea"/>
-              </a:rPr>
-              <a:t>回来的测试数据，其自身会有较大消耗，所以建议单独用 一台机器</a:t>
-            </a:r>
-            <a:r>
-              <a:rPr lang="zh-CN" altLang="en-US" sz="4000" dirty="0" smtClean="0">
-                <a:latin typeface="+mn-ea"/>
-              </a:rPr>
-              <a:t>作为</a:t>
-            </a:r>
-            <a:r>
-              <a:rPr lang="en-US" altLang="zh-CN" sz="4000" dirty="0">
-                <a:latin typeface="+mn-ea"/>
-              </a:rPr>
-              <a:t>Controller</a:t>
-            </a:r>
-            <a:r>
-              <a:rPr lang="zh-CN" altLang="en-US" sz="4000" dirty="0" smtClean="0">
-                <a:latin typeface="+mn-ea"/>
-              </a:rPr>
-              <a:t>。</a:t>
-            </a:r>
-            <a:endParaRPr lang="zh-CN" altLang="en-US" sz="4000" dirty="0">
-              <a:latin typeface="+mn-ea"/>
-            </a:endParaRPr>
-          </a:p>
-          <a:p>
-            <a:r>
-              <a:rPr lang="zh-CN" altLang="en-US" sz="4000" dirty="0" smtClean="0">
-                <a:solidFill>
-                  <a:srgbClr val="FF0000"/>
-                </a:solidFill>
-                <a:latin typeface="+mn-ea"/>
-              </a:rPr>
-              <a:t>参数</a:t>
-            </a:r>
-            <a:r>
-              <a:rPr lang="zh-CN" altLang="en-US" sz="4000" dirty="0">
-                <a:solidFill>
-                  <a:srgbClr val="FF0000"/>
-                </a:solidFill>
-                <a:latin typeface="+mn-ea"/>
-              </a:rPr>
-              <a:t>文件：如果使用</a:t>
-            </a:r>
-            <a:r>
-              <a:rPr lang="en-US" altLang="zh-CN" sz="4000" dirty="0" err="1">
-                <a:solidFill>
-                  <a:srgbClr val="FF0000"/>
-                </a:solidFill>
-                <a:latin typeface="+mn-ea"/>
-              </a:rPr>
-              <a:t>csv</a:t>
-            </a:r>
-            <a:r>
-              <a:rPr lang="zh-CN" altLang="en-US" sz="4000" dirty="0">
-                <a:solidFill>
-                  <a:srgbClr val="FF0000"/>
-                </a:solidFill>
-                <a:latin typeface="+mn-ea"/>
-              </a:rPr>
-              <a:t>进行参数化，那么需要把参数文件在每</a:t>
-            </a:r>
-            <a:r>
-              <a:rPr lang="zh-CN" altLang="en-US" sz="4000" dirty="0" smtClean="0">
-                <a:solidFill>
-                  <a:srgbClr val="FF0000"/>
-                </a:solidFill>
-                <a:latin typeface="+mn-ea"/>
-              </a:rPr>
-              <a:t>台</a:t>
-            </a:r>
-            <a:r>
-              <a:rPr lang="en-US" altLang="zh-CN" sz="4000" dirty="0">
-                <a:solidFill>
-                  <a:srgbClr val="FF0000"/>
-                </a:solidFill>
-                <a:latin typeface="+mn-ea"/>
-              </a:rPr>
-              <a:t>agent</a:t>
-            </a:r>
-            <a:r>
-              <a:rPr lang="zh-CN" altLang="en-US" sz="4000" dirty="0" smtClean="0">
-                <a:solidFill>
-                  <a:srgbClr val="FF0000"/>
-                </a:solidFill>
-                <a:latin typeface="+mn-ea"/>
-              </a:rPr>
-              <a:t>上</a:t>
-            </a:r>
-            <a:r>
-              <a:rPr lang="zh-CN" altLang="en-US" sz="4000" dirty="0">
-                <a:solidFill>
-                  <a:srgbClr val="FF0000"/>
-                </a:solidFill>
-                <a:latin typeface="+mn-ea"/>
-              </a:rPr>
-              <a:t>拷一份且路径需要设置成一样的。</a:t>
-            </a:r>
-          </a:p>
-          <a:p>
-            <a:r>
-              <a:rPr lang="zh-CN" altLang="en-US" sz="4000" dirty="0" smtClean="0">
-                <a:latin typeface="+mn-ea"/>
-              </a:rPr>
-              <a:t>每</a:t>
-            </a:r>
-            <a:r>
-              <a:rPr lang="zh-CN" altLang="en-US" sz="4000" dirty="0">
-                <a:latin typeface="+mn-ea"/>
-              </a:rPr>
-              <a:t>台机器上安装的</a:t>
-            </a:r>
-            <a:r>
-              <a:rPr lang="en-US" altLang="zh-CN" sz="4000" dirty="0" err="1">
-                <a:latin typeface="+mn-ea"/>
-              </a:rPr>
-              <a:t>Jmeter</a:t>
-            </a:r>
-            <a:r>
-              <a:rPr lang="zh-CN" altLang="en-US" sz="4000" dirty="0">
-                <a:latin typeface="+mn-ea"/>
-              </a:rPr>
-              <a:t>版本和插件最好都一致，否则会出一些意外的问题。</a:t>
-            </a:r>
           </a:p>
           <a:p>
             <a:pPr marL="0" indent="0">
@@ -4910,12 +6344,16 @@
           <a:lstStyle/>
           <a:p>
             <a:r>
-              <a:rPr lang="en-US" altLang="zh-CN" dirty="0" err="1"/>
-              <a:t>Jmeter</a:t>
+              <a:rPr lang="en-US" altLang="zh-CN" dirty="0" err="1" smtClean="0"/>
+              <a:t>JMeter</a:t>
+            </a:r>
+            <a:r>
+              <a:rPr lang="zh-CN" altLang="en-US" dirty="0" smtClean="0"/>
+              <a:t>性能</a:t>
             </a:r>
             <a:r>
               <a:rPr lang="zh-CN" altLang="en-US" dirty="0"/>
-              <a:t>性能测试</a:t>
+              <a:t>测试</a:t>
             </a:r>
             <a:r>
               <a:rPr lang="en-US" altLang="zh-CN" dirty="0"/>
@@ -4951,7 +6389,7 @@
         </p:blipFill>
         <p:spPr bwMode="auto">
           <a:xfrm>
-            <a:off x="1351177" y="2555852"/>
+            <a:off x="755576" y="2708920"/>
             <a:ext cx="5981700" cy="876300"/>
           </a:xfrm>
           <a:prstGeom prst="rect">
@@ -5012,7 +6450,281 @@
 </p:sld>
 </file>
 
-<file path=ppt/slides/slide16.xml><?xml version="1.0" encoding="utf-8"?>
+<file path=ppt/slides/slide21.xml><?xml version="1.0" encoding="utf-8"?>
+<p:sld xmlns:a="http://schemas.openxmlformats.org/drawingml/2006/main" xmlns:r="http://schemas.openxmlformats.org/officeDocument/2006/relationships" xmlns:p="http://schemas.openxmlformats.org/presentationml/2006/main">
+  <p:cSld>
+    <p:spTree>
+      <p:nvGrpSpPr>
+        <p:cNvPr id="1" name=""/>
+        <p:cNvGrpSpPr/>
+        <p:nvPr/>
+      </p:nvGrpSpPr>
+      <p:grpSpPr>
+        <a:xfrm>
+          <a:off x="0" y="0"/>
+          <a:ext cx="0" cy="0"/>
+          <a:chOff x="0" y="0"/>
+          <a:chExt cx="0" cy="0"/>
+        </a:xfrm>
+      </p:grpSpPr>
+      <p:sp>
+        <p:nvSpPr>
+          <p:cNvPr id="2" name="内容占位符 1"/>
+          <p:cNvSpPr>
+            <a:spLocks noGrp="1"/>
+          </p:cNvSpPr>
+          <p:nvPr>
+            <p:ph idx="1"/>
+          </p:nvPr>
+        </p:nvSpPr>
+        <p:spPr/>
+        <p:txBody>
+          <a:bodyPr>
+            <a:normAutofit fontScale="85000" lnSpcReduction="20000"/>
+          </a:bodyPr>
+          <a:lstStyle/>
+          <a:p>
+            <a:pPr marL="0" indent="0">
+              <a:buNone/>
+            </a:pPr>
+            <a:r>
+              <a:rPr lang="zh-CN" altLang="en-US" dirty="0">
+                <a:latin typeface="+mn-ea"/>
+              </a:rPr>
+              <a:t>注意事项：</a:t>
+            </a:r>
+            <a:endParaRPr lang="en-US" altLang="zh-CN" dirty="0">
+              <a:latin typeface="+mn-ea"/>
+            </a:endParaRPr>
+          </a:p>
+          <a:p>
+            <a:r>
+              <a:rPr lang="zh-CN" altLang="en-US" dirty="0">
+                <a:latin typeface="+mn-ea"/>
+              </a:rPr>
+              <a:t>控制机本身也可以作为一台</a:t>
+            </a:r>
+            <a:r>
+              <a:rPr lang="en-US" altLang="zh-CN" dirty="0">
+                <a:latin typeface="+mn-ea"/>
+              </a:rPr>
+              <a:t>agent</a:t>
+            </a:r>
+            <a:r>
+              <a:rPr lang="zh-CN" altLang="en-US" dirty="0">
+                <a:latin typeface="+mn-ea"/>
+              </a:rPr>
+              <a:t>，在</a:t>
+            </a:r>
+            <a:r>
+              <a:rPr lang="en-US" altLang="zh-CN" dirty="0" err="1">
+                <a:latin typeface="+mn-ea"/>
+              </a:rPr>
+              <a:t>remote_hosts</a:t>
+            </a:r>
+            <a:r>
+              <a:rPr lang="zh-CN" altLang="en-US" dirty="0">
+                <a:latin typeface="+mn-ea"/>
+              </a:rPr>
+              <a:t>后面加上</a:t>
+            </a:r>
+            <a:r>
+              <a:rPr lang="en-US" altLang="zh-CN" dirty="0">
+                <a:latin typeface="+mn-ea"/>
+              </a:rPr>
+              <a:t>127.0.0.1</a:t>
+            </a:r>
+            <a:r>
+              <a:rPr lang="zh-CN" altLang="en-US" dirty="0">
+                <a:latin typeface="+mn-ea"/>
+              </a:rPr>
+              <a:t>即可，但控制机</a:t>
+            </a:r>
+            <a:r>
+              <a:rPr lang="en-US" altLang="zh-CN" dirty="0">
+                <a:latin typeface="+mn-ea"/>
+              </a:rPr>
+              <a:t>(Controller)</a:t>
+            </a:r>
+            <a:r>
+              <a:rPr lang="zh-CN" altLang="en-US" dirty="0">
+                <a:latin typeface="+mn-ea"/>
+              </a:rPr>
+              <a:t>和执行机 </a:t>
+            </a:r>
+            <a:r>
+              <a:rPr lang="en-US" altLang="zh-CN" dirty="0">
+                <a:latin typeface="+mn-ea"/>
+              </a:rPr>
+              <a:t>(agent)</a:t>
+            </a:r>
+            <a:r>
+              <a:rPr lang="zh-CN" altLang="en-US" dirty="0">
+                <a:latin typeface="+mn-ea"/>
+              </a:rPr>
+              <a:t>最好分开，由于</a:t>
+            </a:r>
+            <a:r>
+              <a:rPr lang="en-US" altLang="zh-CN" dirty="0">
+                <a:latin typeface="+mn-ea"/>
+              </a:rPr>
+              <a:t>Controller</a:t>
+            </a:r>
+            <a:r>
+              <a:rPr lang="zh-CN" altLang="en-US" dirty="0">
+                <a:latin typeface="+mn-ea"/>
+              </a:rPr>
+              <a:t>需要发送信息给</a:t>
+            </a:r>
+            <a:r>
+              <a:rPr lang="en-US" altLang="zh-CN" dirty="0">
+                <a:latin typeface="+mn-ea"/>
+              </a:rPr>
+              <a:t>agent</a:t>
+            </a:r>
+            <a:r>
+              <a:rPr lang="zh-CN" altLang="en-US" dirty="0">
+                <a:latin typeface="+mn-ea"/>
+              </a:rPr>
+              <a:t>并且会接收</a:t>
+            </a:r>
+            <a:r>
+              <a:rPr lang="en-US" altLang="zh-CN" dirty="0">
+                <a:latin typeface="+mn-ea"/>
+              </a:rPr>
+              <a:t>agent</a:t>
+            </a:r>
+            <a:r>
+              <a:rPr lang="zh-CN" altLang="en-US" dirty="0">
+                <a:latin typeface="+mn-ea"/>
+              </a:rPr>
+              <a:t>回传回来的测试数据，其自身会有较大消耗，所以建议单独用 一台机器作为</a:t>
+            </a:r>
+            <a:r>
+              <a:rPr lang="en-US" altLang="zh-CN" dirty="0">
+                <a:latin typeface="+mn-ea"/>
+              </a:rPr>
+              <a:t>Controller</a:t>
+            </a:r>
+            <a:r>
+              <a:rPr lang="zh-CN" altLang="en-US" dirty="0">
+                <a:latin typeface="+mn-ea"/>
+              </a:rPr>
+              <a:t>。</a:t>
+            </a:r>
+          </a:p>
+          <a:p>
+            <a:r>
+              <a:rPr lang="zh-CN" altLang="en-US" dirty="0">
+                <a:solidFill>
+                  <a:srgbClr val="FF0000"/>
+                </a:solidFill>
+                <a:latin typeface="+mn-ea"/>
+              </a:rPr>
+              <a:t>参数文件：如果使用</a:t>
+            </a:r>
+            <a:r>
+              <a:rPr lang="en-US" altLang="zh-CN" dirty="0" err="1">
+                <a:solidFill>
+                  <a:srgbClr val="FF0000"/>
+                </a:solidFill>
+                <a:latin typeface="+mn-ea"/>
+              </a:rPr>
+              <a:t>csv</a:t>
+            </a:r>
+            <a:r>
+              <a:rPr lang="zh-CN" altLang="en-US" dirty="0">
+                <a:solidFill>
+                  <a:srgbClr val="FF0000"/>
+                </a:solidFill>
+                <a:latin typeface="+mn-ea"/>
+              </a:rPr>
+              <a:t>进行参数化，那么需要把参数文件在每台</a:t>
+            </a:r>
+            <a:r>
+              <a:rPr lang="en-US" altLang="zh-CN" dirty="0">
+                <a:solidFill>
+                  <a:srgbClr val="FF0000"/>
+                </a:solidFill>
+                <a:latin typeface="+mn-ea"/>
+              </a:rPr>
+              <a:t>agent</a:t>
+            </a:r>
+            <a:r>
+              <a:rPr lang="zh-CN" altLang="en-US" dirty="0">
+                <a:solidFill>
+                  <a:srgbClr val="FF0000"/>
+                </a:solidFill>
+                <a:latin typeface="+mn-ea"/>
+              </a:rPr>
+              <a:t>上拷一份且路径需要设置成一样的。</a:t>
+            </a:r>
+          </a:p>
+          <a:p>
+            <a:r>
+              <a:rPr lang="zh-CN" altLang="en-US" dirty="0">
+                <a:latin typeface="+mn-ea"/>
+              </a:rPr>
+              <a:t>每台机器上安装的</a:t>
+            </a:r>
+            <a:r>
+              <a:rPr lang="en-US" altLang="zh-CN" dirty="0" err="1">
+                <a:latin typeface="+mn-ea"/>
+              </a:rPr>
+              <a:t>JMeter</a:t>
+            </a:r>
+            <a:r>
+              <a:rPr lang="zh-CN" altLang="en-US" dirty="0">
+                <a:latin typeface="+mn-ea"/>
+              </a:rPr>
+              <a:t>版本和插件最好都一致，否则会出一些意外的问题。</a:t>
+            </a:r>
+          </a:p>
+          <a:p>
+            <a:endParaRPr lang="zh-CN" altLang="en-US" dirty="0"/>
+          </a:p>
+        </p:txBody>
+      </p:sp>
+      <p:sp>
+        <p:nvSpPr>
+          <p:cNvPr id="3" name="标题 2"/>
+          <p:cNvSpPr>
+            <a:spLocks noGrp="1"/>
+          </p:cNvSpPr>
+          <p:nvPr>
+            <p:ph type="title"/>
+          </p:nvPr>
+        </p:nvSpPr>
+        <p:spPr/>
+        <p:txBody>
+          <a:bodyPr/>
+          <a:lstStyle/>
+          <a:p>
+            <a:endParaRPr lang="zh-CN" altLang="en-US"/>
+          </a:p>
+        </p:txBody>
+      </p:sp>
+    </p:spTree>
+    <p:extLst>
+      <p:ext uri="{BB962C8B-B14F-4D97-AF65-F5344CB8AC3E}">
+        <p14:creationId xmlns:p14="http://schemas.microsoft.com/office/powerpoint/2010/main" val="4008442138"/>
+      </p:ext>
+    </p:extLst>
+  </p:cSld>
+  <p:clrMapOvr>
+    <a:masterClrMapping/>
+  </p:clrMapOvr>
+  <p:timing>
+    <p:tnLst>
+      <p:par>
+        <p:cTn id="1" dur="indefinite" restart="never" nodeType="tmRoot"/>
+      </p:par>
+    </p:tnLst>
+  </p:timing>
+</p:sld>
+</file>
+
+<file path=ppt/slides/slide22.xml><?xml version="1.0" encoding="utf-8"?>
 <p:sld xmlns:a="http://schemas.openxmlformats.org/drawingml/2006/main" xmlns:r="http://schemas.openxmlformats.org/officeDocument/2006/relationships" xmlns:p="http://schemas.openxmlformats.org/presentationml/2006/main">
   <p:cSld>
     <p:spTree>
@@ -5044,6 +6756,145 @@
           <a:bodyPr/>
           <a:lstStyle/>
           <a:p>
+            <a:endParaRPr lang="zh-CN" altLang="en-US"/>
+          </a:p>
+        </p:txBody>
+      </p:sp>
+      <p:sp>
+        <p:nvSpPr>
+          <p:cNvPr id="3" name="标题 2"/>
+          <p:cNvSpPr>
+            <a:spLocks noGrp="1"/>
+          </p:cNvSpPr>
+          <p:nvPr>
+            <p:ph type="title"/>
+          </p:nvPr>
+        </p:nvSpPr>
+        <p:spPr/>
+        <p:txBody>
+          <a:bodyPr/>
+          <a:lstStyle/>
+          <a:p>
+            <a:endParaRPr lang="zh-CN" altLang="en-US"/>
+          </a:p>
+        </p:txBody>
+      </p:sp>
+      <p:pic>
+        <p:nvPicPr>
+          <p:cNvPr id="2050" name="Picture 2"/>
+          <p:cNvPicPr>
+            <a:picLocks noChangeAspect="1" noChangeArrowheads="1"/>
+          </p:cNvPicPr>
+          <p:nvPr/>
+        </p:nvPicPr>
+        <p:blipFill>
+          <a:blip r:embed="rId3">
+            <a:extLst>
+              <a:ext uri="{28A0092B-C50C-407E-A947-70E740481C1C}">
+                <a14:useLocalDpi xmlns:a14="http://schemas.microsoft.com/office/drawing/2010/main" val="0"/>
+              </a:ext>
+            </a:extLst>
+          </a:blip>
+          <a:srcRect/>
+          <a:stretch>
+            <a:fillRect/>
+          </a:stretch>
+        </p:blipFill>
+        <p:spPr bwMode="auto">
+          <a:xfrm>
+            <a:off x="523875" y="1195388"/>
+            <a:ext cx="8094663" cy="4467225"/>
+          </a:xfrm>
+          <a:prstGeom prst="rect">
+            <a:avLst/>
+          </a:prstGeom>
+          <a:noFill/>
+          <a:ln>
+            <a:noFill/>
+          </a:ln>
+          <a:effectLst/>
+          <a:extLst>
+            <a:ext uri="{909E8E84-426E-40DD-AFC4-6F175D3DCCD1}">
+              <a14:hiddenFill xmlns:a14="http://schemas.microsoft.com/office/drawing/2010/main">
+                <a:solidFill>
+                  <a:schemeClr val="accent1"/>
+                </a:solidFill>
+              </a14:hiddenFill>
+            </a:ext>
+            <a:ext uri="{91240B29-F687-4F45-9708-019B960494DF}">
+              <a14:hiddenLine xmlns:a14="http://schemas.microsoft.com/office/drawing/2010/main" w="9525">
+                <a:solidFill>
+                  <a:schemeClr val="tx1"/>
+                </a:solidFill>
+                <a:miter lim="800000"/>
+                <a:headEnd/>
+                <a:tailEnd/>
+              </a14:hiddenLine>
+            </a:ext>
+            <a:ext uri="{AF507438-7753-43E0-B8FC-AC1667EBCBE1}">
+              <a14:hiddenEffects xmlns:a14="http://schemas.microsoft.com/office/drawing/2010/main">
+                <a:effectLst>
+                  <a:outerShdw dist="35921" dir="2700000" algn="ctr" rotWithShape="0">
+                    <a:schemeClr val="bg2"/>
+                  </a:outerShdw>
+                </a:effectLst>
+              </a14:hiddenEffects>
+            </a:ext>
+          </a:extLst>
+        </p:spPr>
+      </p:pic>
+    </p:spTree>
+    <p:extLst>
+      <p:ext uri="{BB962C8B-B14F-4D97-AF65-F5344CB8AC3E}">
+        <p14:creationId xmlns:p14="http://schemas.microsoft.com/office/powerpoint/2010/main" val="2098715436"/>
+      </p:ext>
+    </p:extLst>
+  </p:cSld>
+  <p:clrMapOvr>
+    <a:masterClrMapping/>
+  </p:clrMapOvr>
+</p:sld>
+</file>
+
+<file path=ppt/slides/slide23.xml><?xml version="1.0" encoding="utf-8"?>
+<p:sld xmlns:a="http://schemas.openxmlformats.org/drawingml/2006/main" xmlns:r="http://schemas.openxmlformats.org/officeDocument/2006/relationships" xmlns:p="http://schemas.openxmlformats.org/presentationml/2006/main">
+  <p:cSld>
+    <p:spTree>
+      <p:nvGrpSpPr>
+        <p:cNvPr id="1" name=""/>
+        <p:cNvGrpSpPr/>
+        <p:nvPr/>
+      </p:nvGrpSpPr>
+      <p:grpSpPr>
+        <a:xfrm>
+          <a:off x="0" y="0"/>
+          <a:ext cx="0" cy="0"/>
+          <a:chOff x="0" y="0"/>
+          <a:chExt cx="0" cy="0"/>
+        </a:xfrm>
+      </p:grpSpPr>
+      <p:sp>
+        <p:nvSpPr>
+          <p:cNvPr id="2" name="内容占位符 1"/>
+          <p:cNvSpPr>
+            <a:spLocks noGrp="1"/>
+          </p:cNvSpPr>
+          <p:nvPr>
+            <p:ph idx="1"/>
+          </p:nvPr>
+        </p:nvSpPr>
+        <p:spPr>
+          <a:xfrm>
+            <a:off x="539552" y="1268760"/>
+            <a:ext cx="8229600" cy="4525963"/>
+          </a:xfrm>
+        </p:spPr>
+        <p:txBody>
+          <a:bodyPr>
+            <a:normAutofit lnSpcReduction="10000"/>
+          </a:bodyPr>
+          <a:lstStyle/>
+          <a:p>
             <a:r>
               <a:rPr lang="zh-CN" altLang="en-US" dirty="0" smtClean="0"/>
               <a:t>存储在用户客户端的数据</a:t>
@@ -5099,6 +6950,78 @@
               <a:rPr lang="zh-CN" altLang="en-US" dirty="0" smtClean="0"/>
               <a:t>服务器。</a:t>
             </a:r>
+            <a:endParaRPr lang="en-US" altLang="zh-CN" dirty="0" smtClean="0"/>
+          </a:p>
+          <a:p>
+            <a:pPr marL="0" indent="0">
+              <a:buNone/>
+            </a:pPr>
+            <a:r>
+              <a:rPr lang="en-US" altLang="zh-CN" dirty="0" smtClean="0"/>
+              <a:t>1.jmeter.properties</a:t>
+            </a:r>
+            <a:r>
+              <a:rPr lang="zh-CN" altLang="en-US" dirty="0" smtClean="0"/>
+              <a:t>修改为</a:t>
+            </a:r>
+            <a:r>
+              <a:rPr lang="en-US" altLang="zh-CN" dirty="0" smtClean="0"/>
+              <a:t>true</a:t>
+            </a:r>
+          </a:p>
+          <a:p>
+            <a:r>
+              <a:rPr lang="en-US" altLang="zh-CN" dirty="0" err="1" smtClean="0"/>
+              <a:t>CookieManager.save.cookies</a:t>
+            </a:r>
+            <a:r>
+              <a:rPr lang="en-US" altLang="zh-CN" dirty="0" smtClean="0"/>
+              <a:t>=true</a:t>
+            </a:r>
+            <a:r>
+              <a:rPr lang="zh-CN" altLang="en-US" dirty="0" smtClean="0"/>
+              <a:t>重启</a:t>
+            </a:r>
+            <a:r>
+              <a:rPr lang="en-US" altLang="zh-CN" dirty="0" err="1" smtClean="0"/>
+              <a:t>JMeter</a:t>
+            </a:r>
+            <a:endParaRPr lang="en-US" altLang="zh-CN" dirty="0" smtClean="0"/>
+          </a:p>
+          <a:p>
+            <a:pPr marL="0" indent="0">
+              <a:buNone/>
+            </a:pPr>
+            <a:r>
+              <a:rPr lang="en-US" altLang="zh-CN" dirty="0"/>
+              <a:t>2</a:t>
+            </a:r>
+            <a:r>
+              <a:rPr lang="en-US" altLang="zh-CN" dirty="0" smtClean="0"/>
+              <a:t>.</a:t>
+            </a:r>
+            <a:r>
+              <a:rPr lang="zh-CN" altLang="en-US" dirty="0" smtClean="0"/>
+              <a:t>添加 配置元件</a:t>
+            </a:r>
+            <a:r>
+              <a:rPr lang="en-US" altLang="zh-CN" dirty="0" smtClean="0"/>
+              <a:t>/HTTP </a:t>
+            </a:r>
+            <a:r>
+              <a:rPr lang="en-US" altLang="zh-CN" dirty="0"/>
+              <a:t>Cookie </a:t>
+            </a:r>
+            <a:r>
+              <a:rPr lang="zh-CN" altLang="en-US" dirty="0" smtClean="0"/>
+              <a:t>管理器</a:t>
+            </a:r>
+            <a:endParaRPr lang="en-US" altLang="zh-CN" dirty="0" smtClean="0"/>
+          </a:p>
+          <a:p>
+            <a:pPr marL="0" indent="0">
+              <a:buNone/>
+            </a:pPr>
             <a:endParaRPr lang="zh-CN" altLang="en-US" dirty="0"/>
           </a:p>
         </p:txBody>
@@ -5156,7 +7079,401 @@
 </p:sld>
 </file>
 
-<file path=ppt/slides/slide2.xml><?xml version="1.0" encoding="utf-8"?>
+<file path=ppt/slides/slide3.xml><?xml version="1.0" encoding="utf-8"?>
+<p:sld xmlns:a="http://schemas.openxmlformats.org/drawingml/2006/main" xmlns:r="http://schemas.openxmlformats.org/officeDocument/2006/relationships" xmlns:p="http://schemas.openxmlformats.org/presentationml/2006/main">
+  <p:cSld>
+    <p:spTree>
+      <p:nvGrpSpPr>
+        <p:cNvPr id="1" name=""/>
+        <p:cNvGrpSpPr/>
+        <p:nvPr/>
+      </p:nvGrpSpPr>
+      <p:grpSpPr>
+        <a:xfrm>
+          <a:off x="0" y="0"/>
+          <a:ext cx="0" cy="0"/>
+          <a:chOff x="0" y="0"/>
+          <a:chExt cx="0" cy="0"/>
+        </a:xfrm>
+      </p:grpSpPr>
+      <p:sp>
+        <p:nvSpPr>
+          <p:cNvPr id="2" name="内容占位符 1"/>
+          <p:cNvSpPr>
+            <a:spLocks noGrp="1"/>
+          </p:cNvSpPr>
+          <p:nvPr>
+            <p:ph idx="1"/>
+          </p:nvPr>
+        </p:nvSpPr>
+        <p:spPr>
+          <a:xfrm>
+            <a:off x="179512" y="1124744"/>
+            <a:ext cx="10009112" cy="4525963"/>
+          </a:xfrm>
+        </p:spPr>
+        <p:txBody>
+          <a:bodyPr>
+            <a:normAutofit/>
+          </a:bodyPr>
+          <a:lstStyle/>
+          <a:p>
+            <a:pPr marL="0" indent="0">
+              <a:buNone/>
+            </a:pPr>
+            <a:r>
+              <a:rPr lang="en-US" altLang="zh-CN" dirty="0" smtClean="0"/>
+              <a:t>1.Map</a:t>
+            </a:r>
+            <a:r>
+              <a:rPr lang="zh-CN" altLang="en-US" dirty="0" smtClean="0"/>
+              <a:t>格式参数用</a:t>
+            </a:r>
+            <a:r>
+              <a:rPr lang="en-US" altLang="zh-CN" dirty="0" smtClean="0"/>
+              <a:t>Parameters</a:t>
+            </a:r>
+            <a:r>
+              <a:rPr lang="zh-CN" altLang="en-US" dirty="0" smtClean="0"/>
+              <a:t>设置</a:t>
+            </a:r>
+            <a:endParaRPr lang="en-US" altLang="zh-CN" dirty="0" smtClean="0"/>
+          </a:p>
+          <a:p>
+            <a:pPr marL="0" indent="0">
+              <a:buNone/>
+            </a:pPr>
+            <a:r>
+              <a:rPr lang="en-US" altLang="zh-CN" dirty="0" smtClean="0"/>
+              <a:t>2.JSON</a:t>
+            </a:r>
+            <a:r>
+              <a:rPr lang="zh-CN" altLang="en-US" dirty="0" smtClean="0"/>
+              <a:t>格式参数</a:t>
+            </a:r>
+            <a:endParaRPr lang="en-US" altLang="zh-CN" dirty="0" smtClean="0"/>
+          </a:p>
+          <a:p>
+            <a:pPr marL="0" indent="0">
+              <a:buNone/>
+            </a:pPr>
+            <a:r>
+              <a:rPr lang="zh-CN" altLang="en-US" dirty="0" smtClean="0"/>
+              <a:t>一、</a:t>
+            </a:r>
+            <a:r>
+              <a:rPr lang="zh-CN" altLang="en-US" dirty="0" smtClean="0"/>
+              <a:t>增加</a:t>
+            </a:r>
+            <a:r>
+              <a:rPr lang="en-US" altLang="zh-CN" dirty="0" smtClean="0"/>
+              <a:t>【</a:t>
+            </a:r>
+            <a:r>
+              <a:rPr lang="zh-CN" altLang="en-US" dirty="0"/>
+              <a:t>配置元件</a:t>
+            </a:r>
+            <a:r>
+              <a:rPr lang="en-US" altLang="zh-CN" dirty="0"/>
+              <a:t>】/【HTTP</a:t>
+            </a:r>
+            <a:r>
+              <a:rPr lang="zh-CN" altLang="en-US" dirty="0"/>
+              <a:t>信息头</a:t>
+            </a:r>
+            <a:r>
+              <a:rPr lang="zh-CN" altLang="en-US" dirty="0" smtClean="0"/>
+              <a:t>管理器</a:t>
+            </a:r>
+            <a:r>
+              <a:rPr lang="en-US" altLang="zh-CN" dirty="0" smtClean="0"/>
+              <a:t>】</a:t>
+            </a:r>
+          </a:p>
+          <a:p>
+            <a:pPr marL="0" indent="0">
+              <a:buNone/>
+            </a:pPr>
+            <a:endParaRPr lang="en-US" altLang="zh-CN" dirty="0"/>
+          </a:p>
+          <a:p>
+            <a:pPr marL="0" indent="0">
+              <a:buNone/>
+            </a:pPr>
+            <a:r>
+              <a:rPr lang="zh-CN" altLang="en-US" dirty="0" smtClean="0"/>
+              <a:t>二、在</a:t>
+            </a:r>
+            <a:r>
+              <a:rPr lang="en-US" altLang="zh-CN" dirty="0" smtClean="0"/>
+              <a:t>Body Data</a:t>
+            </a:r>
+            <a:r>
+              <a:rPr lang="zh-CN" altLang="en-US" dirty="0" smtClean="0"/>
+              <a:t>设置参数</a:t>
+            </a:r>
+            <a:endParaRPr lang="en-US" altLang="zh-CN" dirty="0" smtClean="0"/>
+          </a:p>
+          <a:p>
+            <a:pPr marL="0" indent="0">
+              <a:buNone/>
+            </a:pPr>
+            <a:r>
+              <a:rPr lang="en-US" altLang="zh-CN" sz="2000" dirty="0"/>
+              <a:t>{"phoneArea":"86","phoneNumber":"20000000000","password":"netease123</a:t>
+            </a:r>
+            <a:r>
+              <a:rPr lang="en-US" altLang="zh-CN" sz="2000" dirty="0" smtClean="0"/>
+              <a:t>"}</a:t>
+            </a:r>
+          </a:p>
+          <a:p>
+            <a:pPr marL="0" indent="0">
+              <a:buNone/>
+            </a:pPr>
+            <a:r>
+              <a:rPr lang="zh-CN" altLang="en-US" dirty="0" smtClean="0"/>
+              <a:t>三、</a:t>
+            </a:r>
+            <a:r>
+              <a:rPr lang="en-US" altLang="zh-CN" dirty="0" err="1" smtClean="0"/>
+              <a:t>Webservices</a:t>
+            </a:r>
+            <a:r>
+              <a:rPr lang="zh-CN" altLang="en-US" dirty="0" smtClean="0"/>
+              <a:t>接口</a:t>
+            </a:r>
+            <a:endParaRPr lang="en-US" altLang="zh-CN" dirty="0" smtClean="0"/>
+          </a:p>
+          <a:p>
+            <a:pPr marL="0" indent="0">
+              <a:buNone/>
+            </a:pPr>
+            <a:endParaRPr lang="en-US" altLang="zh-CN" dirty="0" smtClean="0"/>
+          </a:p>
+        </p:txBody>
+      </p:sp>
+      <p:sp>
+        <p:nvSpPr>
+          <p:cNvPr id="3" name="标题 2"/>
+          <p:cNvSpPr>
+            <a:spLocks noGrp="1"/>
+          </p:cNvSpPr>
+          <p:nvPr>
+            <p:ph type="title"/>
+          </p:nvPr>
+        </p:nvSpPr>
+        <p:spPr/>
+        <p:txBody>
+          <a:bodyPr/>
+          <a:lstStyle/>
+          <a:p>
+            <a:r>
+              <a:rPr lang="en-US" altLang="zh-CN" dirty="0" smtClean="0"/>
+              <a:t>Post</a:t>
+            </a:r>
+            <a:r>
+              <a:rPr lang="zh-CN" altLang="en-US" dirty="0" smtClean="0"/>
+              <a:t>参数设置</a:t>
+            </a:r>
+            <a:endParaRPr lang="zh-CN" altLang="en-US" dirty="0"/>
+          </a:p>
+        </p:txBody>
+      </p:sp>
+      <p:graphicFrame>
+        <p:nvGraphicFramePr>
+          <p:cNvPr id="4" name="表格 3"/>
+          <p:cNvGraphicFramePr>
+            <a:graphicFrameLocks noGrp="1"/>
+          </p:cNvGraphicFramePr>
+          <p:nvPr>
+            <p:extLst>
+              <p:ext uri="{D42A27DB-BD31-4B8C-83A1-F6EECF244321}">
+                <p14:modId xmlns:p14="http://schemas.microsoft.com/office/powerpoint/2010/main" val="2072034402"/>
+              </p:ext>
+            </p:extLst>
+          </p:nvPr>
+        </p:nvGraphicFramePr>
+        <p:xfrm>
+          <a:off x="683568" y="2852936"/>
+          <a:ext cx="8229600" cy="274320"/>
+        </p:xfrm>
+        <a:graphic>
+          <a:graphicData uri="http://schemas.openxmlformats.org/drawingml/2006/table">
+            <a:tbl>
+              <a:tblPr/>
+              <a:tblGrid>
+                <a:gridCol w="4114800"/>
+                <a:gridCol w="4114800"/>
+              </a:tblGrid>
+              <a:tr h="0">
+                <a:tc>
+                  <a:txBody>
+                    <a:bodyPr/>
+                    <a:lstStyle/>
+                    <a:p>
+                      <a:r>
+                        <a:rPr lang="en-US" dirty="0"/>
+                        <a:t>Content-Type</a:t>
+                      </a:r>
+                    </a:p>
+                  </a:txBody>
+                  <a:tcPr marL="0" marR="0" marT="0" marB="0" anchor="ctr">
+                    <a:lnL>
+                      <a:noFill/>
+                    </a:lnL>
+                    <a:lnR>
+                      <a:noFill/>
+                    </a:lnR>
+                    <a:lnT>
+                      <a:noFill/>
+                    </a:lnT>
+                    <a:lnB>
+                      <a:noFill/>
+                    </a:lnB>
+                  </a:tcPr>
+                </a:tc>
+                <a:tc>
+                  <a:txBody>
+                    <a:bodyPr/>
+                    <a:lstStyle/>
+                    <a:p>
+                      <a:r>
+                        <a:rPr lang="en-US" dirty="0"/>
+                        <a:t>application/</a:t>
+                      </a:r>
+                      <a:r>
+                        <a:rPr lang="en-US" dirty="0" err="1"/>
+                        <a:t>json</a:t>
+                      </a:r>
+                      <a:endParaRPr lang="en-US" dirty="0"/>
+                    </a:p>
+                  </a:txBody>
+                  <a:tcPr marL="0" marR="0" marT="0" marB="0" anchor="ctr">
+                    <a:lnL>
+                      <a:noFill/>
+                    </a:lnL>
+                    <a:lnR>
+                      <a:noFill/>
+                    </a:lnR>
+                    <a:lnT>
+                      <a:noFill/>
+                    </a:lnT>
+                    <a:lnB>
+                      <a:noFill/>
+                    </a:lnB>
+                  </a:tcPr>
+                </a:tc>
+              </a:tr>
+            </a:tbl>
+          </a:graphicData>
+        </a:graphic>
+      </p:graphicFrame>
+      <p:graphicFrame>
+        <p:nvGraphicFramePr>
+          <p:cNvPr id="6" name="表格 5"/>
+          <p:cNvGraphicFramePr>
+            <a:graphicFrameLocks noGrp="1"/>
+          </p:cNvGraphicFramePr>
+          <p:nvPr>
+            <p:extLst>
+              <p:ext uri="{D42A27DB-BD31-4B8C-83A1-F6EECF244321}">
+                <p14:modId xmlns:p14="http://schemas.microsoft.com/office/powerpoint/2010/main" val="847732895"/>
+              </p:ext>
+            </p:extLst>
+          </p:nvPr>
+        </p:nvGraphicFramePr>
+        <p:xfrm>
+          <a:off x="755576" y="5445224"/>
+          <a:ext cx="8229600" cy="274320"/>
+        </p:xfrm>
+        <a:graphic>
+          <a:graphicData uri="http://schemas.openxmlformats.org/drawingml/2006/table">
+            <a:tbl>
+              <a:tblPr/>
+              <a:tblGrid>
+                <a:gridCol w="4114800"/>
+                <a:gridCol w="4114800"/>
+              </a:tblGrid>
+              <a:tr h="0">
+                <a:tc>
+                  <a:txBody>
+                    <a:bodyPr/>
+                    <a:lstStyle/>
+                    <a:p>
+                      <a:r>
+                        <a:rPr lang="en-US" dirty="0"/>
+                        <a:t>Content-Type</a:t>
+                      </a:r>
+                    </a:p>
+                  </a:txBody>
+                  <a:tcPr marL="0" marR="0" marT="0" marB="0" anchor="ctr">
+                    <a:lnL>
+                      <a:noFill/>
+                    </a:lnL>
+                    <a:lnR>
+                      <a:noFill/>
+                    </a:lnR>
+                    <a:lnT>
+                      <a:noFill/>
+                    </a:lnT>
+                    <a:lnB>
+                      <a:noFill/>
+                    </a:lnB>
+                  </a:tcPr>
+                </a:tc>
+                <a:tc>
+                  <a:txBody>
+                    <a:bodyPr/>
+                    <a:lstStyle/>
+                    <a:p>
+                      <a:r>
+                        <a:rPr lang="en-US" dirty="0"/>
+                        <a:t>text/xml</a:t>
+                      </a:r>
+                    </a:p>
+                  </a:txBody>
+                  <a:tcPr marL="0" marR="0" marT="0" marB="0" anchor="ctr">
+                    <a:lnL>
+                      <a:noFill/>
+                    </a:lnL>
+                    <a:lnR>
+                      <a:noFill/>
+                    </a:lnR>
+                    <a:lnT>
+                      <a:noFill/>
+                    </a:lnT>
+                    <a:lnB>
+                      <a:noFill/>
+                    </a:lnB>
+                  </a:tcPr>
+                </a:tc>
+              </a:tr>
+            </a:tbl>
+          </a:graphicData>
+        </a:graphic>
+      </p:graphicFrame>
+    </p:spTree>
+    <p:extLst>
+      <p:ext uri="{BB962C8B-B14F-4D97-AF65-F5344CB8AC3E}">
+        <p14:creationId xmlns:p14="http://schemas.microsoft.com/office/powerpoint/2010/main" val="677313519"/>
+      </p:ext>
+    </p:extLst>
+  </p:cSld>
+  <p:clrMapOvr>
+    <a:masterClrMapping/>
+  </p:clrMapOvr>
+  <p:timing>
+    <p:tnLst>
+      <p:par>
+        <p:cTn id="1" dur="indefinite" restart="never" nodeType="tmRoot"/>
+      </p:par>
+    </p:tnLst>
+  </p:timing>
+</p:sld>
+</file>
+
+<file path=ppt/slides/slide4.xml><?xml version="1.0" encoding="utf-8"?>
 <p:sld xmlns:a="http://schemas.openxmlformats.org/drawingml/2006/main" xmlns:r="http://schemas.openxmlformats.org/officeDocument/2006/relationships" xmlns:p="http://schemas.openxmlformats.org/presentationml/2006/main">
   <p:cSld>
     <p:spTree>
@@ -5186,7 +7503,7 @@
         <p:spPr/>
         <p:txBody>
           <a:bodyPr>
-            <a:normAutofit/>
+            <a:normAutofit lnSpcReduction="10000"/>
           </a:bodyPr>
           <a:lstStyle/>
           <a:p>
@@ -5194,13 +7511,36 @@
               <a:rPr lang="en-US" altLang="zh-CN" dirty="0" err="1" smtClean="0">
                 <a:latin typeface="+mn-ea"/>
               </a:rPr>
-              <a:t>Jmeter</a:t>
+              <a:t>JMeter</a:t>
             </a:r>
             <a:r>
               <a:rPr lang="zh-CN" altLang="en-US" dirty="0">
                 <a:latin typeface="+mn-ea"/>
               </a:rPr>
-              <a:t>元件的作用域与</a:t>
+              <a:t>常用组件</a:t>
+            </a:r>
+            <a:endParaRPr lang="en-US" altLang="zh-CN" dirty="0">
+              <a:latin typeface="+mn-ea"/>
+            </a:endParaRPr>
+          </a:p>
+          <a:p>
+            <a:r>
+              <a:rPr lang="en-US" altLang="zh-CN" dirty="0" err="1" smtClean="0">
+                <a:latin typeface="+mn-ea"/>
+              </a:rPr>
+              <a:t>JMeter</a:t>
+            </a:r>
+            <a:r>
+              <a:rPr lang="zh-CN" altLang="en-US" dirty="0" smtClean="0">
+                <a:latin typeface="+mn-ea"/>
+              </a:rPr>
+              <a:t>元件</a:t>
+            </a:r>
+            <a:r>
+              <a:rPr lang="zh-CN" altLang="en-US" dirty="0">
+                <a:latin typeface="+mn-ea"/>
+              </a:rPr>
+              <a:t>的作用域与</a:t>
             </a:r>
             <a:r>
               <a:rPr lang="zh-CN" altLang="en-US" dirty="0" smtClean="0">
@@ -5214,16 +7554,22 @@
           </a:p>
           <a:p>
             <a:r>
-              <a:rPr lang="en-US" altLang="zh-CN" dirty="0" err="1">
-                <a:latin typeface="+mn-ea"/>
-              </a:rPr>
-              <a:t>Jmeter</a:t>
+              <a:rPr lang="en-US" altLang="zh-CN" dirty="0" err="1" smtClean="0">
+                <a:latin typeface="+mn-ea"/>
+              </a:rPr>
+              <a:t>JMeter</a:t>
+            </a:r>
+            <a:r>
+              <a:rPr lang="zh-CN" altLang="en-US" dirty="0" smtClean="0">
+                <a:latin typeface="+mn-ea"/>
+              </a:rPr>
+              <a:t>之</a:t>
             </a:r>
             <a:r>
               <a:rPr lang="zh-CN" altLang="en-US" dirty="0">
                 <a:latin typeface="+mn-ea"/>
               </a:rPr>
-              <a:t>之参数</a:t>
+              <a:t>参数</a:t>
             </a:r>
             <a:r>
               <a:rPr lang="zh-CN" altLang="en-US" dirty="0" smtClean="0">
@@ -5237,10 +7583,10 @@
           </a:p>
           <a:p>
             <a:r>
-              <a:rPr lang="en-US" altLang="zh-CN" dirty="0" err="1">
-                <a:latin typeface="+mn-ea"/>
-              </a:rPr>
-              <a:t>Jmeter</a:t>
+              <a:rPr lang="en-US" altLang="zh-CN" dirty="0" err="1" smtClean="0">
+                <a:latin typeface="+mn-ea"/>
+              </a:rPr>
+              <a:t>JMeter</a:t>
             </a:r>
             <a:r>
               <a:rPr lang="zh-CN" altLang="en-US" dirty="0" smtClean="0">
@@ -5266,10 +7612,10 @@
           </a:p>
           <a:p>
             <a:r>
-              <a:rPr lang="en-US" altLang="zh-CN" dirty="0" err="1">
-                <a:latin typeface="+mn-ea"/>
-              </a:rPr>
-              <a:t>Jmeter</a:t>
+              <a:rPr lang="en-US" altLang="zh-CN" dirty="0" err="1" smtClean="0">
+                <a:latin typeface="+mn-ea"/>
+              </a:rPr>
+              <a:t>JMeter</a:t>
             </a:r>
             <a:r>
               <a:rPr lang="zh-CN" altLang="en-US" dirty="0" smtClean="0">
@@ -5283,16 +7629,46 @@
           </a:p>
           <a:p>
             <a:r>
-              <a:rPr lang="en-US" altLang="zh-CN" dirty="0" err="1">
-                <a:latin typeface="+mn-ea"/>
-              </a:rPr>
-              <a:t>Jmeter</a:t>
+              <a:rPr lang="en-US" altLang="zh-CN" dirty="0" err="1" smtClean="0">
+                <a:latin typeface="+mn-ea"/>
+              </a:rPr>
+              <a:t>JMeter</a:t>
             </a:r>
             <a:r>
               <a:rPr lang="zh-CN" altLang="en-US" dirty="0" smtClean="0">
                 <a:latin typeface="+mn-ea"/>
               </a:rPr>
-              <a:t>之动态关联</a:t>
+              <a:t>之动态</a:t>
+            </a:r>
+            <a:r>
+              <a:rPr lang="zh-CN" altLang="en-US" dirty="0" smtClean="0">
+                <a:latin typeface="+mn-ea"/>
+              </a:rPr>
+              <a:t>关联（登录，新建</a:t>
+            </a:r>
+            <a:r>
+              <a:rPr lang="en-US" altLang="zh-CN" dirty="0" smtClean="0">
+                <a:latin typeface="+mn-ea"/>
+              </a:rPr>
+              <a:t>bug</a:t>
+            </a:r>
+            <a:r>
+              <a:rPr lang="zh-CN" altLang="en-US" dirty="0" smtClean="0">
+                <a:latin typeface="+mn-ea"/>
+              </a:rPr>
+              <a:t>，解决</a:t>
+            </a:r>
+            <a:r>
+              <a:rPr lang="en-US" altLang="zh-CN" dirty="0" err="1" smtClean="0">
+                <a:latin typeface="+mn-ea"/>
+              </a:rPr>
+              <a:t>bug,bugID</a:t>
+            </a:r>
+            <a:r>
+              <a:rPr lang="zh-CN" altLang="en-US" dirty="0" smtClean="0">
+                <a:latin typeface="+mn-ea"/>
+              </a:rPr>
+              <a:t>是变化的）</a:t>
             </a:r>
             <a:endParaRPr lang="zh-CN" altLang="en-US" dirty="0">
               <a:latin typeface="+mn-ea"/>
@@ -5300,10 +7676,10 @@
           </a:p>
           <a:p>
             <a:r>
-              <a:rPr lang="en-US" altLang="zh-CN" dirty="0" err="1">
-                <a:latin typeface="+mn-ea"/>
-              </a:rPr>
-              <a:t>Jmeter</a:t>
+              <a:rPr lang="en-US" altLang="zh-CN" dirty="0" err="1" smtClean="0">
+                <a:latin typeface="+mn-ea"/>
+              </a:rPr>
+              <a:t>JMeter</a:t>
             </a:r>
             <a:r>
               <a:rPr lang="zh-CN" altLang="en-US" dirty="0" smtClean="0">
@@ -5348,7 +7724,7 @@
     </p:spTree>
     <p:extLst>
       <p:ext uri="{BB962C8B-B14F-4D97-AF65-F5344CB8AC3E}">
-        <p14:creationId xmlns:p14="http://schemas.microsoft.com/office/powerpoint/2010/main" val="1208509171"/>
+        <p14:creationId xmlns:p14="http://schemas.microsoft.com/office/powerpoint/2010/main" val="3145976092"/>
       </p:ext>
     </p:extLst>
   </p:cSld>
@@ -5365,7 +7741,521 @@
 </p:sld>
 </file>
 
-<file path=ppt/slides/slide3.xml><?xml version="1.0" encoding="utf-8"?>
+<file path=ppt/slides/slide5.xml><?xml version="1.0" encoding="utf-8"?>
+<p:sld xmlns:a="http://schemas.openxmlformats.org/drawingml/2006/main" xmlns:r="http://schemas.openxmlformats.org/officeDocument/2006/relationships" xmlns:p="http://schemas.openxmlformats.org/presentationml/2006/main">
+  <p:cSld>
+    <p:spTree>
+      <p:nvGrpSpPr>
+        <p:cNvPr id="1" name=""/>
+        <p:cNvGrpSpPr/>
+        <p:nvPr/>
+      </p:nvGrpSpPr>
+      <p:grpSpPr>
+        <a:xfrm>
+          <a:off x="0" y="0"/>
+          <a:ext cx="0" cy="0"/>
+          <a:chOff x="0" y="0"/>
+          <a:chExt cx="0" cy="0"/>
+        </a:xfrm>
+      </p:grpSpPr>
+      <p:sp>
+        <p:nvSpPr>
+          <p:cNvPr id="2" name="内容占位符 1"/>
+          <p:cNvSpPr>
+            <a:spLocks noGrp="1"/>
+          </p:cNvSpPr>
+          <p:nvPr>
+            <p:ph idx="1"/>
+          </p:nvPr>
+        </p:nvSpPr>
+        <p:spPr>
+          <a:xfrm>
+            <a:off x="323528" y="1196752"/>
+            <a:ext cx="8229600" cy="4525963"/>
+          </a:xfrm>
+        </p:spPr>
+        <p:txBody>
+          <a:bodyPr>
+            <a:normAutofit/>
+          </a:bodyPr>
+          <a:lstStyle/>
+          <a:p>
+            <a:r>
+              <a:rPr lang="zh-CN" altLang="zh-CN" b="1" dirty="0" smtClean="0"/>
+              <a:t>取样器</a:t>
+            </a:r>
+          </a:p>
+          <a:p>
+            <a:pPr marL="457200" lvl="1" indent="0">
+              <a:buNone/>
+            </a:pPr>
+            <a:r>
+              <a:rPr lang="zh-CN" altLang="zh-CN" dirty="0" smtClean="0"/>
+              <a:t>是性能测试中向服务器发送请求，记录响应信息，记录响应时间的最小单元，</a:t>
+            </a:r>
+            <a:r>
+              <a:rPr lang="en-US" altLang="zh-CN" dirty="0" err="1" smtClean="0"/>
+              <a:t>JMeter</a:t>
+            </a:r>
+            <a:r>
+              <a:rPr lang="zh-CN" altLang="zh-CN" dirty="0" smtClean="0"/>
+              <a:t>原生支持多种不同的</a:t>
+            </a:r>
+            <a:r>
+              <a:rPr lang="en-US" altLang="zh-CN" dirty="0" smtClean="0"/>
+              <a:t>Sampler</a:t>
+            </a:r>
+            <a:endParaRPr lang="zh-CN" altLang="zh-CN" dirty="0" smtClean="0"/>
+          </a:p>
+          <a:p>
+            <a:r>
+              <a:rPr lang="zh-CN" altLang="zh-CN" b="1" dirty="0" smtClean="0"/>
+              <a:t>逻辑控制器</a:t>
+            </a:r>
+            <a:endParaRPr lang="en-US" altLang="zh-CN" b="1" dirty="0" smtClean="0"/>
+          </a:p>
+          <a:p>
+            <a:pPr marL="457200" lvl="1" indent="0">
+              <a:buNone/>
+            </a:pPr>
+            <a:r>
+              <a:rPr lang="zh-CN" altLang="zh-CN" dirty="0" smtClean="0"/>
+              <a:t>用来控制测试脚本的逻辑判断，也可以理解为如何控制脚本的运行。例如：如果控制器，就是当满足什么样的条件后执行哪一步操作</a:t>
+            </a:r>
+          </a:p>
+          <a:p>
+            <a:endParaRPr lang="zh-CN" altLang="en-US" dirty="0"/>
+          </a:p>
+        </p:txBody>
+      </p:sp>
+      <p:sp>
+        <p:nvSpPr>
+          <p:cNvPr id="3" name="标题 2"/>
+          <p:cNvSpPr>
+            <a:spLocks noGrp="1"/>
+          </p:cNvSpPr>
+          <p:nvPr>
+            <p:ph type="title"/>
+          </p:nvPr>
+        </p:nvSpPr>
+        <p:spPr/>
+        <p:txBody>
+          <a:bodyPr>
+            <a:normAutofit/>
+          </a:bodyPr>
+          <a:lstStyle/>
+          <a:p>
+            <a:r>
+              <a:rPr lang="en-US" altLang="zh-CN" dirty="0" err="1"/>
+              <a:t>JMeter</a:t>
+            </a:r>
+            <a:r>
+              <a:rPr lang="zh-CN" altLang="en-US" dirty="0"/>
+              <a:t>常用</a:t>
+            </a:r>
+            <a:r>
+              <a:rPr lang="zh-CN" altLang="en-US" dirty="0" smtClean="0"/>
+              <a:t>组件</a:t>
+            </a:r>
+            <a:endParaRPr lang="zh-CN" altLang="en-US" dirty="0"/>
+          </a:p>
+        </p:txBody>
+      </p:sp>
+    </p:spTree>
+    <p:extLst>
+      <p:ext uri="{BB962C8B-B14F-4D97-AF65-F5344CB8AC3E}">
+        <p14:creationId xmlns:p14="http://schemas.microsoft.com/office/powerpoint/2010/main" val="884392095"/>
+      </p:ext>
+    </p:extLst>
+  </p:cSld>
+  <p:clrMapOvr>
+    <a:masterClrMapping/>
+  </p:clrMapOvr>
+  <p:timing>
+    <p:tnLst>
+      <p:par>
+        <p:cTn id="1" dur="indefinite" restart="never" nodeType="tmRoot"/>
+      </p:par>
+    </p:tnLst>
+  </p:timing>
+</p:sld>
+</file>
+
+<file path=ppt/slides/slide6.xml><?xml version="1.0" encoding="utf-8"?>
+<p:sld xmlns:a="http://schemas.openxmlformats.org/drawingml/2006/main" xmlns:r="http://schemas.openxmlformats.org/officeDocument/2006/relationships" xmlns:p="http://schemas.openxmlformats.org/presentationml/2006/main">
+  <p:cSld>
+    <p:spTree>
+      <p:nvGrpSpPr>
+        <p:cNvPr id="1" name=""/>
+        <p:cNvGrpSpPr/>
+        <p:nvPr/>
+      </p:nvGrpSpPr>
+      <p:grpSpPr>
+        <a:xfrm>
+          <a:off x="0" y="0"/>
+          <a:ext cx="0" cy="0"/>
+          <a:chOff x="0" y="0"/>
+          <a:chExt cx="0" cy="0"/>
+        </a:xfrm>
+      </p:grpSpPr>
+      <p:sp>
+        <p:nvSpPr>
+          <p:cNvPr id="2" name="内容占位符 1"/>
+          <p:cNvSpPr>
+            <a:spLocks noGrp="1"/>
+          </p:cNvSpPr>
+          <p:nvPr>
+            <p:ph idx="1"/>
+          </p:nvPr>
+        </p:nvSpPr>
+        <p:spPr>
+          <a:xfrm>
+            <a:off x="323528" y="1196752"/>
+            <a:ext cx="8229600" cy="4525963"/>
+          </a:xfrm>
+        </p:spPr>
+        <p:txBody>
+          <a:bodyPr>
+            <a:normAutofit/>
+          </a:bodyPr>
+          <a:lstStyle/>
+          <a:p>
+            <a:r>
+              <a:rPr lang="zh-CN" altLang="zh-CN" b="1" dirty="0"/>
+              <a:t>配置元件</a:t>
+            </a:r>
+          </a:p>
+          <a:p>
+            <a:pPr marL="400050" lvl="1" indent="0">
+              <a:buNone/>
+            </a:pPr>
+            <a:r>
+              <a:rPr lang="zh-CN" altLang="zh-CN" dirty="0" smtClean="0"/>
+              <a:t>用来</a:t>
+            </a:r>
+            <a:r>
+              <a:rPr lang="zh-CN" altLang="zh-CN" dirty="0"/>
+              <a:t>提供一些配置相关的信息，如</a:t>
+            </a:r>
+            <a:r>
+              <a:rPr lang="en-US" altLang="zh-CN" dirty="0"/>
+              <a:t>HTTP</a:t>
+            </a:r>
+            <a:r>
+              <a:rPr lang="zh-CN" altLang="zh-CN" dirty="0"/>
+              <a:t>请求头、</a:t>
+            </a:r>
+            <a:r>
+              <a:rPr lang="en-US" altLang="zh-CN" dirty="0"/>
+              <a:t>cookie</a:t>
+            </a:r>
+            <a:r>
+              <a:rPr lang="zh-CN" altLang="zh-CN" dirty="0"/>
+              <a:t>管理，提供参数化数据，用户自定义变量等</a:t>
+            </a:r>
+          </a:p>
+          <a:p>
+            <a:pPr marL="0" indent="0">
+              <a:buNone/>
+            </a:pPr>
+            <a:endParaRPr lang="zh-CN" altLang="zh-CN" dirty="0"/>
+          </a:p>
+          <a:p>
+            <a:r>
+              <a:rPr lang="zh-CN" altLang="zh-CN" b="1" dirty="0"/>
+              <a:t>前置处理器</a:t>
+            </a:r>
+          </a:p>
+          <a:p>
+            <a:pPr marL="400050" lvl="1" indent="0">
+              <a:buNone/>
+            </a:pPr>
+            <a:r>
+              <a:rPr lang="zh-CN" altLang="zh-CN" dirty="0" smtClean="0"/>
+              <a:t>用于</a:t>
+            </a:r>
+            <a:r>
+              <a:rPr lang="zh-CN" altLang="zh-CN" dirty="0"/>
+              <a:t>请求发出之前对请求进行特殊处理，例如：用户参数，可以在用户发出请求之前定义变量，在后边的请求中使用变量</a:t>
+            </a:r>
+          </a:p>
+          <a:p>
+            <a:endParaRPr lang="zh-CN" altLang="en-US" dirty="0"/>
+          </a:p>
+        </p:txBody>
+      </p:sp>
+      <p:sp>
+        <p:nvSpPr>
+          <p:cNvPr id="3" name="标题 2"/>
+          <p:cNvSpPr>
+            <a:spLocks noGrp="1"/>
+          </p:cNvSpPr>
+          <p:nvPr>
+            <p:ph type="title"/>
+          </p:nvPr>
+        </p:nvSpPr>
+        <p:spPr/>
+        <p:txBody>
+          <a:bodyPr>
+            <a:normAutofit/>
+          </a:bodyPr>
+          <a:lstStyle/>
+          <a:p>
+            <a:r>
+              <a:rPr lang="en-US" altLang="zh-CN" dirty="0" err="1"/>
+              <a:t>JMeter</a:t>
+            </a:r>
+            <a:r>
+              <a:rPr lang="zh-CN" altLang="en-US" dirty="0"/>
+              <a:t>常用</a:t>
+            </a:r>
+            <a:r>
+              <a:rPr lang="zh-CN" altLang="en-US" dirty="0" smtClean="0"/>
+              <a:t>组件</a:t>
+            </a:r>
+            <a:endParaRPr lang="zh-CN" altLang="en-US" dirty="0"/>
+          </a:p>
+        </p:txBody>
+      </p:sp>
+    </p:spTree>
+    <p:extLst>
+      <p:ext uri="{BB962C8B-B14F-4D97-AF65-F5344CB8AC3E}">
+        <p14:creationId xmlns:p14="http://schemas.microsoft.com/office/powerpoint/2010/main" val="1686135714"/>
+      </p:ext>
+    </p:extLst>
+  </p:cSld>
+  <p:clrMapOvr>
+    <a:masterClrMapping/>
+  </p:clrMapOvr>
+  <p:timing>
+    <p:tnLst>
+      <p:par>
+        <p:cTn id="1" dur="indefinite" restart="never" nodeType="tmRoot"/>
+      </p:par>
+    </p:tnLst>
+  </p:timing>
+</p:sld>
+</file>
+
+<file path=ppt/slides/slide7.xml><?xml version="1.0" encoding="utf-8"?>
+<p:sld xmlns:a="http://schemas.openxmlformats.org/drawingml/2006/main" xmlns:r="http://schemas.openxmlformats.org/officeDocument/2006/relationships" xmlns:p="http://schemas.openxmlformats.org/presentationml/2006/main">
+  <p:cSld>
+    <p:spTree>
+      <p:nvGrpSpPr>
+        <p:cNvPr id="1" name=""/>
+        <p:cNvGrpSpPr/>
+        <p:nvPr/>
+      </p:nvGrpSpPr>
+      <p:grpSpPr>
+        <a:xfrm>
+          <a:off x="0" y="0"/>
+          <a:ext cx="0" cy="0"/>
+          <a:chOff x="0" y="0"/>
+          <a:chExt cx="0" cy="0"/>
+        </a:xfrm>
+      </p:grpSpPr>
+      <p:sp>
+        <p:nvSpPr>
+          <p:cNvPr id="2" name="内容占位符 1"/>
+          <p:cNvSpPr>
+            <a:spLocks noGrp="1"/>
+          </p:cNvSpPr>
+          <p:nvPr>
+            <p:ph idx="1"/>
+          </p:nvPr>
+        </p:nvSpPr>
+        <p:spPr>
+          <a:xfrm>
+            <a:off x="323528" y="1196752"/>
+            <a:ext cx="8229600" cy="4525963"/>
+          </a:xfrm>
+        </p:spPr>
+        <p:txBody>
+          <a:bodyPr>
+            <a:normAutofit lnSpcReduction="10000"/>
+          </a:bodyPr>
+          <a:lstStyle/>
+          <a:p>
+            <a:r>
+              <a:rPr lang="zh-CN" altLang="zh-CN" b="1" dirty="0"/>
+              <a:t>函数助手</a:t>
+            </a:r>
+          </a:p>
+          <a:p>
+            <a:pPr marL="400050" lvl="1" indent="0">
+              <a:buNone/>
+            </a:pPr>
+            <a:r>
+              <a:rPr lang="zh-CN" altLang="zh-CN" dirty="0"/>
+              <a:t>随机数</a:t>
+            </a:r>
+            <a:r>
+              <a:rPr lang="en-US" altLang="zh-CN" dirty="0"/>
+              <a:t> _Random</a:t>
+            </a:r>
+            <a:endParaRPr lang="zh-CN" altLang="zh-CN" dirty="0"/>
+          </a:p>
+          <a:p>
+            <a:pPr marL="400050" lvl="1" indent="0">
+              <a:buNone/>
+            </a:pPr>
+            <a:r>
+              <a:rPr lang="zh-CN" altLang="zh-CN" dirty="0"/>
+              <a:t>参数化助手</a:t>
+            </a:r>
+          </a:p>
+          <a:p>
+            <a:pPr marL="400050" lvl="1" indent="0">
+              <a:buNone/>
+            </a:pPr>
+            <a:r>
+              <a:rPr lang="zh-CN" altLang="zh-CN" dirty="0"/>
+              <a:t>计数器 </a:t>
+            </a:r>
+            <a:r>
+              <a:rPr lang="en-US" altLang="zh-CN" dirty="0"/>
+              <a:t>__counter </a:t>
+            </a:r>
+            <a:r>
+              <a:rPr lang="zh-CN" altLang="zh-CN" dirty="0"/>
+              <a:t>记录并发次数</a:t>
+            </a:r>
+          </a:p>
+          <a:p>
+            <a:pPr marL="400050" lvl="1" indent="0">
+              <a:buNone/>
+            </a:pPr>
+            <a:r>
+              <a:rPr lang="zh-CN" altLang="zh-CN" dirty="0"/>
+              <a:t>唯一数</a:t>
+            </a:r>
+            <a:r>
+              <a:rPr lang="en-US" altLang="zh-CN" dirty="0"/>
+              <a:t> __</a:t>
+            </a:r>
+            <a:r>
+              <a:rPr lang="en-US" altLang="zh-CN" dirty="0" err="1"/>
+              <a:t>UUID</a:t>
+            </a:r>
+            <a:endParaRPr lang="zh-CN" altLang="zh-CN" dirty="0"/>
+          </a:p>
+          <a:p>
+            <a:endParaRPr lang="zh-CN" altLang="zh-CN" dirty="0"/>
+          </a:p>
+          <a:p>
+            <a:r>
+              <a:rPr lang="en-US" altLang="zh-CN" dirty="0"/>
+              <a:t> </a:t>
+            </a:r>
+            <a:r>
+              <a:rPr lang="zh-CN" altLang="zh-CN" b="1" dirty="0"/>
+              <a:t>断言</a:t>
+            </a:r>
+          </a:p>
+          <a:p>
+            <a:pPr marL="400050" lvl="1" indent="0">
+              <a:buNone/>
+            </a:pPr>
+            <a:r>
+              <a:rPr lang="zh-CN" altLang="zh-CN" dirty="0"/>
+              <a:t>用于检查测试中得到</a:t>
+            </a:r>
+            <a:r>
+              <a:rPr lang="zh-CN" altLang="zh-CN" dirty="0" smtClean="0"/>
+              <a:t>的</a:t>
+            </a:r>
+            <a:r>
+              <a:rPr lang="zh-CN" altLang="en-US" dirty="0" smtClean="0"/>
+              <a:t>响应</a:t>
+            </a:r>
+            <a:r>
+              <a:rPr lang="zh-CN" altLang="zh-CN" dirty="0" smtClean="0"/>
+              <a:t>数据</a:t>
+            </a:r>
+            <a:r>
+              <a:rPr lang="zh-CN" altLang="zh-CN" dirty="0"/>
+              <a:t>是否符合预期，类似于</a:t>
+            </a:r>
+            <a:r>
+              <a:rPr lang="en-US" altLang="zh-CN" dirty="0" err="1"/>
+              <a:t>LR</a:t>
+            </a:r>
+            <a:r>
+              <a:rPr lang="zh-CN" altLang="zh-CN" dirty="0"/>
+              <a:t>中 的</a:t>
+            </a:r>
+            <a:r>
+              <a:rPr lang="zh-CN" altLang="zh-CN" dirty="0" smtClean="0"/>
+              <a:t>检查点</a:t>
+            </a:r>
+            <a:r>
+              <a:rPr lang="zh-CN" altLang="en-US" dirty="0" smtClean="0"/>
+              <a:t>，建议仅在调试过程使用</a:t>
+            </a:r>
+            <a:endParaRPr lang="zh-CN" altLang="zh-CN" dirty="0"/>
+          </a:p>
+          <a:p>
+            <a:endParaRPr lang="zh-CN" altLang="zh-CN" dirty="0"/>
+          </a:p>
+          <a:p>
+            <a:endParaRPr lang="zh-CN" altLang="en-US" dirty="0"/>
+          </a:p>
+        </p:txBody>
+      </p:sp>
+      <p:sp>
+        <p:nvSpPr>
+          <p:cNvPr id="3" name="标题 2"/>
+          <p:cNvSpPr>
+            <a:spLocks noGrp="1"/>
+          </p:cNvSpPr>
+          <p:nvPr>
+            <p:ph type="title"/>
+          </p:nvPr>
+        </p:nvSpPr>
+        <p:spPr/>
+        <p:txBody>
+          <a:bodyPr>
+            <a:normAutofit/>
+          </a:bodyPr>
+          <a:lstStyle/>
+          <a:p>
+            <a:r>
+              <a:rPr lang="en-US" altLang="zh-CN" dirty="0" err="1"/>
+              <a:t>JMeter</a:t>
+            </a:r>
+            <a:r>
+              <a:rPr lang="zh-CN" altLang="en-US" dirty="0"/>
+              <a:t>常用</a:t>
+            </a:r>
+            <a:r>
+              <a:rPr lang="zh-CN" altLang="en-US" dirty="0" smtClean="0"/>
+              <a:t>组件</a:t>
+            </a:r>
+            <a:endParaRPr lang="zh-CN" altLang="en-US" dirty="0"/>
+          </a:p>
+        </p:txBody>
+      </p:sp>
+    </p:spTree>
+    <p:extLst>
+      <p:ext uri="{BB962C8B-B14F-4D97-AF65-F5344CB8AC3E}">
+        <p14:creationId xmlns:p14="http://schemas.microsoft.com/office/powerpoint/2010/main" val="1686135714"/>
+      </p:ext>
+    </p:extLst>
+  </p:cSld>
+  <p:clrMapOvr>
+    <a:masterClrMapping/>
+  </p:clrMapOvr>
+  <p:timing>
+    <p:tnLst>
+      <p:par>
+        <p:cTn id="1" dur="indefinite" restart="never" nodeType="tmRoot"/>
+      </p:par>
+    </p:tnLst>
+  </p:timing>
+</p:sld>
+</file>
+
+<file path=ppt/slides/slide8.xml><?xml version="1.0" encoding="utf-8"?>
 <p:sld xmlns:a="http://schemas.openxmlformats.org/drawingml/2006/main" xmlns:r="http://schemas.openxmlformats.org/officeDocument/2006/relationships" xmlns:p="http://schemas.openxmlformats.org/presentationml/2006/main">
   <p:cSld>
     <p:spTree>
@@ -6643,7 +9533,7 @@
 </p:sld>
 </file>
 
-<file path=ppt/slides/slide4.xml><?xml version="1.0" encoding="utf-8"?>
+<file path=ppt/slides/slide9.xml><?xml version="1.0" encoding="utf-8"?>
 <p:sld xmlns:a="http://schemas.openxmlformats.org/drawingml/2006/main" xmlns:r="http://schemas.openxmlformats.org/officeDocument/2006/relationships" xmlns:p="http://schemas.openxmlformats.org/presentationml/2006/main">
   <p:cSld>
     <p:spTree>
@@ -6982,1149 +9872,6 @@
     <p:extLst>
       <p:ext uri="{BB962C8B-B14F-4D97-AF65-F5344CB8AC3E}">
         <p14:creationId xmlns:p14="http://schemas.microsoft.com/office/powerpoint/2010/main" val="1096988067"/>
-      </p:ext>
-    </p:extLst>
-  </p:cSld>
-  <p:clrMapOvr>
-    <a:masterClrMapping/>
-  </p:clrMapOvr>
-  <p:timing>
-    <p:tnLst>
-      <p:par>
-        <p:cTn id="1" dur="indefinite" restart="never" nodeType="tmRoot"/>
-      </p:par>
-    </p:tnLst>
-  </p:timing>
-</p:sld>
-</file>
-
-<file path=ppt/slides/slide5.xml><?xml version="1.0" encoding="utf-8"?>
-<p:sld xmlns:a="http://schemas.openxmlformats.org/drawingml/2006/main" xmlns:r="http://schemas.openxmlformats.org/officeDocument/2006/relationships" xmlns:p="http://schemas.openxmlformats.org/presentationml/2006/main">
-  <p:cSld>
-    <p:spTree>
-      <p:nvGrpSpPr>
-        <p:cNvPr id="1" name=""/>
-        <p:cNvGrpSpPr/>
-        <p:nvPr/>
-      </p:nvGrpSpPr>
-      <p:grpSpPr>
-        <a:xfrm>
-          <a:off x="0" y="0"/>
-          <a:ext cx="0" cy="0"/>
-          <a:chOff x="0" y="0"/>
-          <a:chExt cx="0" cy="0"/>
-        </a:xfrm>
-      </p:grpSpPr>
-      <p:sp>
-        <p:nvSpPr>
-          <p:cNvPr id="2" name="内容占位符 1"/>
-          <p:cNvSpPr>
-            <a:spLocks noGrp="1"/>
-          </p:cNvSpPr>
-          <p:nvPr>
-            <p:ph idx="1"/>
-          </p:nvPr>
-        </p:nvSpPr>
-        <p:spPr>
-          <a:xfrm>
-            <a:off x="457200" y="1142458"/>
-            <a:ext cx="8507288" cy="4525963"/>
-          </a:xfrm>
-        </p:spPr>
-        <p:txBody>
-          <a:bodyPr>
-            <a:noAutofit/>
-          </a:bodyPr>
-          <a:lstStyle/>
-          <a:p>
-            <a:r>
-              <a:rPr lang="zh-CN" altLang="en-US" sz="2800" dirty="0" smtClean="0">
-                <a:latin typeface="+mn-ea"/>
-              </a:rPr>
-              <a:t>配置元件</a:t>
-            </a:r>
-            <a:endParaRPr lang="en-US" altLang="zh-CN" sz="2800" dirty="0" smtClean="0">
-              <a:latin typeface="+mn-ea"/>
-            </a:endParaRPr>
-          </a:p>
-          <a:p>
-            <a:r>
-              <a:rPr lang="zh-CN" altLang="en-US" sz="2800" dirty="0">
-                <a:latin typeface="+mn-ea"/>
-              </a:rPr>
-              <a:t>前</a:t>
-            </a:r>
-            <a:r>
-              <a:rPr lang="zh-CN" altLang="en-US" sz="2800" dirty="0" smtClean="0">
-                <a:latin typeface="+mn-ea"/>
-              </a:rPr>
-              <a:t>置处理程序</a:t>
-            </a:r>
-            <a:endParaRPr lang="en-US" altLang="zh-CN" sz="2800" dirty="0" smtClean="0">
-              <a:latin typeface="+mn-ea"/>
-            </a:endParaRPr>
-          </a:p>
-          <a:p>
-            <a:r>
-              <a:rPr lang="zh-CN" altLang="en-US" sz="2800" dirty="0" smtClean="0">
-                <a:latin typeface="+mn-ea"/>
-              </a:rPr>
-              <a:t>定时器</a:t>
-            </a:r>
-            <a:endParaRPr lang="en-US" altLang="zh-CN" sz="2800" dirty="0" smtClean="0">
-              <a:latin typeface="+mn-ea"/>
-            </a:endParaRPr>
-          </a:p>
-          <a:p>
-            <a:r>
-              <a:rPr lang="en-US" altLang="zh-CN" sz="2800" dirty="0" smtClean="0">
-                <a:latin typeface="+mn-ea"/>
-              </a:rPr>
-              <a:t>sampler</a:t>
-            </a:r>
-            <a:endParaRPr lang="en-US" altLang="zh-CN" sz="2800" dirty="0">
-              <a:latin typeface="+mn-ea"/>
-            </a:endParaRPr>
-          </a:p>
-          <a:p>
-            <a:r>
-              <a:rPr lang="zh-CN" altLang="en-US" sz="2800" dirty="0" smtClean="0">
-                <a:latin typeface="+mn-ea"/>
-              </a:rPr>
-              <a:t>后置处理程序</a:t>
-            </a:r>
-            <a:endParaRPr lang="en-US" altLang="zh-CN" sz="2800" dirty="0" smtClean="0">
-              <a:latin typeface="+mn-ea"/>
-            </a:endParaRPr>
-          </a:p>
-          <a:p>
-            <a:r>
-              <a:rPr lang="zh-CN" altLang="en-US" sz="2800" dirty="0" smtClean="0">
-                <a:latin typeface="+mn-ea"/>
-              </a:rPr>
-              <a:t>断言</a:t>
-            </a:r>
-            <a:endParaRPr lang="en-US" altLang="zh-CN" sz="2800" dirty="0" smtClean="0">
-              <a:latin typeface="+mn-ea"/>
-            </a:endParaRPr>
-          </a:p>
-          <a:p>
-            <a:r>
-              <a:rPr lang="zh-CN" altLang="en-US" sz="2800" dirty="0" smtClean="0">
-                <a:latin typeface="+mn-ea"/>
-              </a:rPr>
-              <a:t>监听器</a:t>
-            </a:r>
-            <a:endParaRPr lang="en-US" altLang="zh-CN" sz="2800" dirty="0" smtClean="0">
-              <a:latin typeface="+mn-ea"/>
-            </a:endParaRPr>
-          </a:p>
-          <a:p>
-            <a:pPr marL="0" indent="0">
-              <a:buNone/>
-            </a:pPr>
-            <a:r>
-              <a:rPr lang="zh-CN" altLang="en-US" sz="2800" dirty="0" smtClean="0">
-                <a:latin typeface="+mn-ea"/>
-              </a:rPr>
-              <a:t>如果在同一个作用域范围内有多个同一类型的元件，则这些元件按照它们在测试计划汇总的上下顺序一次执行</a:t>
-            </a:r>
-            <a:endParaRPr lang="zh-CN" altLang="en-US" sz="2800" dirty="0">
-              <a:latin typeface="+mn-ea"/>
-            </a:endParaRPr>
-          </a:p>
-        </p:txBody>
-      </p:sp>
-      <p:sp>
-        <p:nvSpPr>
-          <p:cNvPr id="3" name="标题 2"/>
-          <p:cNvSpPr>
-            <a:spLocks noGrp="1"/>
-          </p:cNvSpPr>
-          <p:nvPr>
-            <p:ph type="title"/>
-          </p:nvPr>
-        </p:nvSpPr>
-        <p:spPr/>
-        <p:txBody>
-          <a:bodyPr/>
-          <a:lstStyle/>
-          <a:p>
-            <a:r>
-              <a:rPr lang="zh-CN" altLang="en-US" dirty="0" smtClean="0"/>
-              <a:t>元件的执行顺序</a:t>
-            </a:r>
-            <a:endParaRPr lang="zh-CN" altLang="en-US" dirty="0"/>
-          </a:p>
-        </p:txBody>
-      </p:sp>
-      <p:pic>
-        <p:nvPicPr>
-          <p:cNvPr id="3075" name="Picture 3"/>
-          <p:cNvPicPr>
-            <a:picLocks noChangeAspect="1" noChangeArrowheads="1"/>
-          </p:cNvPicPr>
-          <p:nvPr/>
-        </p:nvPicPr>
-        <p:blipFill>
-          <a:blip r:embed="rId2">
-            <a:extLst>
-              <a:ext uri="{28A0092B-C50C-407E-A947-70E740481C1C}">
-                <a14:useLocalDpi xmlns:a14="http://schemas.microsoft.com/office/drawing/2010/main" val="0"/>
-              </a:ext>
-            </a:extLst>
-          </a:blip>
-          <a:srcRect/>
-          <a:stretch>
-            <a:fillRect/>
-          </a:stretch>
-        </p:blipFill>
-        <p:spPr bwMode="auto">
-          <a:xfrm>
-            <a:off x="4572000" y="1124744"/>
-            <a:ext cx="3086100" cy="3096344"/>
-          </a:xfrm>
-          <a:prstGeom prst="rect">
-            <a:avLst/>
-          </a:prstGeom>
-          <a:noFill/>
-          <a:ln>
-            <a:noFill/>
-          </a:ln>
-          <a:effectLst/>
-          <a:extLst>
-            <a:ext uri="{909E8E84-426E-40DD-AFC4-6F175D3DCCD1}">
-              <a14:hiddenFill xmlns:a14="http://schemas.microsoft.com/office/drawing/2010/main">
-                <a:solidFill>
-                  <a:schemeClr val="accent1"/>
-                </a:solidFill>
-              </a14:hiddenFill>
-            </a:ext>
-            <a:ext uri="{91240B29-F687-4F45-9708-019B960494DF}">
-              <a14:hiddenLine xmlns:a14="http://schemas.microsoft.com/office/drawing/2010/main" w="9525">
-                <a:solidFill>
-                  <a:schemeClr val="tx1"/>
-                </a:solidFill>
-                <a:miter lim="800000"/>
-                <a:headEnd/>
-                <a:tailEnd/>
-              </a14:hiddenLine>
-            </a:ext>
-            <a:ext uri="{AF507438-7753-43E0-B8FC-AC1667EBCBE1}">
-              <a14:hiddenEffects xmlns:a14="http://schemas.microsoft.com/office/drawing/2010/main">
-                <a:effectLst>
-                  <a:outerShdw dist="35921" dir="2700000" algn="ctr" rotWithShape="0">
-                    <a:schemeClr val="bg2"/>
-                  </a:outerShdw>
-                </a:effectLst>
-              </a14:hiddenEffects>
-            </a:ext>
-          </a:extLst>
-        </p:spPr>
-      </p:pic>
-    </p:spTree>
-    <p:extLst>
-      <p:ext uri="{BB962C8B-B14F-4D97-AF65-F5344CB8AC3E}">
-        <p14:creationId xmlns:p14="http://schemas.microsoft.com/office/powerpoint/2010/main" val="2454709326"/>
-      </p:ext>
-    </p:extLst>
-  </p:cSld>
-  <p:clrMapOvr>
-    <a:masterClrMapping/>
-  </p:clrMapOvr>
-  <p:timing>
-    <p:tnLst>
-      <p:par>
-        <p:cTn id="1" dur="indefinite" restart="never" nodeType="tmRoot"/>
-      </p:par>
-    </p:tnLst>
-  </p:timing>
-</p:sld>
-</file>
-
-<file path=ppt/slides/slide6.xml><?xml version="1.0" encoding="utf-8"?>
-<p:sld xmlns:a="http://schemas.openxmlformats.org/drawingml/2006/main" xmlns:r="http://schemas.openxmlformats.org/officeDocument/2006/relationships" xmlns:p="http://schemas.openxmlformats.org/presentationml/2006/main">
-  <p:cSld>
-    <p:spTree>
-      <p:nvGrpSpPr>
-        <p:cNvPr id="1" name=""/>
-        <p:cNvGrpSpPr/>
-        <p:nvPr/>
-      </p:nvGrpSpPr>
-      <p:grpSpPr>
-        <a:xfrm>
-          <a:off x="0" y="0"/>
-          <a:ext cx="0" cy="0"/>
-          <a:chOff x="0" y="0"/>
-          <a:chExt cx="0" cy="0"/>
-        </a:xfrm>
-      </p:grpSpPr>
-      <p:sp>
-        <p:nvSpPr>
-          <p:cNvPr id="2" name="内容占位符 1"/>
-          <p:cNvSpPr>
-            <a:spLocks noGrp="1"/>
-          </p:cNvSpPr>
-          <p:nvPr>
-            <p:ph idx="1"/>
-          </p:nvPr>
-        </p:nvSpPr>
-        <p:spPr>
-          <a:xfrm>
-            <a:off x="400087" y="1094010"/>
-            <a:ext cx="8229600" cy="4525963"/>
-          </a:xfrm>
-        </p:spPr>
-        <p:txBody>
-          <a:bodyPr/>
-          <a:lstStyle/>
-          <a:p>
-            <a:pPr marL="0" indent="0">
-              <a:buNone/>
-            </a:pPr>
-            <a:r>
-              <a:rPr lang="zh-CN" altLang="en-US" dirty="0" smtClean="0">
-                <a:latin typeface="+mn-ea"/>
-              </a:rPr>
-              <a:t>目的：为了更好的模拟用户访问</a:t>
-            </a:r>
-            <a:endParaRPr lang="en-US" altLang="zh-CN" dirty="0" smtClean="0">
-              <a:latin typeface="+mn-ea"/>
-            </a:endParaRPr>
-          </a:p>
-          <a:p>
-            <a:pPr marL="0" indent="0">
-              <a:buNone/>
-            </a:pPr>
-            <a:r>
-              <a:rPr lang="zh-CN" altLang="en-US" dirty="0" smtClean="0">
-                <a:latin typeface="+mn-ea"/>
-              </a:rPr>
-              <a:t>方法一：“</a:t>
-            </a:r>
-            <a:r>
-              <a:rPr lang="zh-CN" altLang="en-US" dirty="0">
-                <a:latin typeface="+mn-ea"/>
-              </a:rPr>
-              <a:t>前置处理器</a:t>
-            </a:r>
-            <a:r>
-              <a:rPr lang="en-US" altLang="zh-CN" dirty="0">
-                <a:latin typeface="+mn-ea"/>
-              </a:rPr>
-              <a:t>/</a:t>
-            </a:r>
-            <a:r>
-              <a:rPr lang="zh-CN" altLang="en-US" dirty="0">
-                <a:latin typeface="+mn-ea"/>
-              </a:rPr>
-              <a:t>用户</a:t>
-            </a:r>
-            <a:r>
-              <a:rPr lang="zh-CN" altLang="en-US" dirty="0" smtClean="0">
-                <a:latin typeface="+mn-ea"/>
-              </a:rPr>
-              <a:t>参数”</a:t>
-            </a:r>
-            <a:endParaRPr lang="zh-CN" altLang="en-US" dirty="0">
-              <a:latin typeface="+mn-ea"/>
-            </a:endParaRPr>
-          </a:p>
-        </p:txBody>
-      </p:sp>
-      <p:sp>
-        <p:nvSpPr>
-          <p:cNvPr id="3" name="标题 2"/>
-          <p:cNvSpPr>
-            <a:spLocks noGrp="1"/>
-          </p:cNvSpPr>
-          <p:nvPr>
-            <p:ph type="title"/>
-          </p:nvPr>
-        </p:nvSpPr>
-        <p:spPr/>
-        <p:txBody>
-          <a:bodyPr/>
-          <a:lstStyle/>
-          <a:p>
-            <a:r>
-              <a:rPr lang="en-US" altLang="zh-CN" dirty="0" err="1" smtClean="0"/>
-              <a:t>Jmeter</a:t>
-            </a:r>
-            <a:r>
-              <a:rPr lang="zh-CN" altLang="en-US" dirty="0" smtClean="0"/>
-              <a:t>之参数化</a:t>
-            </a:r>
-            <a:endParaRPr lang="zh-CN" altLang="en-US" dirty="0"/>
-          </a:p>
-        </p:txBody>
-      </p:sp>
-      <p:pic>
-        <p:nvPicPr>
-          <p:cNvPr id="4098" name="Picture 2"/>
-          <p:cNvPicPr>
-            <a:picLocks noChangeAspect="1" noChangeArrowheads="1"/>
-          </p:cNvPicPr>
-          <p:nvPr/>
-        </p:nvPicPr>
-        <p:blipFill>
-          <a:blip r:embed="rId3">
-            <a:extLst>
-              <a:ext uri="{28A0092B-C50C-407E-A947-70E740481C1C}">
-                <a14:useLocalDpi xmlns:a14="http://schemas.microsoft.com/office/drawing/2010/main" val="0"/>
-              </a:ext>
-            </a:extLst>
-          </a:blip>
-          <a:srcRect/>
-          <a:stretch>
-            <a:fillRect/>
-          </a:stretch>
-        </p:blipFill>
-        <p:spPr bwMode="auto">
-          <a:xfrm>
-            <a:off x="971600" y="2420888"/>
-            <a:ext cx="7560840" cy="1716712"/>
-          </a:xfrm>
-          <a:prstGeom prst="rect">
-            <a:avLst/>
-          </a:prstGeom>
-          <a:noFill/>
-          <a:ln>
-            <a:noFill/>
-          </a:ln>
-          <a:effectLst/>
-          <a:extLst>
-            <a:ext uri="{909E8E84-426E-40DD-AFC4-6F175D3DCCD1}">
-              <a14:hiddenFill xmlns:a14="http://schemas.microsoft.com/office/drawing/2010/main">
-                <a:solidFill>
-                  <a:schemeClr val="accent1"/>
-                </a:solidFill>
-              </a14:hiddenFill>
-            </a:ext>
-            <a:ext uri="{91240B29-F687-4F45-9708-019B960494DF}">
-              <a14:hiddenLine xmlns:a14="http://schemas.microsoft.com/office/drawing/2010/main" w="9525">
-                <a:solidFill>
-                  <a:schemeClr val="tx1"/>
-                </a:solidFill>
-                <a:miter lim="800000"/>
-                <a:headEnd/>
-                <a:tailEnd/>
-              </a14:hiddenLine>
-            </a:ext>
-            <a:ext uri="{AF507438-7753-43E0-B8FC-AC1667EBCBE1}">
-              <a14:hiddenEffects xmlns:a14="http://schemas.microsoft.com/office/drawing/2010/main">
-                <a:effectLst>
-                  <a:outerShdw dist="35921" dir="2700000" algn="ctr" rotWithShape="0">
-                    <a:schemeClr val="bg2"/>
-                  </a:outerShdw>
-                </a:effectLst>
-              </a14:hiddenEffects>
-            </a:ext>
-          </a:extLst>
-        </p:spPr>
-      </p:pic>
-      <p:pic>
-        <p:nvPicPr>
-          <p:cNvPr id="4099" name="Picture 3"/>
-          <p:cNvPicPr>
-            <a:picLocks noChangeAspect="1" noChangeArrowheads="1"/>
-          </p:cNvPicPr>
-          <p:nvPr/>
-        </p:nvPicPr>
-        <p:blipFill>
-          <a:blip r:embed="rId4">
-            <a:extLst>
-              <a:ext uri="{28A0092B-C50C-407E-A947-70E740481C1C}">
-                <a14:useLocalDpi xmlns:a14="http://schemas.microsoft.com/office/drawing/2010/main" val="0"/>
-              </a:ext>
-            </a:extLst>
-          </a:blip>
-          <a:srcRect/>
-          <a:stretch>
-            <a:fillRect/>
-          </a:stretch>
-        </p:blipFill>
-        <p:spPr bwMode="auto">
-          <a:xfrm>
-            <a:off x="831185" y="4170510"/>
-            <a:ext cx="7841670" cy="2191871"/>
-          </a:xfrm>
-          <a:prstGeom prst="rect">
-            <a:avLst/>
-          </a:prstGeom>
-          <a:noFill/>
-          <a:ln>
-            <a:noFill/>
-          </a:ln>
-          <a:effectLst/>
-          <a:extLst>
-            <a:ext uri="{909E8E84-426E-40DD-AFC4-6F175D3DCCD1}">
-              <a14:hiddenFill xmlns:a14="http://schemas.microsoft.com/office/drawing/2010/main">
-                <a:solidFill>
-                  <a:schemeClr val="accent1"/>
-                </a:solidFill>
-              </a14:hiddenFill>
-            </a:ext>
-            <a:ext uri="{91240B29-F687-4F45-9708-019B960494DF}">
-              <a14:hiddenLine xmlns:a14="http://schemas.microsoft.com/office/drawing/2010/main" w="9525">
-                <a:solidFill>
-                  <a:schemeClr val="tx1"/>
-                </a:solidFill>
-                <a:miter lim="800000"/>
-                <a:headEnd/>
-                <a:tailEnd/>
-              </a14:hiddenLine>
-            </a:ext>
-            <a:ext uri="{AF507438-7753-43E0-B8FC-AC1667EBCBE1}">
-              <a14:hiddenEffects xmlns:a14="http://schemas.microsoft.com/office/drawing/2010/main">
-                <a:effectLst>
-                  <a:outerShdw dist="35921" dir="2700000" algn="ctr" rotWithShape="0">
-                    <a:schemeClr val="bg2"/>
-                  </a:outerShdw>
-                </a:effectLst>
-              </a14:hiddenEffects>
-            </a:ext>
-          </a:extLst>
-        </p:spPr>
-      </p:pic>
-    </p:spTree>
-    <p:extLst>
-      <p:ext uri="{BB962C8B-B14F-4D97-AF65-F5344CB8AC3E}">
-        <p14:creationId xmlns:p14="http://schemas.microsoft.com/office/powerpoint/2010/main" val="3794381828"/>
-      </p:ext>
-    </p:extLst>
-  </p:cSld>
-  <p:clrMapOvr>
-    <a:masterClrMapping/>
-  </p:clrMapOvr>
-  <p:timing>
-    <p:tnLst>
-      <p:par>
-        <p:cTn id="1" dur="indefinite" restart="never" nodeType="tmRoot"/>
-      </p:par>
-    </p:tnLst>
-  </p:timing>
-</p:sld>
-</file>
-
-<file path=ppt/slides/slide7.xml><?xml version="1.0" encoding="utf-8"?>
-<p:sld xmlns:a="http://schemas.openxmlformats.org/drawingml/2006/main" xmlns:r="http://schemas.openxmlformats.org/officeDocument/2006/relationships" xmlns:p="http://schemas.openxmlformats.org/presentationml/2006/main">
-  <p:cSld>
-    <p:spTree>
-      <p:nvGrpSpPr>
-        <p:cNvPr id="1" name=""/>
-        <p:cNvGrpSpPr/>
-        <p:nvPr/>
-      </p:nvGrpSpPr>
-      <p:grpSpPr>
-        <a:xfrm>
-          <a:off x="0" y="0"/>
-          <a:ext cx="0" cy="0"/>
-          <a:chOff x="0" y="0"/>
-          <a:chExt cx="0" cy="0"/>
-        </a:xfrm>
-      </p:grpSpPr>
-      <p:sp>
-        <p:nvSpPr>
-          <p:cNvPr id="2" name="内容占位符 1"/>
-          <p:cNvSpPr>
-            <a:spLocks noGrp="1"/>
-          </p:cNvSpPr>
-          <p:nvPr>
-            <p:ph idx="1"/>
-          </p:nvPr>
-        </p:nvSpPr>
-        <p:spPr>
-          <a:xfrm>
-            <a:off x="408380" y="1208771"/>
-            <a:ext cx="8229600" cy="4525963"/>
-          </a:xfrm>
-        </p:spPr>
-        <p:txBody>
-          <a:bodyPr/>
-          <a:lstStyle/>
-          <a:p>
-            <a:r>
-              <a:rPr lang="zh-CN" altLang="en-US" dirty="0" smtClean="0">
-                <a:latin typeface="+mn-ea"/>
-              </a:rPr>
-              <a:t>方法二：配置元件</a:t>
-            </a:r>
-            <a:r>
-              <a:rPr lang="en-US" altLang="zh-CN" dirty="0" smtClean="0">
-                <a:latin typeface="+mn-ea"/>
-              </a:rPr>
-              <a:t>/CSV </a:t>
-            </a:r>
-            <a:r>
-              <a:rPr lang="en-US" altLang="zh-CN" dirty="0">
-                <a:latin typeface="+mn-ea"/>
-              </a:rPr>
-              <a:t>Data Set </a:t>
-            </a:r>
-            <a:r>
-              <a:rPr lang="en-US" altLang="zh-CN" dirty="0" err="1" smtClean="0">
-                <a:latin typeface="+mn-ea"/>
-              </a:rPr>
-              <a:t>Config</a:t>
-            </a:r>
-            <a:endParaRPr lang="en-US" altLang="zh-CN" dirty="0" smtClean="0">
-              <a:latin typeface="+mn-ea"/>
-            </a:endParaRPr>
-          </a:p>
-          <a:p>
-            <a:r>
-              <a:rPr lang="zh-CN" altLang="en-US" dirty="0" smtClean="0">
-                <a:latin typeface="+mn-ea"/>
-              </a:rPr>
-              <a:t>适合于大数据量的并发</a:t>
-            </a:r>
-            <a:r>
-              <a:rPr lang="en-US" altLang="zh-CN" dirty="0" smtClean="0">
-                <a:latin typeface="+mn-ea"/>
-              </a:rPr>
-              <a:t>,</a:t>
-            </a:r>
-            <a:r>
-              <a:rPr lang="zh-CN" altLang="en-US" dirty="0" smtClean="0">
-                <a:latin typeface="+mn-ea"/>
-              </a:rPr>
-              <a:t>注意使用英文</a:t>
-            </a:r>
-            <a:r>
-              <a:rPr lang="en-US" altLang="zh-CN" dirty="0" smtClean="0">
-                <a:latin typeface="+mn-ea"/>
-              </a:rPr>
-              <a:t>,</a:t>
-            </a:r>
-            <a:r>
-              <a:rPr lang="zh-CN" altLang="en-US" dirty="0" smtClean="0">
-                <a:latin typeface="+mn-ea"/>
-              </a:rPr>
-              <a:t>进行分割</a:t>
-            </a:r>
-            <a:endParaRPr lang="zh-CN" altLang="en-US" dirty="0">
-              <a:latin typeface="+mn-ea"/>
-            </a:endParaRPr>
-          </a:p>
-        </p:txBody>
-      </p:sp>
-      <p:sp>
-        <p:nvSpPr>
-          <p:cNvPr id="3" name="标题 2"/>
-          <p:cNvSpPr>
-            <a:spLocks noGrp="1"/>
-          </p:cNvSpPr>
-          <p:nvPr>
-            <p:ph type="title"/>
-          </p:nvPr>
-        </p:nvSpPr>
-        <p:spPr/>
-        <p:txBody>
-          <a:bodyPr/>
-          <a:lstStyle/>
-          <a:p>
-            <a:r>
-              <a:rPr lang="en-US" altLang="zh-CN" dirty="0" err="1"/>
-              <a:t>Jmeter</a:t>
-            </a:r>
-            <a:r>
-              <a:rPr lang="zh-CN" altLang="en-US" dirty="0"/>
-              <a:t>之参数化</a:t>
-            </a:r>
-          </a:p>
-        </p:txBody>
-      </p:sp>
-      <p:pic>
-        <p:nvPicPr>
-          <p:cNvPr id="5122" name="Picture 2"/>
-          <p:cNvPicPr>
-            <a:picLocks noChangeAspect="1" noChangeArrowheads="1"/>
-          </p:cNvPicPr>
-          <p:nvPr/>
-        </p:nvPicPr>
-        <p:blipFill>
-          <a:blip r:embed="rId2">
-            <a:extLst>
-              <a:ext uri="{28A0092B-C50C-407E-A947-70E740481C1C}">
-                <a14:useLocalDpi xmlns:a14="http://schemas.microsoft.com/office/drawing/2010/main" val="0"/>
-              </a:ext>
-            </a:extLst>
-          </a:blip>
-          <a:srcRect/>
-          <a:stretch>
-            <a:fillRect/>
-          </a:stretch>
-        </p:blipFill>
-        <p:spPr bwMode="auto">
-          <a:xfrm>
-            <a:off x="651478" y="2780928"/>
-            <a:ext cx="8484499" cy="3456384"/>
-          </a:xfrm>
-          <a:prstGeom prst="rect">
-            <a:avLst/>
-          </a:prstGeom>
-          <a:noFill/>
-          <a:ln>
-            <a:noFill/>
-          </a:ln>
-          <a:effectLst/>
-          <a:extLst>
-            <a:ext uri="{909E8E84-426E-40DD-AFC4-6F175D3DCCD1}">
-              <a14:hiddenFill xmlns:a14="http://schemas.microsoft.com/office/drawing/2010/main">
-                <a:solidFill>
-                  <a:schemeClr val="accent1"/>
-                </a:solidFill>
-              </a14:hiddenFill>
-            </a:ext>
-            <a:ext uri="{91240B29-F687-4F45-9708-019B960494DF}">
-              <a14:hiddenLine xmlns:a14="http://schemas.microsoft.com/office/drawing/2010/main" w="9525">
-                <a:solidFill>
-                  <a:schemeClr val="tx1"/>
-                </a:solidFill>
-                <a:miter lim="800000"/>
-                <a:headEnd/>
-                <a:tailEnd/>
-              </a14:hiddenLine>
-            </a:ext>
-            <a:ext uri="{AF507438-7753-43E0-B8FC-AC1667EBCBE1}">
-              <a14:hiddenEffects xmlns:a14="http://schemas.microsoft.com/office/drawing/2010/main">
-                <a:effectLst>
-                  <a:outerShdw dist="35921" dir="2700000" algn="ctr" rotWithShape="0">
-                    <a:schemeClr val="bg2"/>
-                  </a:outerShdw>
-                </a:effectLst>
-              </a14:hiddenEffects>
-            </a:ext>
-          </a:extLst>
-        </p:spPr>
-      </p:pic>
-    </p:spTree>
-    <p:extLst>
-      <p:ext uri="{BB962C8B-B14F-4D97-AF65-F5344CB8AC3E}">
-        <p14:creationId xmlns:p14="http://schemas.microsoft.com/office/powerpoint/2010/main" val="1480515543"/>
-      </p:ext>
-    </p:extLst>
-  </p:cSld>
-  <p:clrMapOvr>
-    <a:masterClrMapping/>
-  </p:clrMapOvr>
-  <p:timing>
-    <p:tnLst>
-      <p:par>
-        <p:cTn id="1" dur="indefinite" restart="never" nodeType="tmRoot"/>
-      </p:par>
-    </p:tnLst>
-  </p:timing>
-</p:sld>
-</file>
-
-<file path=ppt/slides/slide8.xml><?xml version="1.0" encoding="utf-8"?>
-<p:sld xmlns:a="http://schemas.openxmlformats.org/drawingml/2006/main" xmlns:r="http://schemas.openxmlformats.org/officeDocument/2006/relationships" xmlns:p="http://schemas.openxmlformats.org/presentationml/2006/main">
-  <p:cSld>
-    <p:spTree>
-      <p:nvGrpSpPr>
-        <p:cNvPr id="1" name=""/>
-        <p:cNvGrpSpPr/>
-        <p:nvPr/>
-      </p:nvGrpSpPr>
-      <p:grpSpPr>
-        <a:xfrm>
-          <a:off x="0" y="0"/>
-          <a:ext cx="0" cy="0"/>
-          <a:chOff x="0" y="0"/>
-          <a:chExt cx="0" cy="0"/>
-        </a:xfrm>
-      </p:grpSpPr>
-      <p:sp>
-        <p:nvSpPr>
-          <p:cNvPr id="2" name="内容占位符 1"/>
-          <p:cNvSpPr>
-            <a:spLocks noGrp="1"/>
-          </p:cNvSpPr>
-          <p:nvPr>
-            <p:ph idx="1"/>
-          </p:nvPr>
-        </p:nvSpPr>
-        <p:spPr>
-          <a:xfrm>
-            <a:off x="456406" y="1166018"/>
-            <a:ext cx="8229600" cy="4525963"/>
-          </a:xfrm>
-        </p:spPr>
-        <p:txBody>
-          <a:bodyPr/>
-          <a:lstStyle/>
-          <a:p>
-            <a:r>
-              <a:rPr lang="zh-CN" altLang="en-US" dirty="0" smtClean="0"/>
-              <a:t>方法三：菜单，选项</a:t>
-            </a:r>
-            <a:r>
-              <a:rPr lang="en-US" altLang="zh-CN" dirty="0" smtClean="0"/>
-              <a:t>-</a:t>
-            </a:r>
-            <a:r>
-              <a:rPr lang="zh-CN" altLang="en-US" dirty="0" smtClean="0"/>
-              <a:t>函数助手对话框</a:t>
-            </a:r>
-            <a:endParaRPr lang="zh-CN" altLang="en-US" dirty="0"/>
-          </a:p>
-        </p:txBody>
-      </p:sp>
-      <p:sp>
-        <p:nvSpPr>
-          <p:cNvPr id="3" name="标题 2"/>
-          <p:cNvSpPr>
-            <a:spLocks noGrp="1"/>
-          </p:cNvSpPr>
-          <p:nvPr>
-            <p:ph type="title"/>
-          </p:nvPr>
-        </p:nvSpPr>
-        <p:spPr/>
-        <p:txBody>
-          <a:bodyPr/>
-          <a:lstStyle/>
-          <a:p>
-            <a:r>
-              <a:rPr lang="en-US" altLang="zh-CN" dirty="0" err="1"/>
-              <a:t>Jmeter</a:t>
-            </a:r>
-            <a:r>
-              <a:rPr lang="zh-CN" altLang="en-US" dirty="0"/>
-              <a:t>之参数化</a:t>
-            </a:r>
-          </a:p>
-        </p:txBody>
-      </p:sp>
-      <p:pic>
-        <p:nvPicPr>
-          <p:cNvPr id="6146" name="Picture 2"/>
-          <p:cNvPicPr>
-            <a:picLocks noChangeAspect="1" noChangeArrowheads="1"/>
-          </p:cNvPicPr>
-          <p:nvPr/>
-        </p:nvPicPr>
-        <p:blipFill>
-          <a:blip r:embed="rId2">
-            <a:extLst>
-              <a:ext uri="{28A0092B-C50C-407E-A947-70E740481C1C}">
-                <a14:useLocalDpi xmlns:a14="http://schemas.microsoft.com/office/drawing/2010/main" val="0"/>
-              </a:ext>
-            </a:extLst>
-          </a:blip>
-          <a:srcRect/>
-          <a:stretch>
-            <a:fillRect/>
-          </a:stretch>
-        </p:blipFill>
-        <p:spPr bwMode="auto">
-          <a:xfrm>
-            <a:off x="755576" y="1988840"/>
-            <a:ext cx="7046913" cy="2857500"/>
-          </a:xfrm>
-          <a:prstGeom prst="rect">
-            <a:avLst/>
-          </a:prstGeom>
-          <a:noFill/>
-          <a:ln>
-            <a:noFill/>
-          </a:ln>
-          <a:effectLst/>
-          <a:extLst>
-            <a:ext uri="{909E8E84-426E-40DD-AFC4-6F175D3DCCD1}">
-              <a14:hiddenFill xmlns:a14="http://schemas.microsoft.com/office/drawing/2010/main">
-                <a:solidFill>
-                  <a:schemeClr val="accent1"/>
-                </a:solidFill>
-              </a14:hiddenFill>
-            </a:ext>
-            <a:ext uri="{91240B29-F687-4F45-9708-019B960494DF}">
-              <a14:hiddenLine xmlns:a14="http://schemas.microsoft.com/office/drawing/2010/main" w="9525">
-                <a:solidFill>
-                  <a:schemeClr val="tx1"/>
-                </a:solidFill>
-                <a:miter lim="800000"/>
-                <a:headEnd/>
-                <a:tailEnd/>
-              </a14:hiddenLine>
-            </a:ext>
-            <a:ext uri="{AF507438-7753-43E0-B8FC-AC1667EBCBE1}">
-              <a14:hiddenEffects xmlns:a14="http://schemas.microsoft.com/office/drawing/2010/main">
-                <a:effectLst>
-                  <a:outerShdw dist="35921" dir="2700000" algn="ctr" rotWithShape="0">
-                    <a:schemeClr val="bg2"/>
-                  </a:outerShdw>
-                </a:effectLst>
-              </a14:hiddenEffects>
-            </a:ext>
-          </a:extLst>
-        </p:spPr>
-      </p:pic>
-    </p:spTree>
-    <p:extLst>
-      <p:ext uri="{BB962C8B-B14F-4D97-AF65-F5344CB8AC3E}">
-        <p14:creationId xmlns:p14="http://schemas.microsoft.com/office/powerpoint/2010/main" val="2910367643"/>
-      </p:ext>
-    </p:extLst>
-  </p:cSld>
-  <p:clrMapOvr>
-    <a:masterClrMapping/>
-  </p:clrMapOvr>
-  <p:timing>
-    <p:tnLst>
-      <p:par>
-        <p:cTn id="1" dur="indefinite" restart="never" nodeType="tmRoot"/>
-      </p:par>
-    </p:tnLst>
-  </p:timing>
-</p:sld>
-</file>
-
-<file path=ppt/slides/slide9.xml><?xml version="1.0" encoding="utf-8"?>
-<p:sld xmlns:a="http://schemas.openxmlformats.org/drawingml/2006/main" xmlns:r="http://schemas.openxmlformats.org/officeDocument/2006/relationships" xmlns:p="http://schemas.openxmlformats.org/presentationml/2006/main">
-  <p:cSld>
-    <p:spTree>
-      <p:nvGrpSpPr>
-        <p:cNvPr id="1" name=""/>
-        <p:cNvGrpSpPr/>
-        <p:nvPr/>
-      </p:nvGrpSpPr>
-      <p:grpSpPr>
-        <a:xfrm>
-          <a:off x="0" y="0"/>
-          <a:ext cx="0" cy="0"/>
-          <a:chOff x="0" y="0"/>
-          <a:chExt cx="0" cy="0"/>
-        </a:xfrm>
-      </p:grpSpPr>
-      <p:sp>
-        <p:nvSpPr>
-          <p:cNvPr id="2" name="内容占位符 1"/>
-          <p:cNvSpPr>
-            <a:spLocks noGrp="1"/>
-          </p:cNvSpPr>
-          <p:nvPr>
-            <p:ph idx="1"/>
-          </p:nvPr>
-        </p:nvSpPr>
-        <p:spPr>
-          <a:xfrm>
-            <a:off x="611560" y="1124744"/>
-            <a:ext cx="8229600" cy="4525963"/>
-          </a:xfrm>
-        </p:spPr>
-        <p:txBody>
-          <a:bodyPr/>
-          <a:lstStyle/>
-          <a:p>
-            <a:r>
-              <a:rPr lang="zh-CN" altLang="en-US" dirty="0" smtClean="0">
-                <a:latin typeface="+mn-ea"/>
-              </a:rPr>
-              <a:t>目的：为了更加准确的去模拟并发</a:t>
-            </a:r>
-            <a:endParaRPr lang="en-US" altLang="zh-CN" dirty="0" smtClean="0">
-              <a:latin typeface="+mn-ea"/>
-            </a:endParaRPr>
-          </a:p>
-          <a:p>
-            <a:r>
-              <a:rPr lang="zh-CN" altLang="en-US" dirty="0" smtClean="0">
-                <a:latin typeface="+mn-ea"/>
-              </a:rPr>
-              <a:t>定时器</a:t>
-            </a:r>
-            <a:r>
-              <a:rPr lang="en-US" altLang="zh-CN" dirty="0" smtClean="0">
-                <a:latin typeface="+mn-ea"/>
-              </a:rPr>
-              <a:t>/Synchronizing </a:t>
-            </a:r>
-            <a:r>
-              <a:rPr lang="en-US" altLang="zh-CN" dirty="0">
-                <a:latin typeface="+mn-ea"/>
-              </a:rPr>
-              <a:t>Timer</a:t>
-            </a:r>
-            <a:endParaRPr lang="zh-CN" altLang="en-US" dirty="0">
-              <a:latin typeface="+mn-ea"/>
-            </a:endParaRPr>
-          </a:p>
-        </p:txBody>
-      </p:sp>
-      <p:sp>
-        <p:nvSpPr>
-          <p:cNvPr id="3" name="标题 2"/>
-          <p:cNvSpPr>
-            <a:spLocks noGrp="1"/>
-          </p:cNvSpPr>
-          <p:nvPr>
-            <p:ph type="title"/>
-          </p:nvPr>
-        </p:nvSpPr>
-        <p:spPr/>
-        <p:txBody>
-          <a:bodyPr/>
-          <a:lstStyle/>
-          <a:p>
-            <a:r>
-              <a:rPr lang="en-US" altLang="zh-CN" dirty="0" err="1" smtClean="0"/>
-              <a:t>Jmeter</a:t>
-            </a:r>
-            <a:r>
-              <a:rPr lang="zh-CN" altLang="en-US" dirty="0" smtClean="0"/>
-              <a:t>之集合点</a:t>
-            </a:r>
-            <a:endParaRPr lang="zh-CN" altLang="en-US" dirty="0"/>
-          </a:p>
-        </p:txBody>
-      </p:sp>
-      <p:pic>
-        <p:nvPicPr>
-          <p:cNvPr id="7170" name="Picture 2"/>
-          <p:cNvPicPr>
-            <a:picLocks noChangeAspect="1" noChangeArrowheads="1"/>
-          </p:cNvPicPr>
-          <p:nvPr/>
-        </p:nvPicPr>
-        <p:blipFill>
-          <a:blip r:embed="rId2">
-            <a:extLst>
-              <a:ext uri="{28A0092B-C50C-407E-A947-70E740481C1C}">
-                <a14:useLocalDpi xmlns:a14="http://schemas.microsoft.com/office/drawing/2010/main" val="0"/>
-              </a:ext>
-            </a:extLst>
-          </a:blip>
-          <a:srcRect/>
-          <a:stretch>
-            <a:fillRect/>
-          </a:stretch>
-        </p:blipFill>
-        <p:spPr bwMode="auto">
-          <a:xfrm>
-            <a:off x="1115616" y="2348880"/>
-            <a:ext cx="6324600" cy="2314575"/>
-          </a:xfrm>
-          <a:prstGeom prst="rect">
-            <a:avLst/>
-          </a:prstGeom>
-          <a:noFill/>
-          <a:ln>
-            <a:noFill/>
-          </a:ln>
-          <a:effectLst/>
-          <a:extLst>
-            <a:ext uri="{909E8E84-426E-40DD-AFC4-6F175D3DCCD1}">
-              <a14:hiddenFill xmlns:a14="http://schemas.microsoft.com/office/drawing/2010/main">
-                <a:solidFill>
-                  <a:schemeClr val="accent1"/>
-                </a:solidFill>
-              </a14:hiddenFill>
-            </a:ext>
-            <a:ext uri="{91240B29-F687-4F45-9708-019B960494DF}">
-              <a14:hiddenLine xmlns:a14="http://schemas.microsoft.com/office/drawing/2010/main" w="9525">
-                <a:solidFill>
-                  <a:schemeClr val="tx1"/>
-                </a:solidFill>
-                <a:miter lim="800000"/>
-                <a:headEnd/>
-                <a:tailEnd/>
-              </a14:hiddenLine>
-            </a:ext>
-            <a:ext uri="{AF507438-7753-43E0-B8FC-AC1667EBCBE1}">
-              <a14:hiddenEffects xmlns:a14="http://schemas.microsoft.com/office/drawing/2010/main">
-                <a:effectLst>
-                  <a:outerShdw dist="35921" dir="2700000" algn="ctr" rotWithShape="0">
-                    <a:schemeClr val="bg2"/>
-                  </a:outerShdw>
-                </a:effectLst>
-              </a14:hiddenEffects>
-            </a:ext>
-          </a:extLst>
-        </p:spPr>
-      </p:pic>
-      <p:sp>
-        <p:nvSpPr>
-          <p:cNvPr id="4" name="矩形 3"/>
-          <p:cNvSpPr/>
-          <p:nvPr/>
-        </p:nvSpPr>
-        <p:spPr>
-          <a:xfrm>
-            <a:off x="251520" y="5015155"/>
-            <a:ext cx="8352928" cy="1643527"/>
-          </a:xfrm>
-          <a:prstGeom prst="rect">
-            <a:avLst/>
-          </a:prstGeom>
-        </p:spPr>
-        <p:txBody>
-          <a:bodyPr wrap="square">
-            <a:spAutoFit/>
-          </a:bodyPr>
-          <a:lstStyle/>
-          <a:p>
-            <a:pPr marL="342900" indent="-342900">
-              <a:spcBef>
-                <a:spcPct val="20000"/>
-              </a:spcBef>
-              <a:buFont typeface="Arial" pitchFamily="34" charset="0"/>
-              <a:buChar char="•"/>
-            </a:pPr>
-            <a:r>
-              <a:rPr lang="en-US" altLang="zh-CN" sz="2400" dirty="0">
-                <a:latin typeface="+mn-ea"/>
-              </a:rPr>
-              <a:t>Number of Simulated Users to Group by:</a:t>
-            </a:r>
-            <a:r>
-              <a:rPr lang="zh-CN" altLang="en-US" sz="2400" dirty="0">
-                <a:latin typeface="+mn-ea"/>
-              </a:rPr>
-              <a:t>集合多少人后再执行请求</a:t>
-            </a:r>
-          </a:p>
-          <a:p>
-            <a:pPr marL="342900" indent="-342900">
-              <a:spcBef>
-                <a:spcPct val="20000"/>
-              </a:spcBef>
-              <a:buFont typeface="Arial" pitchFamily="34" charset="0"/>
-              <a:buChar char="•"/>
-            </a:pPr>
-            <a:r>
-              <a:rPr lang="en-US" altLang="zh-CN" sz="2400" dirty="0">
-                <a:latin typeface="+mn-ea"/>
-              </a:rPr>
-              <a:t>Timeout in milliseconds</a:t>
-            </a:r>
-            <a:r>
-              <a:rPr lang="zh-CN" altLang="en-US" sz="2400" dirty="0">
-                <a:latin typeface="+mn-ea"/>
-              </a:rPr>
-              <a:t>：多少秒没集合到指定</a:t>
-            </a:r>
-            <a:r>
-              <a:rPr lang="zh-CN" altLang="en-US" sz="2400" dirty="0" smtClean="0">
-                <a:latin typeface="+mn-ea"/>
-              </a:rPr>
-              <a:t>人数算</a:t>
-            </a:r>
-            <a:r>
-              <a:rPr lang="zh-CN" altLang="en-US" sz="2400" dirty="0">
-                <a:latin typeface="+mn-ea"/>
-              </a:rPr>
-              <a:t>超时</a:t>
-            </a:r>
-          </a:p>
-        </p:txBody>
-      </p:sp>
-    </p:spTree>
-    <p:extLst>
-      <p:ext uri="{BB962C8B-B14F-4D97-AF65-F5344CB8AC3E}">
-        <p14:creationId xmlns:p14="http://schemas.microsoft.com/office/powerpoint/2010/main" val="516317983"/>
       </p:ext>
     </p:extLst>
   </p:cSld>
